--- a/teaching/CS472/Timetable/Survey_Presentation.pptx
+++ b/teaching/CS472/Timetable/Survey_Presentation.pptx
@@ -15175,6 +15175,18 @@
               <a:rPr lang="en-BE" sz="3200" dirty="0"/>
               <a:t>I will be make a few updates on DP II tomorrow</a:t>
             </a:r>
+          </a:p>
+          <a:p>
+            <a:pPr lvl="1"/>
+            <a:r>
+              <a:rPr lang="en-BE" sz="3200" dirty="0"/>
+              <a:t>Last face-to-face class – Does not mean that you should stop coming to campus. </a:t>
+            </a:r>
+            <a:r>
+              <a:rPr lang="en-BE" sz="3200"/>
+              <a:t>A physical meeting at least every 2 weeks is requred</a:t>
+            </a:r>
+            <a:endParaRPr lang="en-BE" sz="3200" dirty="0"/>
           </a:p>
           <a:p>
             <a:pPr lvl="1"/>
@@ -17796,6 +17808,9 @@
                     <p:cTn id="3" fill="hold">
                       <p:stCondLst>
                         <p:cond delay="indefinite"/>
+                        <p:cond evt="onBegin" delay="0">
+                          <p:tn val="2"/>
+                        </p:cond>
                       </p:stCondLst>
                       <p:childTnLst>
                         <p:par>
@@ -17805,7 +17820,7 @@
                             </p:stCondLst>
                             <p:childTnLst>
                               <p:par>
-                                <p:cTn id="5" presetID="9" presetClass="entr" presetSubtype="0" fill="hold" nodeType="clickEffect">
+                                <p:cTn id="5" presetID="9" presetClass="entr" presetSubtype="0" fill="hold" nodeType="withEffect">
                                   <p:stCondLst>
                                     <p:cond delay="0"/>
                                   </p:stCondLst>
@@ -27999,6 +28014,51 @@
                       </p:childTnLst>
                     </p:cTn>
                   </p:par>
+                  <p:par>
+                    <p:cTn id="8" fill="hold">
+                      <p:stCondLst>
+                        <p:cond delay="indefinite"/>
+                      </p:stCondLst>
+                      <p:childTnLst>
+                        <p:par>
+                          <p:cTn id="9" fill="hold">
+                            <p:stCondLst>
+                              <p:cond delay="0"/>
+                            </p:stCondLst>
+                            <p:childTnLst>
+                              <p:par>
+                                <p:cTn id="10" presetID="1" presetClass="entr" presetSubtype="0" fill="hold" nodeType="clickEffect">
+                                  <p:stCondLst>
+                                    <p:cond delay="0"/>
+                                  </p:stCondLst>
+                                  <p:childTnLst>
+                                    <p:set>
+                                      <p:cBhvr>
+                                        <p:cTn id="11" dur="1" fill="hold">
+                                          <p:stCondLst>
+                                            <p:cond delay="0"/>
+                                          </p:stCondLst>
+                                        </p:cTn>
+                                        <p:tgtEl>
+                                          <p:spTgt spid="2"/>
+                                        </p:tgtEl>
+                                        <p:attrNameLst>
+                                          <p:attrName>style.visibility</p:attrName>
+                                        </p:attrNameLst>
+                                      </p:cBhvr>
+                                      <p:to>
+                                        <p:strVal val="visible"/>
+                                      </p:to>
+                                    </p:set>
+                                  </p:childTnLst>
+                                </p:cTn>
+                              </p:par>
+                            </p:childTnLst>
+                          </p:cTn>
+                        </p:par>
+                      </p:childTnLst>
+                    </p:cTn>
+                  </p:par>
                 </p:childTnLst>
               </p:cTn>
               <p:prevCondLst>

--- a/teaching/CS472/Timetable/Survey_Presentation.pptx
+++ b/teaching/CS472/Timetable/Survey_Presentation.pptx
@@ -1087,7 +1087,7 @@
           <a:p>
             <a:fld id="{ECB6ABEC-9682-A748-9952-F7E88154EBB2}" type="datetimeFigureOut">
               <a:rPr lang="en-BE" smtClean="0"/>
-              <a:t>27/02/2024</a:t>
+              <a:t>09/10/2024</a:t>
             </a:fld>
             <a:endParaRPr lang="en-BE"/>
           </a:p>
@@ -3634,7 +3634,7 @@
           <a:p>
             <a:fld id="{5A5876BE-2CEE-3F48-98D5-9DF9AF5CE17C}" type="datetimeFigureOut">
               <a:rPr lang="en-BE" smtClean="0"/>
-              <a:t>27/02/2024</a:t>
+              <a:t>09/10/2024</a:t>
             </a:fld>
             <a:endParaRPr lang="en-BE"/>
           </a:p>
@@ -3834,7 +3834,7 @@
           <a:p>
             <a:fld id="{5A5876BE-2CEE-3F48-98D5-9DF9AF5CE17C}" type="datetimeFigureOut">
               <a:rPr lang="en-BE" smtClean="0"/>
-              <a:t>27/02/2024</a:t>
+              <a:t>09/10/2024</a:t>
             </a:fld>
             <a:endParaRPr lang="en-BE"/>
           </a:p>
@@ -4044,7 +4044,7 @@
           <a:p>
             <a:fld id="{5A5876BE-2CEE-3F48-98D5-9DF9AF5CE17C}" type="datetimeFigureOut">
               <a:rPr lang="en-BE" smtClean="0"/>
-              <a:t>27/02/2024</a:t>
+              <a:t>09/10/2024</a:t>
             </a:fld>
             <a:endParaRPr lang="en-BE"/>
           </a:p>
@@ -4244,7 +4244,7 @@
           <a:p>
             <a:fld id="{5A5876BE-2CEE-3F48-98D5-9DF9AF5CE17C}" type="datetimeFigureOut">
               <a:rPr lang="en-BE" smtClean="0"/>
-              <a:t>27/02/2024</a:t>
+              <a:t>09/10/2024</a:t>
             </a:fld>
             <a:endParaRPr lang="en-BE"/>
           </a:p>
@@ -4520,7 +4520,7 @@
           <a:p>
             <a:fld id="{5A5876BE-2CEE-3F48-98D5-9DF9AF5CE17C}" type="datetimeFigureOut">
               <a:rPr lang="en-BE" smtClean="0"/>
-              <a:t>27/02/2024</a:t>
+              <a:t>09/10/2024</a:t>
             </a:fld>
             <a:endParaRPr lang="en-BE"/>
           </a:p>
@@ -4788,7 +4788,7 @@
           <a:p>
             <a:fld id="{5A5876BE-2CEE-3F48-98D5-9DF9AF5CE17C}" type="datetimeFigureOut">
               <a:rPr lang="en-BE" smtClean="0"/>
-              <a:t>27/02/2024</a:t>
+              <a:t>09/10/2024</a:t>
             </a:fld>
             <a:endParaRPr lang="en-BE"/>
           </a:p>
@@ -5203,7 +5203,7 @@
           <a:p>
             <a:fld id="{5A5876BE-2CEE-3F48-98D5-9DF9AF5CE17C}" type="datetimeFigureOut">
               <a:rPr lang="en-BE" smtClean="0"/>
-              <a:t>27/02/2024</a:t>
+              <a:t>09/10/2024</a:t>
             </a:fld>
             <a:endParaRPr lang="en-BE"/>
           </a:p>
@@ -5345,7 +5345,7 @@
           <a:p>
             <a:fld id="{5A5876BE-2CEE-3F48-98D5-9DF9AF5CE17C}" type="datetimeFigureOut">
               <a:rPr lang="en-BE" smtClean="0"/>
-              <a:t>27/02/2024</a:t>
+              <a:t>09/10/2024</a:t>
             </a:fld>
             <a:endParaRPr lang="en-BE"/>
           </a:p>
@@ -5458,7 +5458,7 @@
           <a:p>
             <a:fld id="{5A5876BE-2CEE-3F48-98D5-9DF9AF5CE17C}" type="datetimeFigureOut">
               <a:rPr lang="en-BE" smtClean="0"/>
-              <a:t>27/02/2024</a:t>
+              <a:t>09/10/2024</a:t>
             </a:fld>
             <a:endParaRPr lang="en-BE"/>
           </a:p>
@@ -5771,7 +5771,7 @@
           <a:p>
             <a:fld id="{5A5876BE-2CEE-3F48-98D5-9DF9AF5CE17C}" type="datetimeFigureOut">
               <a:rPr lang="en-BE" smtClean="0"/>
-              <a:t>27/02/2024</a:t>
+              <a:t>09/10/2024</a:t>
             </a:fld>
             <a:endParaRPr lang="en-BE"/>
           </a:p>
@@ -6060,7 +6060,7 @@
           <a:p>
             <a:fld id="{5A5876BE-2CEE-3F48-98D5-9DF9AF5CE17C}" type="datetimeFigureOut">
               <a:rPr lang="en-BE" smtClean="0"/>
-              <a:t>27/02/2024</a:t>
+              <a:t>09/10/2024</a:t>
             </a:fld>
             <a:endParaRPr lang="en-BE"/>
           </a:p>
@@ -6303,7 +6303,7 @@
           <a:p>
             <a:fld id="{5A5876BE-2CEE-3F48-98D5-9DF9AF5CE17C}" type="datetimeFigureOut">
               <a:rPr lang="en-BE" smtClean="0"/>
-              <a:t>27/02/2024</a:t>
+              <a:t>09/10/2024</a:t>
             </a:fld>
             <a:endParaRPr lang="en-BE"/>
           </a:p>
@@ -15159,22 +15159,16 @@
             <a:pPr lvl="1"/>
             <a:r>
               <a:rPr lang="en-BE" sz="3200" dirty="0"/>
-              <a:t>DP I should be submitted tonight</a:t>
+              <a:t>DP I marks released</a:t>
             </a:r>
           </a:p>
           <a:p>
             <a:pPr lvl="1"/>
             <a:r>
-              <a:rPr lang="en-BE" sz="3200" dirty="0"/>
-              <a:t>Start working on your DP II – Due Date: March 26th, 2024</a:t>
+              <a:rPr lang="en-BE" sz="3200"/>
+              <a:t>Comments of features are suggestions</a:t>
             </a:r>
-          </a:p>
-          <a:p>
-            <a:pPr lvl="1"/>
-            <a:r>
-              <a:rPr lang="en-BE" sz="3200" dirty="0"/>
-              <a:t>I will be make a few updates on DP II tomorrow</a:t>
-            </a:r>
+            <a:endParaRPr lang="en-BE" sz="3200" dirty="0"/>
           </a:p>
           <a:p>
             <a:pPr lvl="1"/>
@@ -15182,11 +15176,13 @@
               <a:rPr lang="en-BE" sz="3200" dirty="0"/>
               <a:t>Last face-to-face class – Does not mean that you should stop coming to campus. </a:t>
             </a:r>
+          </a:p>
+          <a:p>
+            <a:pPr lvl="1"/>
             <a:r>
-              <a:rPr lang="en-BE" sz="3200"/>
+              <a:rPr lang="en-BE" sz="3200" dirty="0"/>
               <a:t>A physical meeting at least every 2 weeks is requred</a:t>
             </a:r>
-            <a:endParaRPr lang="en-BE" sz="3200" dirty="0"/>
           </a:p>
           <a:p>
             <a:pPr lvl="1"/>
@@ -19648,7 +19644,7 @@
             <p:spPr>
               <a:xfrm>
                 <a:off x="10751090" y="7519788"/>
-                <a:ext cx="6280674" cy="3458716"/>
+                <a:ext cx="6280674" cy="3458717"/>
               </a:xfrm>
               <a:prstGeom prst="rect">
                 <a:avLst/>
@@ -19932,27 +19928,7 @@
                     <a:effectLst/>
                     <a:latin typeface="Google Sans"/>
                   </a:rPr>
-                  <a:t>It </a:t>
-                </a:r>
-                <a:r>
-                  <a:rPr lang="en-GB" sz="1400" b="0" i="0" dirty="0" err="1">
-                    <a:solidFill>
-                      <a:srgbClr val="1F1F1F"/>
-                    </a:solidFill>
-                    <a:effectLst/>
-                    <a:latin typeface="Google Sans"/>
-                  </a:rPr>
-                  <a:t>isnt</a:t>
-                </a:r>
-                <a:r>
-                  <a:rPr lang="en-GB" sz="1400" b="0" i="0" dirty="0">
-                    <a:solidFill>
-                      <a:srgbClr val="1F1F1F"/>
-                    </a:solidFill>
-                    <a:effectLst/>
-                    <a:latin typeface="Google Sans"/>
-                  </a:rPr>
-                  <a:t> so much about following a plan as it is to "Get to know your people", understand them. Be balanced. That is being both able to empathize, but teach, scold, but don't burn them, and if it really takes it, get into whatever their doing, and help them. </a:t>
+                  <a:t>It isn’t so much about following a plan as it is to "Get to know your people", understand them. Be balanced. That is being both able to empathize, but teach, scold, but don't burn them, and if it really takes it, get into whatever their doing, and help them. </a:t>
                 </a:r>
                 <a:br>
                   <a:rPr lang="en-GB" sz="1400" dirty="0"/>

--- a/teaching/CS472/Timetable/Survey_Presentation.pptx
+++ b/teaching/CS472/Timetable/Survey_Presentation.pptx
@@ -15165,10 +15165,31 @@
           <a:p>
             <a:pPr lvl="1"/>
             <a:r>
-              <a:rPr lang="en-BE" sz="3200"/>
+              <a:rPr lang="en-BE" sz="3200" dirty="0"/>
               <a:t>Comments of features are suggestions</a:t>
             </a:r>
-            <a:endParaRPr lang="en-BE" sz="3200" dirty="0"/>
+          </a:p>
+          <a:p>
+            <a:pPr lvl="1"/>
+            <a:r>
+              <a:rPr lang="en-BE" sz="3200" dirty="0"/>
+              <a:t>DP II &amp; III </a:t>
+            </a:r>
+          </a:p>
+          <a:p>
+            <a:pPr lvl="2"/>
+            <a:r>
+              <a:rPr lang="en-BE" sz="2800" dirty="0"/>
+              <a:t>Individual 60%</a:t>
+            </a:r>
+          </a:p>
+          <a:p>
+            <a:pPr lvl="2"/>
+            <a:r>
+              <a:rPr lang="en-BE" sz="2800"/>
+              <a:t>Team 40%</a:t>
+            </a:r>
+            <a:endParaRPr lang="en-BE" sz="2800" dirty="0"/>
           </a:p>
           <a:p>
             <a:pPr lvl="1"/>

--- a/teaching/CS472/Timetable/Survey_Presentation.pptx
+++ b/teaching/CS472/Timetable/Survey_Presentation.pptx
@@ -1087,7 +1087,7 @@
           <a:p>
             <a:fld id="{ECB6ABEC-9682-A748-9952-F7E88154EBB2}" type="datetimeFigureOut">
               <a:rPr lang="en-BE" smtClean="0"/>
-              <a:t>09/10/2024</a:t>
+              <a:t>18/02/2025</a:t>
             </a:fld>
             <a:endParaRPr lang="en-BE"/>
           </a:p>
@@ -3634,7 +3634,7 @@
           <a:p>
             <a:fld id="{5A5876BE-2CEE-3F48-98D5-9DF9AF5CE17C}" type="datetimeFigureOut">
               <a:rPr lang="en-BE" smtClean="0"/>
-              <a:t>09/10/2024</a:t>
+              <a:t>18/02/2025</a:t>
             </a:fld>
             <a:endParaRPr lang="en-BE"/>
           </a:p>
@@ -3834,7 +3834,7 @@
           <a:p>
             <a:fld id="{5A5876BE-2CEE-3F48-98D5-9DF9AF5CE17C}" type="datetimeFigureOut">
               <a:rPr lang="en-BE" smtClean="0"/>
-              <a:t>09/10/2024</a:t>
+              <a:t>18/02/2025</a:t>
             </a:fld>
             <a:endParaRPr lang="en-BE"/>
           </a:p>
@@ -4044,7 +4044,7 @@
           <a:p>
             <a:fld id="{5A5876BE-2CEE-3F48-98D5-9DF9AF5CE17C}" type="datetimeFigureOut">
               <a:rPr lang="en-BE" smtClean="0"/>
-              <a:t>09/10/2024</a:t>
+              <a:t>18/02/2025</a:t>
             </a:fld>
             <a:endParaRPr lang="en-BE"/>
           </a:p>
@@ -4244,7 +4244,7 @@
           <a:p>
             <a:fld id="{5A5876BE-2CEE-3F48-98D5-9DF9AF5CE17C}" type="datetimeFigureOut">
               <a:rPr lang="en-BE" smtClean="0"/>
-              <a:t>09/10/2024</a:t>
+              <a:t>18/02/2025</a:t>
             </a:fld>
             <a:endParaRPr lang="en-BE"/>
           </a:p>
@@ -4520,7 +4520,7 @@
           <a:p>
             <a:fld id="{5A5876BE-2CEE-3F48-98D5-9DF9AF5CE17C}" type="datetimeFigureOut">
               <a:rPr lang="en-BE" smtClean="0"/>
-              <a:t>09/10/2024</a:t>
+              <a:t>18/02/2025</a:t>
             </a:fld>
             <a:endParaRPr lang="en-BE"/>
           </a:p>
@@ -4788,7 +4788,7 @@
           <a:p>
             <a:fld id="{5A5876BE-2CEE-3F48-98D5-9DF9AF5CE17C}" type="datetimeFigureOut">
               <a:rPr lang="en-BE" smtClean="0"/>
-              <a:t>09/10/2024</a:t>
+              <a:t>18/02/2025</a:t>
             </a:fld>
             <a:endParaRPr lang="en-BE"/>
           </a:p>
@@ -5203,7 +5203,7 @@
           <a:p>
             <a:fld id="{5A5876BE-2CEE-3F48-98D5-9DF9AF5CE17C}" type="datetimeFigureOut">
               <a:rPr lang="en-BE" smtClean="0"/>
-              <a:t>09/10/2024</a:t>
+              <a:t>18/02/2025</a:t>
             </a:fld>
             <a:endParaRPr lang="en-BE"/>
           </a:p>
@@ -5345,7 +5345,7 @@
           <a:p>
             <a:fld id="{5A5876BE-2CEE-3F48-98D5-9DF9AF5CE17C}" type="datetimeFigureOut">
               <a:rPr lang="en-BE" smtClean="0"/>
-              <a:t>09/10/2024</a:t>
+              <a:t>18/02/2025</a:t>
             </a:fld>
             <a:endParaRPr lang="en-BE"/>
           </a:p>
@@ -5458,7 +5458,7 @@
           <a:p>
             <a:fld id="{5A5876BE-2CEE-3F48-98D5-9DF9AF5CE17C}" type="datetimeFigureOut">
               <a:rPr lang="en-BE" smtClean="0"/>
-              <a:t>09/10/2024</a:t>
+              <a:t>18/02/2025</a:t>
             </a:fld>
             <a:endParaRPr lang="en-BE"/>
           </a:p>
@@ -5771,7 +5771,7 @@
           <a:p>
             <a:fld id="{5A5876BE-2CEE-3F48-98D5-9DF9AF5CE17C}" type="datetimeFigureOut">
               <a:rPr lang="en-BE" smtClean="0"/>
-              <a:t>09/10/2024</a:t>
+              <a:t>18/02/2025</a:t>
             </a:fld>
             <a:endParaRPr lang="en-BE"/>
           </a:p>
@@ -6060,7 +6060,7 @@
           <a:p>
             <a:fld id="{5A5876BE-2CEE-3F48-98D5-9DF9AF5CE17C}" type="datetimeFigureOut">
               <a:rPr lang="en-BE" smtClean="0"/>
-              <a:t>09/10/2024</a:t>
+              <a:t>18/02/2025</a:t>
             </a:fld>
             <a:endParaRPr lang="en-BE"/>
           </a:p>
@@ -6303,7 +6303,7 @@
           <a:p>
             <a:fld id="{5A5876BE-2CEE-3F48-98D5-9DF9AF5CE17C}" type="datetimeFigureOut">
               <a:rPr lang="en-BE" smtClean="0"/>
-              <a:t>09/10/2024</a:t>
+              <a:t>18/02/2025</a:t>
             </a:fld>
             <a:endParaRPr lang="en-BE"/>
           </a:p>
@@ -7395,7 +7395,7 @@
 </file>
 
 <file path=ppt/slides/slide12.xml><?xml version="1.0" encoding="utf-8"?>
-<p:sld xmlns:a="http://schemas.openxmlformats.org/drawingml/2006/main" xmlns:r="http://schemas.openxmlformats.org/officeDocument/2006/relationships" xmlns:p="http://schemas.openxmlformats.org/presentationml/2006/main">
+<p:sld xmlns:a="http://schemas.openxmlformats.org/drawingml/2006/main" xmlns:r="http://schemas.openxmlformats.org/officeDocument/2006/relationships" xmlns:p="http://schemas.openxmlformats.org/presentationml/2006/main" show="0">
   <p:cSld>
     <p:spTree>
       <p:nvGrpSpPr>
@@ -9018,8 +9018,8 @@
             </p:nvSpPr>
             <p:spPr>
               <a:xfrm>
-                <a:off x="10868275" y="9186860"/>
-                <a:ext cx="3830862" cy="2727065"/>
+                <a:off x="10886598" y="9449738"/>
+                <a:ext cx="3830862" cy="2150612"/>
               </a:xfrm>
               <a:prstGeom prst="rect">
                 <a:avLst/>
@@ -9062,7 +9062,7 @@
                     <a:effectLst/>
                     <a:latin typeface="Google Sans"/>
                   </a:rPr>
-                  <a:t>[…] was unanimously assigned to […] because he was the only one with the work experience to software industry. With his knowledge, he was able to guide us through the usual process of how software development goes. He was able to help us set up the planning stage and the tech stack. Decisions were usually made through unanimous voting but sometimes, we try to choose whatever's the best interest for the group.</a:t>
+                  <a:t>[…] was unanimously assigned to […] because he was the only one with the work experience to software industry. With his knowledge, he was able to guide us through the usual process of how software development goes. He was able to help us set up the planning stage and the tech stack. […]</a:t>
                 </a:r>
                 <a:endParaRPr lang="en-GB" sz="1300" dirty="0"/>
               </a:p>
@@ -10269,27 +10269,7 @@
                     <a:effectLst/>
                     <a:latin typeface="Google Sans"/>
                   </a:rPr>
-                  <a:t>A note about #1: This was not implemented </a:t>
-                </a:r>
-                <a:r>
-                  <a:rPr lang="en-GB" sz="1400" b="0" i="0" dirty="0" err="1">
-                    <a:solidFill>
-                      <a:srgbClr val="1F1F1F"/>
-                    </a:solidFill>
-                    <a:effectLst/>
-                    <a:latin typeface="Google Sans"/>
-                  </a:rPr>
-                  <a:t>untill</a:t>
-                </a:r>
-                <a:r>
-                  <a:rPr lang="en-GB" sz="1400" b="0" i="0" dirty="0">
-                    <a:solidFill>
-                      <a:srgbClr val="1F1F1F"/>
-                    </a:solidFill>
-                    <a:effectLst/>
-                    <a:latin typeface="Google Sans"/>
-                  </a:rPr>
-                  <a:t> week 12 (10 weeks into the project) I would suggest that a Director lead every meeting until week 3. Any sooner than this and you are not effectively solidified as the group's lead. I believe that this method only works if you are believed by all members to be the team's lead. </a:t>
+                  <a:t>A note about #1: This was not implemented until week 12 (10 weeks into the project) I would suggest that a Director lead every meeting until week 3. Any sooner than this and you are not effectively solidified as the group's lead. I believe that this method only works if you are believed by all members to be the team's lead. </a:t>
                 </a:r>
                 <a:endParaRPr lang="en-GB" sz="1400" dirty="0"/>
               </a:p>
@@ -13846,7 +13826,7 @@
 </file>
 
 <file path=ppt/slides/slide18.xml><?xml version="1.0" encoding="utf-8"?>
-<p:sld xmlns:a="http://schemas.openxmlformats.org/drawingml/2006/main" xmlns:r="http://schemas.openxmlformats.org/officeDocument/2006/relationships" xmlns:p="http://schemas.openxmlformats.org/presentationml/2006/main">
+<p:sld xmlns:a="http://schemas.openxmlformats.org/drawingml/2006/main" xmlns:r="http://schemas.openxmlformats.org/officeDocument/2006/relationships" xmlns:p="http://schemas.openxmlformats.org/presentationml/2006/main" show="0">
   <p:cSld>
     <p:spTree>
       <p:nvGrpSpPr>
@@ -15159,20 +15139,6 @@
             <a:pPr lvl="1"/>
             <a:r>
               <a:rPr lang="en-BE" sz="3200" dirty="0"/>
-              <a:t>DP I marks released</a:t>
-            </a:r>
-          </a:p>
-          <a:p>
-            <a:pPr lvl="1"/>
-            <a:r>
-              <a:rPr lang="en-BE" sz="3200" dirty="0"/>
-              <a:t>Comments of features are suggestions</a:t>
-            </a:r>
-          </a:p>
-          <a:p>
-            <a:pPr lvl="1"/>
-            <a:r>
-              <a:rPr lang="en-BE" sz="3200" dirty="0"/>
               <a:t>DP II &amp; III </a:t>
             </a:r>
           </a:p>
@@ -15186,10 +15152,9 @@
           <a:p>
             <a:pPr lvl="2"/>
             <a:r>
-              <a:rPr lang="en-BE" sz="2800"/>
+              <a:rPr lang="en-BE" sz="2800" dirty="0"/>
               <a:t>Team 40%</a:t>
             </a:r>
-            <a:endParaRPr lang="en-BE" sz="2800" dirty="0"/>
           </a:p>
           <a:p>
             <a:pPr lvl="1"/>
@@ -16156,10 +16121,10 @@
         </p:nvGrpSpPr>
         <p:grpSpPr>
           <a:xfrm>
-            <a:off x="4701716" y="4545180"/>
-            <a:ext cx="3450655" cy="2009095"/>
-            <a:chOff x="407749" y="940658"/>
-            <a:chExt cx="3450655" cy="2009095"/>
+            <a:off x="4701716" y="4206069"/>
+            <a:ext cx="3450655" cy="2348206"/>
+            <a:chOff x="407749" y="601547"/>
+            <a:chExt cx="3450655" cy="2348206"/>
           </a:xfrm>
         </p:grpSpPr>
         <p:grpSp>
@@ -16176,10 +16141,10 @@
           </p:nvGrpSpPr>
           <p:grpSpPr>
             <a:xfrm>
-              <a:off x="407749" y="940658"/>
-              <a:ext cx="3450655" cy="1523625"/>
-              <a:chOff x="11048547" y="9054858"/>
-              <a:chExt cx="3450655" cy="2195144"/>
+              <a:off x="407749" y="601547"/>
+              <a:ext cx="3450655" cy="1862735"/>
+              <a:chOff x="11048547" y="8566289"/>
+              <a:chExt cx="3450655" cy="2683713"/>
             </a:xfrm>
           </p:grpSpPr>
           <p:pic>
@@ -16225,8 +16190,8 @@
             </p:blipFill>
             <p:spPr bwMode="auto">
               <a:xfrm>
-                <a:off x="11048547" y="9054858"/>
-                <a:ext cx="3450655" cy="2195144"/>
+                <a:off x="11048547" y="8566289"/>
+                <a:ext cx="3450655" cy="2683713"/>
               </a:xfrm>
               <a:prstGeom prst="rect">
                 <a:avLst/>
@@ -16257,8 +16222,8 @@
             </p:nvSpPr>
             <p:spPr>
               <a:xfrm>
-                <a:off x="11160281" y="9158529"/>
-                <a:ext cx="3255869" cy="1729359"/>
+                <a:off x="11160281" y="8777091"/>
+                <a:ext cx="3255869" cy="1951072"/>
               </a:xfrm>
               <a:prstGeom prst="rect">
                 <a:avLst/>
@@ -16272,11 +16237,11 @@
               <a:p>
                 <a:pPr algn="just"/>
                 <a:r>
-                  <a:rPr lang="en-BE" sz="1200" dirty="0"/>
+                  <a:rPr lang="en-BE" sz="1400" dirty="0"/>
                   <a:t>[R16]. </a:t>
                 </a:r>
                 <a:r>
-                  <a:rPr lang="en-GB" sz="1200" b="1" dirty="0">
+                  <a:rPr lang="en-GB" sz="1400" b="1" dirty="0">
                     <a:solidFill>
                       <a:srgbClr val="2000FF"/>
                     </a:solidFill>
@@ -16285,7 +16250,7 @@
                   <a:t>Time management </a:t>
                 </a:r>
                 <a:r>
-                  <a:rPr lang="en-BE" sz="1200" b="1" dirty="0">
+                  <a:rPr lang="en-BE" sz="1400" b="1" dirty="0">
                     <a:solidFill>
                       <a:srgbClr val="2000FF"/>
                     </a:solidFill>
@@ -16293,7 +16258,7 @@
                   <a:t>--</a:t>
                 </a:r>
                 <a:r>
-                  <a:rPr lang="en-BE" sz="1200" dirty="0">
+                  <a:rPr lang="en-BE" sz="1400" dirty="0">
                     <a:solidFill>
                       <a:srgbClr val="2000FF"/>
                     </a:solidFill>
@@ -16301,7 +16266,7 @@
                   <a:t> </a:t>
                 </a:r>
                 <a:r>
-                  <a:rPr lang="en-GB" sz="1200" b="0" i="0" dirty="0">
+                  <a:rPr lang="en-GB" sz="1400" b="0" i="0" dirty="0">
                     <a:solidFill>
                       <a:srgbClr val="1F1F1F"/>
                     </a:solidFill>
@@ -16309,7 +16274,7 @@
                   </a:rPr>
                   <a:t>Sometimes some team members cannot join the meeting because they do not have time, So I think time management will be a challenge than other reasons.</a:t>
                 </a:r>
-                <a:endParaRPr lang="en-BE" sz="1200" dirty="0"/>
+                <a:endParaRPr lang="en-BE" sz="1400" dirty="0"/>
               </a:p>
               <a:p>
                 <a:pPr algn="just"/>
@@ -17388,226 +17353,6 @@
       </p:grpSp>
       <p:grpSp>
         <p:nvGrpSpPr>
-          <p:cNvPr id="19" name="Group 18">
-            <a:extLst>
-              <a:ext uri="{FF2B5EF4-FFF2-40B4-BE49-F238E27FC236}">
-                <a16:creationId xmlns:a16="http://schemas.microsoft.com/office/drawing/2014/main" id="{115FA1DE-CA84-DA20-5588-E6364735F44D}"/>
-              </a:ext>
-            </a:extLst>
-          </p:cNvPr>
-          <p:cNvGrpSpPr/>
-          <p:nvPr/>
-        </p:nvGrpSpPr>
-        <p:grpSpPr>
-          <a:xfrm>
-            <a:off x="342339" y="4134113"/>
-            <a:ext cx="3498259" cy="2688471"/>
-            <a:chOff x="360145" y="940659"/>
-            <a:chExt cx="3498259" cy="2688471"/>
-          </a:xfrm>
-        </p:grpSpPr>
-        <p:grpSp>
-          <p:nvGrpSpPr>
-            <p:cNvPr id="20" name="Group 19">
-              <a:extLst>
-                <a:ext uri="{FF2B5EF4-FFF2-40B4-BE49-F238E27FC236}">
-                  <a16:creationId xmlns:a16="http://schemas.microsoft.com/office/drawing/2014/main" id="{1C8BCB0C-6DB4-B409-6ED5-22F2675DBA24}"/>
-                </a:ext>
-              </a:extLst>
-            </p:cNvPr>
-            <p:cNvGrpSpPr/>
-            <p:nvPr/>
-          </p:nvGrpSpPr>
-          <p:grpSpPr>
-            <a:xfrm>
-              <a:off x="407749" y="940659"/>
-              <a:ext cx="3450655" cy="2605902"/>
-              <a:chOff x="11048547" y="9054858"/>
-              <a:chExt cx="3450655" cy="3754421"/>
-            </a:xfrm>
-          </p:grpSpPr>
-          <p:pic>
-            <p:nvPicPr>
-              <p:cNvPr id="22" name="Picture 6" descr="Callout png images | PNGWing">
-                <a:extLst>
-                  <a:ext uri="{FF2B5EF4-FFF2-40B4-BE49-F238E27FC236}">
-                    <a16:creationId xmlns:a16="http://schemas.microsoft.com/office/drawing/2014/main" id="{BF4D30C2-3D4A-F489-C671-750B339A40DA}"/>
-                  </a:ext>
-                </a:extLst>
-              </p:cNvPr>
-              <p:cNvPicPr>
-                <a:picLocks noChangeAspect="1" noChangeArrowheads="1"/>
-              </p:cNvPicPr>
-              <p:nvPr/>
-            </p:nvPicPr>
-            <p:blipFill rotWithShape="1">
-              <a:blip r:embed="rId3">
-                <a:extLst>
-                  <a:ext uri="{BEBA8EAE-BF5A-486C-A8C5-ECC9F3942E4B}">
-                    <a14:imgProps xmlns:a14="http://schemas.microsoft.com/office/drawing/2010/main">
-                      <a14:imgLayer r:embed="rId4">
-                        <a14:imgEffect>
-                          <a14:backgroundRemoval t="1399" b="95455" l="10000" r="90000">
-                            <a14:foregroundMark x1="15326" y1="36888" x2="15326" y2="36888"/>
-                            <a14:foregroundMark x1="29348" y1="95804" x2="29348" y2="95804"/>
-                            <a14:foregroundMark x1="80543" y1="6818" x2="80543" y2="6818"/>
-                            <a14:foregroundMark x1="63152" y1="1748" x2="63152" y2="1748"/>
-                            <a14:foregroundMark x1="14891" y1="37413" x2="14891" y2="37413"/>
-                            <a14:foregroundMark x1="37717" y1="1399" x2="37717" y2="1399"/>
-                          </a14:backgroundRemoval>
-                        </a14:imgEffect>
-                      </a14:imgLayer>
-                    </a14:imgProps>
-                  </a:ext>
-                  <a:ext uri="{28A0092B-C50C-407E-A947-70E740481C1C}">
-                    <a14:useLocalDpi xmlns:a14="http://schemas.microsoft.com/office/drawing/2010/main" val="0"/>
-                  </a:ext>
-                </a:extLst>
-              </a:blip>
-              <a:srcRect l="14585" r="15921"/>
-              <a:stretch/>
-            </p:blipFill>
-            <p:spPr bwMode="auto">
-              <a:xfrm>
-                <a:off x="11048547" y="9054858"/>
-                <a:ext cx="3450655" cy="3754421"/>
-              </a:xfrm>
-              <a:prstGeom prst="rect">
-                <a:avLst/>
-              </a:prstGeom>
-              <a:noFill/>
-              <a:extLst>
-                <a:ext uri="{909E8E84-426E-40DD-AFC4-6F175D3DCCD1}">
-                  <a14:hiddenFill xmlns:a14="http://schemas.microsoft.com/office/drawing/2010/main">
-                    <a:solidFill>
-                      <a:srgbClr val="FFFFFF"/>
-                    </a:solidFill>
-                  </a14:hiddenFill>
-                </a:ext>
-              </a:extLst>
-            </p:spPr>
-          </p:pic>
-          <p:sp>
-            <p:nvSpPr>
-              <p:cNvPr id="23" name="Rectangle 22">
-                <a:extLst>
-                  <a:ext uri="{FF2B5EF4-FFF2-40B4-BE49-F238E27FC236}">
-                    <a16:creationId xmlns:a16="http://schemas.microsoft.com/office/drawing/2014/main" id="{FD8474F0-7900-2EBF-5649-B1A60C166853}"/>
-                  </a:ext>
-                </a:extLst>
-              </p:cNvPr>
-              <p:cNvSpPr/>
-              <p:nvPr/>
-            </p:nvSpPr>
-            <p:spPr>
-              <a:xfrm>
-                <a:off x="11160281" y="9158529"/>
-                <a:ext cx="3255869" cy="2904434"/>
-              </a:xfrm>
-              <a:prstGeom prst="rect">
-                <a:avLst/>
-              </a:prstGeom>
-            </p:spPr>
-            <p:txBody>
-              <a:bodyPr wrap="square">
-                <a:spAutoFit/>
-              </a:bodyPr>
-              <a:lstStyle/>
-              <a:p>
-                <a:r>
-                  <a:rPr lang="en-BE" sz="1300" dirty="0"/>
-                  <a:t>[R10] </a:t>
-                </a:r>
-                <a:r>
-                  <a:rPr lang="en-GB" sz="1400" b="1" i="0" dirty="0">
-                    <a:solidFill>
-                      <a:srgbClr val="2000FF"/>
-                    </a:solidFill>
-                    <a:effectLst/>
-                    <a:latin typeface="Google Sans"/>
-                  </a:rPr>
-                  <a:t>Leadership Strategy</a:t>
-                </a:r>
-                <a:r>
-                  <a:rPr lang="en-GB" sz="1300" b="0" i="0" dirty="0">
-                    <a:solidFill>
-                      <a:srgbClr val="1F1F1F"/>
-                    </a:solidFill>
-                    <a:effectLst/>
-                  </a:rPr>
-                  <a:t>. </a:t>
-                </a:r>
-                <a:r>
-                  <a:rPr lang="en-GB" sz="1400" b="0" i="0" dirty="0">
-                    <a:solidFill>
-                      <a:srgbClr val="1F1F1F"/>
-                    </a:solidFill>
-                    <a:effectLst/>
-                    <a:latin typeface="Google Sans"/>
-                  </a:rPr>
-                  <a:t>This is a large part of every team, but it </a:t>
-                </a:r>
-                <a:r>
-                  <a:rPr lang="en-GB" sz="1400" b="0" i="0" dirty="0" err="1">
-                    <a:solidFill>
-                      <a:srgbClr val="1F1F1F"/>
-                    </a:solidFill>
-                    <a:effectLst/>
-                    <a:latin typeface="Google Sans"/>
-                  </a:rPr>
-                  <a:t>isnt</a:t>
-                </a:r>
-                <a:r>
-                  <a:rPr lang="en-GB" sz="1400" b="0" i="0" dirty="0">
-                    <a:solidFill>
-                      <a:srgbClr val="1F1F1F"/>
-                    </a:solidFill>
-                    <a:effectLst/>
-                    <a:latin typeface="Google Sans"/>
-                  </a:rPr>
-                  <a:t> so much about following a plan as it is to "Get to know your people", understand them. Be balanced. That is being both able to empathize, but teach, scold, but don't burn them, and if it really takes it, get into whatever their doing, and help them. </a:t>
-                </a:r>
-                <a:br>
-                  <a:rPr lang="en-GB" sz="1300" dirty="0"/>
-                </a:br>
-                <a:endParaRPr lang="en-BE" sz="1300" dirty="0"/>
-              </a:p>
-            </p:txBody>
-          </p:sp>
-        </p:grpSp>
-        <p:pic>
-          <p:nvPicPr>
-            <p:cNvPr id="21" name="Picture 20" descr="A black and white pictogram of a person carrying a backpack&#10;&#10;Description automatically generated">
-              <a:extLst>
-                <a:ext uri="{FF2B5EF4-FFF2-40B4-BE49-F238E27FC236}">
-                  <a16:creationId xmlns:a16="http://schemas.microsoft.com/office/drawing/2014/main" id="{70752E6A-077E-874A-3D0A-BFC4E5033A18}"/>
-                </a:ext>
-              </a:extLst>
-            </p:cNvPr>
-            <p:cNvPicPr>
-              <a:picLocks noChangeAspect="1"/>
-            </p:cNvPicPr>
-            <p:nvPr/>
-          </p:nvPicPr>
-          <p:blipFill>
-            <a:blip r:embed="rId5"/>
-            <a:stretch>
-              <a:fillRect/>
-            </a:stretch>
-          </p:blipFill>
-          <p:spPr>
-            <a:xfrm>
-              <a:off x="360145" y="2909530"/>
-              <a:ext cx="482062" cy="719600"/>
-            </a:xfrm>
-            <a:prstGeom prst="rect">
-              <a:avLst/>
-            </a:prstGeom>
-          </p:spPr>
-        </p:pic>
-      </p:grpSp>
-      <p:grpSp>
-        <p:nvGrpSpPr>
           <p:cNvPr id="24" name="Group 23">
             <a:extLst>
               <a:ext uri="{FF2B5EF4-FFF2-40B4-BE49-F238E27FC236}">
@@ -18009,7 +17754,7 @@
                                           </p:stCondLst>
                                         </p:cTn>
                                         <p:tgtEl>
-                                          <p:spTgt spid="19"/>
+                                          <p:spTgt spid="24"/>
                                         </p:tgtEl>
                                         <p:attrNameLst>
                                           <p:attrName>style.visibility</p:attrName>
@@ -18022,59 +17767,6 @@
                                     <p:animEffect transition="in" filter="dissolve">
                                       <p:cBhvr>
                                         <p:cTn id="22" dur="500"/>
-                                        <p:tgtEl>
-                                          <p:spTgt spid="19"/>
-                                        </p:tgtEl>
-                                      </p:cBhvr>
-                                    </p:animEffect>
-                                  </p:childTnLst>
-                                </p:cTn>
-                              </p:par>
-                            </p:childTnLst>
-                          </p:cTn>
-                        </p:par>
-                      </p:childTnLst>
-                    </p:cTn>
-                  </p:par>
-                  <p:par>
-                    <p:cTn id="23" fill="hold">
-                      <p:stCondLst>
-                        <p:cond delay="indefinite"/>
-                      </p:stCondLst>
-                      <p:childTnLst>
-                        <p:par>
-                          <p:cTn id="24" fill="hold">
-                            <p:stCondLst>
-                              <p:cond delay="0"/>
-                            </p:stCondLst>
-                            <p:childTnLst>
-                              <p:par>
-                                <p:cTn id="25" presetID="9" presetClass="entr" presetSubtype="0" fill="hold" nodeType="clickEffect">
-                                  <p:stCondLst>
-                                    <p:cond delay="0"/>
-                                  </p:stCondLst>
-                                  <p:childTnLst>
-                                    <p:set>
-                                      <p:cBhvr>
-                                        <p:cTn id="26" dur="1" fill="hold">
-                                          <p:stCondLst>
-                                            <p:cond delay="0"/>
-                                          </p:stCondLst>
-                                        </p:cTn>
-                                        <p:tgtEl>
-                                          <p:spTgt spid="24"/>
-                                        </p:tgtEl>
-                                        <p:attrNameLst>
-                                          <p:attrName>style.visibility</p:attrName>
-                                        </p:attrNameLst>
-                                      </p:cBhvr>
-                                      <p:to>
-                                        <p:strVal val="visible"/>
-                                      </p:to>
-                                    </p:set>
-                                    <p:animEffect transition="in" filter="dissolve">
-                                      <p:cBhvr>
-                                        <p:cTn id="27" dur="500"/>
                                         <p:tgtEl>
                                           <p:spTgt spid="24"/>
                                         </p:tgtEl>
@@ -18227,184 +17919,6 @@
           </a:p>
         </p:txBody>
       </p:sp>
-      <p:grpSp>
-        <p:nvGrpSpPr>
-          <p:cNvPr id="2" name="Group 1">
-            <a:extLst>
-              <a:ext uri="{FF2B5EF4-FFF2-40B4-BE49-F238E27FC236}">
-                <a16:creationId xmlns:a16="http://schemas.microsoft.com/office/drawing/2014/main" id="{494332BB-48D2-21D4-10BF-71B21C12BCA5}"/>
-              </a:ext>
-            </a:extLst>
-          </p:cNvPr>
-          <p:cNvGrpSpPr/>
-          <p:nvPr/>
-        </p:nvGrpSpPr>
-        <p:grpSpPr>
-          <a:xfrm>
-            <a:off x="555432" y="2035102"/>
-            <a:ext cx="3455664" cy="2276975"/>
-            <a:chOff x="402740" y="940659"/>
-            <a:chExt cx="3455664" cy="2276975"/>
-          </a:xfrm>
-        </p:grpSpPr>
-        <p:grpSp>
-          <p:nvGrpSpPr>
-            <p:cNvPr id="3" name="Group 2">
-              <a:extLst>
-                <a:ext uri="{FF2B5EF4-FFF2-40B4-BE49-F238E27FC236}">
-                  <a16:creationId xmlns:a16="http://schemas.microsoft.com/office/drawing/2014/main" id="{C99B0502-4356-2827-84DF-172AE65DDEA2}"/>
-                </a:ext>
-              </a:extLst>
-            </p:cNvPr>
-            <p:cNvGrpSpPr/>
-            <p:nvPr/>
-          </p:nvGrpSpPr>
-          <p:grpSpPr>
-            <a:xfrm>
-              <a:off x="407749" y="940659"/>
-              <a:ext cx="3450655" cy="1981415"/>
-              <a:chOff x="11048547" y="9054858"/>
-              <a:chExt cx="3450655" cy="2854699"/>
-            </a:xfrm>
-          </p:grpSpPr>
-          <p:pic>
-            <p:nvPicPr>
-              <p:cNvPr id="6" name="Picture 6" descr="Callout png images | PNGWing">
-                <a:extLst>
-                  <a:ext uri="{FF2B5EF4-FFF2-40B4-BE49-F238E27FC236}">
-                    <a16:creationId xmlns:a16="http://schemas.microsoft.com/office/drawing/2014/main" id="{B5F008E9-B6B7-D1EF-DED1-57EC96596250}"/>
-                  </a:ext>
-                </a:extLst>
-              </p:cNvPr>
-              <p:cNvPicPr>
-                <a:picLocks noChangeAspect="1" noChangeArrowheads="1"/>
-              </p:cNvPicPr>
-              <p:nvPr/>
-            </p:nvPicPr>
-            <p:blipFill rotWithShape="1">
-              <a:blip r:embed="rId3">
-                <a:extLst>
-                  <a:ext uri="{BEBA8EAE-BF5A-486C-A8C5-ECC9F3942E4B}">
-                    <a14:imgProps xmlns:a14="http://schemas.microsoft.com/office/drawing/2010/main">
-                      <a14:imgLayer r:embed="rId4">
-                        <a14:imgEffect>
-                          <a14:backgroundRemoval t="1399" b="95455" l="10000" r="90000">
-                            <a14:foregroundMark x1="15326" y1="36888" x2="15326" y2="36888"/>
-                            <a14:foregroundMark x1="29348" y1="95804" x2="29348" y2="95804"/>
-                            <a14:foregroundMark x1="80543" y1="6818" x2="80543" y2="6818"/>
-                            <a14:foregroundMark x1="63152" y1="1748" x2="63152" y2="1748"/>
-                            <a14:foregroundMark x1="14891" y1="37413" x2="14891" y2="37413"/>
-                            <a14:foregroundMark x1="37717" y1="1399" x2="37717" y2="1399"/>
-                          </a14:backgroundRemoval>
-                        </a14:imgEffect>
-                      </a14:imgLayer>
-                    </a14:imgProps>
-                  </a:ext>
-                  <a:ext uri="{28A0092B-C50C-407E-A947-70E740481C1C}">
-                    <a14:useLocalDpi xmlns:a14="http://schemas.microsoft.com/office/drawing/2010/main" val="0"/>
-                  </a:ext>
-                </a:extLst>
-              </a:blip>
-              <a:srcRect l="14585" r="15921"/>
-              <a:stretch/>
-            </p:blipFill>
-            <p:spPr bwMode="auto">
-              <a:xfrm>
-                <a:off x="11048547" y="9054858"/>
-                <a:ext cx="3450655" cy="2854699"/>
-              </a:xfrm>
-              <a:prstGeom prst="rect">
-                <a:avLst/>
-              </a:prstGeom>
-              <a:noFill/>
-              <a:extLst>
-                <a:ext uri="{909E8E84-426E-40DD-AFC4-6F175D3DCCD1}">
-                  <a14:hiddenFill xmlns:a14="http://schemas.microsoft.com/office/drawing/2010/main">
-                    <a:solidFill>
-                      <a:srgbClr val="FFFFFF"/>
-                    </a:solidFill>
-                  </a14:hiddenFill>
-                </a:ext>
-              </a:extLst>
-            </p:spPr>
-          </p:pic>
-          <p:sp>
-            <p:nvSpPr>
-              <p:cNvPr id="7" name="Rectangle 6">
-                <a:extLst>
-                  <a:ext uri="{FF2B5EF4-FFF2-40B4-BE49-F238E27FC236}">
-                    <a16:creationId xmlns:a16="http://schemas.microsoft.com/office/drawing/2014/main" id="{62106E9B-EA8D-99F4-2FE0-591CB63A4F3F}"/>
-                  </a:ext>
-                </a:extLst>
-              </p:cNvPr>
-              <p:cNvSpPr/>
-              <p:nvPr/>
-            </p:nvSpPr>
-            <p:spPr>
-              <a:xfrm>
-                <a:off x="11160281" y="9158529"/>
-                <a:ext cx="3255869" cy="1995414"/>
-              </a:xfrm>
-              <a:prstGeom prst="rect">
-                <a:avLst/>
-              </a:prstGeom>
-            </p:spPr>
-            <p:txBody>
-              <a:bodyPr wrap="square">
-                <a:spAutoFit/>
-              </a:bodyPr>
-              <a:lstStyle/>
-              <a:p>
-                <a:pPr algn="just"/>
-                <a:r>
-                  <a:rPr lang="en-BE" sz="1400" dirty="0"/>
-                  <a:t>[R6]. </a:t>
-                </a:r>
-                <a:r>
-                  <a:rPr lang="en-GB" sz="1400" b="0" i="0" dirty="0">
-                    <a:solidFill>
-                      <a:srgbClr val="1F1F1F"/>
-                    </a:solidFill>
-                    <a:effectLst/>
-                  </a:rPr>
-                  <a:t>One suggestion would be to all be on top of things and start as soon as you can to get to know your group members and their strengths and weaknesses so that we can all help each other. My team and I made very sure that we did that. </a:t>
-                </a:r>
-                <a:endParaRPr lang="en-GB" sz="1400" dirty="0"/>
-              </a:p>
-            </p:txBody>
-          </p:sp>
-        </p:grpSp>
-        <p:pic>
-          <p:nvPicPr>
-            <p:cNvPr id="5" name="Picture 4" descr="A black and white pictogram of a person carrying a backpack&#10;&#10;Description automatically generated">
-              <a:extLst>
-                <a:ext uri="{FF2B5EF4-FFF2-40B4-BE49-F238E27FC236}">
-                  <a16:creationId xmlns:a16="http://schemas.microsoft.com/office/drawing/2014/main" id="{5DC3217C-B3C1-4034-583F-1B02D23E778C}"/>
-                </a:ext>
-              </a:extLst>
-            </p:cNvPr>
-            <p:cNvPicPr>
-              <a:picLocks noChangeAspect="1"/>
-            </p:cNvPicPr>
-            <p:nvPr/>
-          </p:nvPicPr>
-          <p:blipFill>
-            <a:blip r:embed="rId5"/>
-            <a:stretch>
-              <a:fillRect/>
-            </a:stretch>
-          </p:blipFill>
-          <p:spPr>
-            <a:xfrm>
-              <a:off x="402740" y="2498034"/>
-              <a:ext cx="482062" cy="719600"/>
-            </a:xfrm>
-            <a:prstGeom prst="rect">
-              <a:avLst/>
-            </a:prstGeom>
-          </p:spPr>
-        </p:pic>
-      </p:grpSp>
       <p:grpSp>
         <p:nvGrpSpPr>
           <p:cNvPr id="8" name="Group 7">
@@ -18553,7 +18067,7 @@
                     </a:solidFill>
                     <a:effectLst/>
                   </a:rPr>
-                  <a:t> would have established a much, much better way of holding people accountable for work from the first week we began the group. We tried to be lenient with people at the start because learning a new development platform […] can be difficult; however, the level that the lack of participation reached in the last months was insurmountable. For DP1, we should have kept a much stricter log of the work that people were and weren't doing.</a:t>
+                  <a:t> would have established a much, much better way of holding people accountable for work from the first week we began the group. We tried to be lenient with people at the start because learning a new development platform […] can be difficult; however, the level that the lack of participation reached in the last months was overwhelming. For DP1, we should have kept a much stricter log of the work that people were and weren't doing.</a:t>
                 </a:r>
                 <a:endParaRPr lang="en-BE" sz="1400" dirty="0"/>
               </a:p>
@@ -18605,7 +18119,7 @@
         </p:nvGrpSpPr>
         <p:grpSpPr>
           <a:xfrm>
-            <a:off x="252952" y="5037462"/>
+            <a:off x="4623723" y="4766087"/>
             <a:ext cx="2630482" cy="1673707"/>
             <a:chOff x="849334" y="957152"/>
             <a:chExt cx="2630482" cy="1167519"/>
@@ -18725,7 +18239,7 @@
                   <a:t>[R3]. </a:t>
                 </a:r>
                 <a:r>
-                  <a:rPr lang="en-GB" sz="1400" b="0" i="0" dirty="0">
+                  <a:rPr lang="en-GB" sz="1400" b="1" i="0" dirty="0">
                     <a:solidFill>
                       <a:srgbClr val="1F1F1F"/>
                     </a:solidFill>
@@ -18734,7 +18248,7 @@
                   </a:rPr>
                   <a:t>I would recommend in person meetings/ hybrid more than 100% online meetings. </a:t>
                 </a:r>
-                <a:endParaRPr lang="en-BE" sz="1400" dirty="0"/>
+                <a:endParaRPr lang="en-BE" sz="1400" b="1" dirty="0"/>
               </a:p>
             </p:txBody>
           </p:sp>
@@ -18784,7 +18298,7 @@
         </p:nvGrpSpPr>
         <p:grpSpPr>
           <a:xfrm>
-            <a:off x="3657601" y="3233531"/>
+            <a:off x="673843" y="2159802"/>
             <a:ext cx="4031226" cy="3448178"/>
             <a:chOff x="-9833" y="782273"/>
             <a:chExt cx="4031226" cy="3448178"/>
@@ -19172,7 +18686,7 @@
                                           </p:stCondLst>
                                         </p:cTn>
                                         <p:tgtEl>
-                                          <p:spTgt spid="2"/>
+                                          <p:spTgt spid="8"/>
                                         </p:tgtEl>
                                         <p:attrNameLst>
                                           <p:attrName>style.visibility</p:attrName>
@@ -19186,7 +18700,7 @@
                                       <p:cBhvr>
                                         <p:cTn id="7" dur="500"/>
                                         <p:tgtEl>
-                                          <p:spTgt spid="2"/>
+                                          <p:spTgt spid="8"/>
                                         </p:tgtEl>
                                       </p:cBhvr>
                                     </p:animEffect>
@@ -19225,7 +18739,7 @@
                                           </p:stCondLst>
                                         </p:cTn>
                                         <p:tgtEl>
-                                          <p:spTgt spid="8"/>
+                                          <p:spTgt spid="14"/>
                                         </p:tgtEl>
                                         <p:attrNameLst>
                                           <p:attrName>style.visibility</p:attrName>
@@ -19239,7 +18753,7 @@
                                       <p:cBhvr>
                                         <p:cTn id="12" dur="500"/>
                                         <p:tgtEl>
-                                          <p:spTgt spid="8"/>
+                                          <p:spTgt spid="14"/>
                                         </p:tgtEl>
                                       </p:cBhvr>
                                     </p:animEffect>
@@ -19278,7 +18792,7 @@
                                           </p:stCondLst>
                                         </p:cTn>
                                         <p:tgtEl>
-                                          <p:spTgt spid="14"/>
+                                          <p:spTgt spid="19"/>
                                         </p:tgtEl>
                                         <p:attrNameLst>
                                           <p:attrName>style.visibility</p:attrName>
@@ -19292,7 +18806,7 @@
                                       <p:cBhvr>
                                         <p:cTn id="17" dur="500"/>
                                         <p:tgtEl>
-                                          <p:spTgt spid="14"/>
+                                          <p:spTgt spid="19"/>
                                         </p:tgtEl>
                                       </p:cBhvr>
                                     </p:animEffect>
@@ -19331,7 +18845,7 @@
                                           </p:stCondLst>
                                         </p:cTn>
                                         <p:tgtEl>
-                                          <p:spTgt spid="19"/>
+                                          <p:spTgt spid="24"/>
                                         </p:tgtEl>
                                         <p:attrNameLst>
                                           <p:attrName>style.visibility</p:attrName>
@@ -19344,59 +18858,6 @@
                                     <p:animEffect transition="in" filter="dissolve">
                                       <p:cBhvr>
                                         <p:cTn id="22" dur="500"/>
-                                        <p:tgtEl>
-                                          <p:spTgt spid="19"/>
-                                        </p:tgtEl>
-                                      </p:cBhvr>
-                                    </p:animEffect>
-                                  </p:childTnLst>
-                                </p:cTn>
-                              </p:par>
-                            </p:childTnLst>
-                          </p:cTn>
-                        </p:par>
-                      </p:childTnLst>
-                    </p:cTn>
-                  </p:par>
-                  <p:par>
-                    <p:cTn id="23" fill="hold">
-                      <p:stCondLst>
-                        <p:cond delay="indefinite"/>
-                      </p:stCondLst>
-                      <p:childTnLst>
-                        <p:par>
-                          <p:cTn id="24" fill="hold">
-                            <p:stCondLst>
-                              <p:cond delay="0"/>
-                            </p:stCondLst>
-                            <p:childTnLst>
-                              <p:par>
-                                <p:cTn id="25" presetID="9" presetClass="entr" presetSubtype="0" fill="hold" nodeType="clickEffect">
-                                  <p:stCondLst>
-                                    <p:cond delay="0"/>
-                                  </p:stCondLst>
-                                  <p:childTnLst>
-                                    <p:set>
-                                      <p:cBhvr>
-                                        <p:cTn id="26" dur="1" fill="hold">
-                                          <p:stCondLst>
-                                            <p:cond delay="0"/>
-                                          </p:stCondLst>
-                                        </p:cTn>
-                                        <p:tgtEl>
-                                          <p:spTgt spid="24"/>
-                                        </p:tgtEl>
-                                        <p:attrNameLst>
-                                          <p:attrName>style.visibility</p:attrName>
-                                        </p:attrNameLst>
-                                      </p:cBhvr>
-                                      <p:to>
-                                        <p:strVal val="visible"/>
-                                      </p:to>
-                                    </p:set>
-                                    <p:animEffect transition="in" filter="dissolve">
-                                      <p:cBhvr>
-                                        <p:cTn id="27" dur="500"/>
                                         <p:tgtEl>
                                           <p:spTgt spid="24"/>
                                         </p:tgtEl>
@@ -19711,6 +19172,16 @@
                   <a:buAutoNum type="arabicPeriod"/>
                 </a:pPr>
                 <a:r>
+                  <a:rPr lang="en-GB" sz="1400" b="1" i="0" dirty="0">
+                    <a:solidFill>
+                      <a:srgbClr val="1F1F1F"/>
+                    </a:solidFill>
+                    <a:effectLst/>
+                    <a:latin typeface="Google Sans"/>
+                  </a:rPr>
+                  <a:t>Resisting project scope creep</a:t>
+                </a:r>
+                <a:r>
                   <a:rPr lang="en-GB" sz="1400" b="0" i="0" dirty="0">
                     <a:solidFill>
                       <a:srgbClr val="1F1F1F"/>
@@ -19718,7 +19189,7 @@
                     <a:effectLst/>
                     <a:latin typeface="Google Sans"/>
                   </a:rPr>
-                  <a:t>Resisting project scope creep is key to having members contribute fairly and consistently. If a certain feature requires advanced knowledge of the framework, then inexperienced members will take much longer to complete that feature, experienced members will have to do all the work, or the feature will be incomplete. The </a:t>
+                  <a:t> is key to having members contribute fairly and consistently. If a certain feature requires advanced knowledge of the framework, then inexperienced members will take much longer to complete that feature, experienced members will have to do all the work, or the feature will be incomplete. The </a:t>
                 </a:r>
                 <a:r>
                   <a:rPr lang="en-GB" sz="1400" b="1" i="0" dirty="0">
@@ -20706,7 +20177,7 @@
                     <a:effectLst/>
                     <a:latin typeface="Google Sans"/>
                   </a:rPr>
-                  <a:t>Please do your best, and communicate if you need help. If you don’t communicate, your team cannot help you. </a:t>
+                  <a:t>Please do your best and communicate if you need help. If you don’t communicate, your team cannot help you. </a:t>
                 </a:r>
                 <a:endParaRPr lang="en-BE" dirty="0"/>
               </a:p>
@@ -20860,7 +20331,7 @@
             <p:spPr>
               <a:xfrm>
                 <a:off x="10147920" y="9319645"/>
-                <a:ext cx="4528610" cy="3892534"/>
+                <a:ext cx="4528610" cy="2969565"/>
               </a:xfrm>
               <a:prstGeom prst="rect">
                 <a:avLst/>
@@ -20894,7 +20365,7 @@
                     <a:ea typeface="Aptos" panose="020B0004020202020204" pitchFamily="34" charset="0"/>
                     <a:cs typeface="Times New Roman" panose="02020603050405020304" pitchFamily="18" charset="0"/>
                   </a:rPr>
-                  <a:t>Unfortunately there's no true way to avoid these challenges. […] There's a difference between people who take pride in their work and people who don't. As somebody who does, I couldn't turn in a project that was half completed, missing components, or was otherwise unfunctional. My group members were willing to turn in something that barely worked because "it was more about the presentation and group work then the project".</a:t>
+                  <a:t>Unfortunately there's no true way to avoid these challenges. […] There's a difference between people who take pride in their work and people who don't. As somebody who does, I couldn't turn in a project that was half completed, [..] or was otherwise unfunctional. My group members were willing to turn in something that barely worked because "it was more about the presentation and group work then the project".</a:t>
                 </a:r>
                 <a:endParaRPr lang="en-BE" sz="1400" kern="100" dirty="0">
                   <a:effectLst/>
@@ -20902,10 +20373,6 @@
                   <a:ea typeface="Aptos" panose="020B0004020202020204" pitchFamily="34" charset="0"/>
                   <a:cs typeface="Times New Roman" panose="02020603050405020304" pitchFamily="18" charset="0"/>
                 </a:endParaRPr>
-              </a:p>
-              <a:p>
-                <a:pPr algn="just"/>
-                <a:endParaRPr lang="en-BE" dirty="0"/>
               </a:p>
             </p:txBody>
           </p:sp>
@@ -23803,6 +23270,16 @@
               </a:p>
               <a:p>
                 <a:r>
+                  <a:rPr lang="en-GB" sz="1600" b="1" i="0" dirty="0">
+                    <a:solidFill>
+                      <a:srgbClr val="1F1F1F"/>
+                    </a:solidFill>
+                    <a:effectLst/>
+                    <a:latin typeface="Google Sans"/>
+                  </a:rPr>
+                  <a:t>I would suggest that pull request reviews share more of the project weight</a:t>
+                </a:r>
+                <a:r>
                   <a:rPr lang="en-GB" sz="1600" b="0" i="0" dirty="0">
                     <a:solidFill>
                       <a:srgbClr val="1F1F1F"/>
@@ -23810,7 +23287,7 @@
                     <a:effectLst/>
                     <a:latin typeface="Google Sans"/>
                   </a:rPr>
-                  <a:t>I would suggest that pull request reviews share more of the project weight. Because most of the weight was the pull request itself, many students would forget or ignore pull request reviews.</a:t>
+                  <a:t>. Because most of the weight was the pull request itself, many students would forget or ignore pull request reviews.</a:t>
                 </a:r>
                 <a:endParaRPr lang="en-US" sz="1600" dirty="0"/>
               </a:p>

--- a/teaching/CS472/Timetable/Survey_Presentation.pptx
+++ b/teaching/CS472/Timetable/Survey_Presentation.pptx
@@ -5,38 +5,37 @@
     <p:sldMasterId id="2147483648" r:id="rId1"/>
   </p:sldMasterIdLst>
   <p:notesMasterIdLst>
-    <p:notesMasterId r:id="rId31"/>
+    <p:notesMasterId r:id="rId30"/>
   </p:notesMasterIdLst>
   <p:sldIdLst>
     <p:sldId id="256" r:id="rId2"/>
-    <p:sldId id="275" r:id="rId3"/>
-    <p:sldId id="276" r:id="rId4"/>
-    <p:sldId id="274" r:id="rId5"/>
-    <p:sldId id="259" r:id="rId6"/>
-    <p:sldId id="261" r:id="rId7"/>
-    <p:sldId id="260" r:id="rId8"/>
-    <p:sldId id="262" r:id="rId9"/>
-    <p:sldId id="263" r:id="rId10"/>
-    <p:sldId id="264" r:id="rId11"/>
-    <p:sldId id="265" r:id="rId12"/>
-    <p:sldId id="266" r:id="rId13"/>
-    <p:sldId id="268" r:id="rId14"/>
-    <p:sldId id="267" r:id="rId15"/>
-    <p:sldId id="279" r:id="rId16"/>
-    <p:sldId id="269" r:id="rId17"/>
-    <p:sldId id="270" r:id="rId18"/>
-    <p:sldId id="280" r:id="rId19"/>
-    <p:sldId id="271" r:id="rId20"/>
-    <p:sldId id="277" r:id="rId21"/>
-    <p:sldId id="278" r:id="rId22"/>
-    <p:sldId id="281" r:id="rId23"/>
-    <p:sldId id="272" r:id="rId24"/>
-    <p:sldId id="282" r:id="rId25"/>
-    <p:sldId id="257" r:id="rId26"/>
-    <p:sldId id="286" r:id="rId27"/>
-    <p:sldId id="285" r:id="rId28"/>
-    <p:sldId id="284" r:id="rId29"/>
-    <p:sldId id="287" r:id="rId30"/>
+    <p:sldId id="276" r:id="rId3"/>
+    <p:sldId id="274" r:id="rId4"/>
+    <p:sldId id="259" r:id="rId5"/>
+    <p:sldId id="261" r:id="rId6"/>
+    <p:sldId id="260" r:id="rId7"/>
+    <p:sldId id="262" r:id="rId8"/>
+    <p:sldId id="263" r:id="rId9"/>
+    <p:sldId id="264" r:id="rId10"/>
+    <p:sldId id="265" r:id="rId11"/>
+    <p:sldId id="266" r:id="rId12"/>
+    <p:sldId id="268" r:id="rId13"/>
+    <p:sldId id="267" r:id="rId14"/>
+    <p:sldId id="279" r:id="rId15"/>
+    <p:sldId id="269" r:id="rId16"/>
+    <p:sldId id="270" r:id="rId17"/>
+    <p:sldId id="280" r:id="rId18"/>
+    <p:sldId id="271" r:id="rId19"/>
+    <p:sldId id="277" r:id="rId20"/>
+    <p:sldId id="278" r:id="rId21"/>
+    <p:sldId id="281" r:id="rId22"/>
+    <p:sldId id="272" r:id="rId23"/>
+    <p:sldId id="282" r:id="rId24"/>
+    <p:sldId id="257" r:id="rId25"/>
+    <p:sldId id="286" r:id="rId26"/>
+    <p:sldId id="285" r:id="rId27"/>
+    <p:sldId id="284" r:id="rId28"/>
+    <p:sldId id="287" r:id="rId29"/>
   </p:sldIdLst>
   <p:sldSz cx="12192000" cy="6858000"/>
   <p:notesSz cx="6858000" cy="9144000"/>
@@ -1423,7 +1422,7 @@
           <a:p>
             <a:fld id="{D5181410-5F61-C247-9B70-F663CDE0B230}" type="slidenum">
               <a:rPr lang="en-BE" smtClean="0"/>
-              <a:t>3</a:t>
+              <a:t>2</a:t>
             </a:fld>
             <a:endParaRPr lang="en-BE"/>
           </a:p>
@@ -1510,7 +1509,7 @@
           <a:p>
             <a:fld id="{9BAB3117-5ED7-3C4F-A44D-5199A537B35F}" type="slidenum">
               <a:rPr lang="en-BE" smtClean="0"/>
-              <a:t>14</a:t>
+              <a:t>13</a:t>
             </a:fld>
             <a:endParaRPr lang="en-BE"/>
           </a:p>
@@ -1597,7 +1596,7 @@
           <a:p>
             <a:fld id="{9BAB3117-5ED7-3C4F-A44D-5199A537B35F}" type="slidenum">
               <a:rPr lang="en-BE" smtClean="0"/>
-              <a:t>15</a:t>
+              <a:t>14</a:t>
             </a:fld>
             <a:endParaRPr lang="en-BE"/>
           </a:p>
@@ -1681,7 +1680,7 @@
           <a:p>
             <a:fld id="{9BAB3117-5ED7-3C4F-A44D-5199A537B35F}" type="slidenum">
               <a:rPr lang="en-BE" smtClean="0"/>
-              <a:t>17</a:t>
+              <a:t>16</a:t>
             </a:fld>
             <a:endParaRPr lang="en-BE"/>
           </a:p>
@@ -1765,7 +1764,7 @@
           <a:p>
             <a:fld id="{9BAB3117-5ED7-3C4F-A44D-5199A537B35F}" type="slidenum">
               <a:rPr lang="en-BE" smtClean="0"/>
-              <a:t>18</a:t>
+              <a:t>17</a:t>
             </a:fld>
             <a:endParaRPr lang="en-BE"/>
           </a:p>
@@ -1849,7 +1848,7 @@
           <a:p>
             <a:fld id="{9BAB3117-5ED7-3C4F-A44D-5199A537B35F}" type="slidenum">
               <a:rPr lang="en-BE" smtClean="0"/>
-              <a:t>19</a:t>
+              <a:t>18</a:t>
             </a:fld>
             <a:endParaRPr lang="en-BE"/>
           </a:p>
@@ -1933,7 +1932,7 @@
           <a:p>
             <a:fld id="{9BAB3117-5ED7-3C4F-A44D-5199A537B35F}" type="slidenum">
               <a:rPr lang="en-BE" smtClean="0"/>
-              <a:t>20</a:t>
+              <a:t>19</a:t>
             </a:fld>
             <a:endParaRPr lang="en-BE"/>
           </a:p>
@@ -2017,7 +2016,7 @@
           <a:p>
             <a:fld id="{9BAB3117-5ED7-3C4F-A44D-5199A537B35F}" type="slidenum">
               <a:rPr lang="en-BE" smtClean="0"/>
-              <a:t>21</a:t>
+              <a:t>20</a:t>
             </a:fld>
             <a:endParaRPr lang="en-BE"/>
           </a:p>
@@ -2111,7 +2110,7 @@
           <a:p>
             <a:fld id="{9BAB3117-5ED7-3C4F-A44D-5199A537B35F}" type="slidenum">
               <a:rPr lang="en-BE" smtClean="0"/>
-              <a:t>22</a:t>
+              <a:t>21</a:t>
             </a:fld>
             <a:endParaRPr lang="en-BE"/>
           </a:p>
@@ -2205,7 +2204,7 @@
           <a:p>
             <a:fld id="{9BAB3117-5ED7-3C4F-A44D-5199A537B35F}" type="slidenum">
               <a:rPr lang="en-BE" smtClean="0"/>
-              <a:t>23</a:t>
+              <a:t>22</a:t>
             </a:fld>
             <a:endParaRPr lang="en-BE"/>
           </a:p>
@@ -2299,7 +2298,7 @@
           <a:p>
             <a:fld id="{9BAB3117-5ED7-3C4F-A44D-5199A537B35F}" type="slidenum">
               <a:rPr lang="en-BE" smtClean="0"/>
-              <a:t>24</a:t>
+              <a:t>23</a:t>
             </a:fld>
             <a:endParaRPr lang="en-BE"/>
           </a:p>
@@ -2434,7 +2433,7 @@
           <a:p>
             <a:fld id="{9BAB3117-5ED7-3C4F-A44D-5199A537B35F}" type="slidenum">
               <a:rPr lang="en-BE" smtClean="0"/>
-              <a:t>5</a:t>
+              <a:t>4</a:t>
             </a:fld>
             <a:endParaRPr lang="en-BE"/>
           </a:p>
@@ -2518,7 +2517,7 @@
           <a:p>
             <a:fld id="{9BAB3117-5ED7-3C4F-A44D-5199A537B35F}" type="slidenum">
               <a:rPr lang="en-BE" smtClean="0"/>
-              <a:t>25</a:t>
+              <a:t>24</a:t>
             </a:fld>
             <a:endParaRPr lang="en-BE"/>
           </a:p>
@@ -2602,7 +2601,7 @@
           <a:p>
             <a:fld id="{9BAB3117-5ED7-3C4F-A44D-5199A537B35F}" type="slidenum">
               <a:rPr lang="en-BE" smtClean="0"/>
-              <a:t>26</a:t>
+              <a:t>25</a:t>
             </a:fld>
             <a:endParaRPr lang="en-BE"/>
           </a:p>
@@ -2686,7 +2685,7 @@
           <a:p>
             <a:fld id="{9BAB3117-5ED7-3C4F-A44D-5199A537B35F}" type="slidenum">
               <a:rPr lang="en-BE" smtClean="0"/>
-              <a:t>27</a:t>
+              <a:t>26</a:t>
             </a:fld>
             <a:endParaRPr lang="en-BE"/>
           </a:p>
@@ -2770,7 +2769,7 @@
           <a:p>
             <a:fld id="{9BAB3117-5ED7-3C4F-A44D-5199A537B35F}" type="slidenum">
               <a:rPr lang="en-BE" smtClean="0"/>
-              <a:t>28</a:t>
+              <a:t>27</a:t>
             </a:fld>
             <a:endParaRPr lang="en-BE"/>
           </a:p>
@@ -2854,7 +2853,7 @@
           <a:p>
             <a:fld id="{9BAB3117-5ED7-3C4F-A44D-5199A537B35F}" type="slidenum">
               <a:rPr lang="en-BE" smtClean="0"/>
-              <a:t>29</a:t>
+              <a:t>28</a:t>
             </a:fld>
             <a:endParaRPr lang="en-BE"/>
           </a:p>
@@ -2941,7 +2940,7 @@
           <a:p>
             <a:fld id="{9BAB3117-5ED7-3C4F-A44D-5199A537B35F}" type="slidenum">
               <a:rPr lang="en-BE" smtClean="0"/>
-              <a:t>6</a:t>
+              <a:t>5</a:t>
             </a:fld>
             <a:endParaRPr lang="en-BE"/>
           </a:p>
@@ -3028,7 +3027,7 @@
           <a:p>
             <a:fld id="{9BAB3117-5ED7-3C4F-A44D-5199A537B35F}" type="slidenum">
               <a:rPr lang="en-BE" smtClean="0"/>
-              <a:t>7</a:t>
+              <a:t>6</a:t>
             </a:fld>
             <a:endParaRPr lang="en-BE"/>
           </a:p>
@@ -3118,7 +3117,7 @@
           <a:p>
             <a:fld id="{9BAB3117-5ED7-3C4F-A44D-5199A537B35F}" type="slidenum">
               <a:rPr lang="en-BE" smtClean="0"/>
-              <a:t>9</a:t>
+              <a:t>8</a:t>
             </a:fld>
             <a:endParaRPr lang="en-BE"/>
           </a:p>
@@ -3205,7 +3204,7 @@
           <a:p>
             <a:fld id="{9BAB3117-5ED7-3C4F-A44D-5199A537B35F}" type="slidenum">
               <a:rPr lang="en-BE" smtClean="0"/>
-              <a:t>10</a:t>
+              <a:t>9</a:t>
             </a:fld>
             <a:endParaRPr lang="en-BE"/>
           </a:p>
@@ -3292,7 +3291,7 @@
           <a:p>
             <a:fld id="{9BAB3117-5ED7-3C4F-A44D-5199A537B35F}" type="slidenum">
               <a:rPr lang="en-BE" smtClean="0"/>
-              <a:t>11</a:t>
+              <a:t>10</a:t>
             </a:fld>
             <a:endParaRPr lang="en-BE"/>
           </a:p>
@@ -3379,7 +3378,7 @@
           <a:p>
             <a:fld id="{9BAB3117-5ED7-3C4F-A44D-5199A537B35F}" type="slidenum">
               <a:rPr lang="en-BE" smtClean="0"/>
-              <a:t>12</a:t>
+              <a:t>11</a:t>
             </a:fld>
             <a:endParaRPr lang="en-BE"/>
           </a:p>
@@ -3466,7 +3465,7 @@
           <a:p>
             <a:fld id="{9BAB3117-5ED7-3C4F-A44D-5199A537B35F}" type="slidenum">
               <a:rPr lang="en-BE" smtClean="0"/>
-              <a:t>13</a:t>
+              <a:t>12</a:t>
             </a:fld>
             <a:endParaRPr lang="en-BE"/>
           </a:p>
@@ -6852,337 +6851,6 @@
           <a:p>
             <a:r>
               <a:rPr lang="en-BE" dirty="0"/>
-              <a:t>Survey Results - Background</a:t>
-            </a:r>
-          </a:p>
-        </p:txBody>
-      </p:sp>
-      <p:pic>
-        <p:nvPicPr>
-          <p:cNvPr id="9218" name="Picture 2" descr="Forms response chart. Question title: Qn.2: How many months of industry software development experience did you have before the beginning the class 472:. Number of responses: 19 responses.">
-            <a:extLst>
-              <a:ext uri="{FF2B5EF4-FFF2-40B4-BE49-F238E27FC236}">
-                <a16:creationId xmlns:a16="http://schemas.microsoft.com/office/drawing/2014/main" id="{6B6F8E73-BC2E-BE32-7D30-5D3A0556FDD7}"/>
-              </a:ext>
-            </a:extLst>
-          </p:cNvPr>
-          <p:cNvPicPr>
-            <a:picLocks noChangeAspect="1" noChangeArrowheads="1"/>
-          </p:cNvPicPr>
-          <p:nvPr/>
-        </p:nvPicPr>
-        <p:blipFill rotWithShape="1">
-          <a:blip r:embed="rId3">
-            <a:extLst>
-              <a:ext uri="{28A0092B-C50C-407E-A947-70E740481C1C}">
-                <a14:useLocalDpi xmlns:a14="http://schemas.microsoft.com/office/drawing/2010/main" val="0"/>
-              </a:ext>
-            </a:extLst>
-          </a:blip>
-          <a:srcRect l="20011" t="33017" r="54179" b="8150"/>
-          <a:stretch/>
-        </p:blipFill>
-        <p:spPr bwMode="auto">
-          <a:xfrm>
-            <a:off x="1224501" y="2620736"/>
-            <a:ext cx="3193775" cy="3301671"/>
-          </a:xfrm>
-          <a:prstGeom prst="rect">
-            <a:avLst/>
-          </a:prstGeom>
-          <a:noFill/>
-          <a:extLst>
-            <a:ext uri="{909E8E84-426E-40DD-AFC4-6F175D3DCCD1}">
-              <a14:hiddenFill xmlns:a14="http://schemas.microsoft.com/office/drawing/2010/main">
-                <a:solidFill>
-                  <a:srgbClr val="FFFFFF"/>
-                </a:solidFill>
-              </a14:hiddenFill>
-            </a:ext>
-          </a:extLst>
-        </p:spPr>
-      </p:pic>
-      <p:sp>
-        <p:nvSpPr>
-          <p:cNvPr id="3" name="TextBox 2">
-            <a:extLst>
-              <a:ext uri="{FF2B5EF4-FFF2-40B4-BE49-F238E27FC236}">
-                <a16:creationId xmlns:a16="http://schemas.microsoft.com/office/drawing/2014/main" id="{EA0DD0E2-A573-E6BB-9352-4055552BD4E5}"/>
-              </a:ext>
-            </a:extLst>
-          </p:cNvPr>
-          <p:cNvSpPr txBox="1"/>
-          <p:nvPr/>
-        </p:nvSpPr>
-        <p:spPr>
-          <a:xfrm>
-            <a:off x="662609" y="1145908"/>
-            <a:ext cx="10416208" cy="646331"/>
-          </a:xfrm>
-          <a:prstGeom prst="rect">
-            <a:avLst/>
-          </a:prstGeom>
-          <a:noFill/>
-        </p:spPr>
-        <p:txBody>
-          <a:bodyPr wrap="square">
-            <a:spAutoFit/>
-          </a:bodyPr>
-          <a:lstStyle/>
-          <a:p>
-            <a:r>
-              <a:rPr lang="en-GB" b="0" i="0" dirty="0">
-                <a:solidFill>
-                  <a:srgbClr val="202124"/>
-                </a:solidFill>
-                <a:effectLst/>
-                <a:latin typeface="Roboto" panose="02000000000000000000" pitchFamily="2" charset="0"/>
-              </a:rPr>
-              <a:t>Qn.2: How many months of industry software development experience did you have before the beginning the class 472:</a:t>
-            </a:r>
-            <a:endParaRPr lang="en-US" dirty="0"/>
-          </a:p>
-        </p:txBody>
-      </p:sp>
-      <p:pic>
-        <p:nvPicPr>
-          <p:cNvPr id="2050" name="Picture 2" descr="Forms response chart. Question title: Qn.2: How many months of industry software development experience did you have before the beginning the class 472:&#10;. Number of responses: 10 responses.">
-            <a:extLst>
-              <a:ext uri="{FF2B5EF4-FFF2-40B4-BE49-F238E27FC236}">
-                <a16:creationId xmlns:a16="http://schemas.microsoft.com/office/drawing/2014/main" id="{FF9349F6-5234-74F9-9D4B-75CBE0F81814}"/>
-              </a:ext>
-            </a:extLst>
-          </p:cNvPr>
-          <p:cNvPicPr>
-            <a:picLocks noChangeAspect="1" noChangeArrowheads="1"/>
-          </p:cNvPicPr>
-          <p:nvPr/>
-        </p:nvPicPr>
-        <p:blipFill rotWithShape="1">
-          <a:blip r:embed="rId4">
-            <a:extLst>
-              <a:ext uri="{28A0092B-C50C-407E-A947-70E740481C1C}">
-                <a14:useLocalDpi xmlns:a14="http://schemas.microsoft.com/office/drawing/2010/main" val="0"/>
-              </a:ext>
-            </a:extLst>
-          </a:blip>
-          <a:srcRect l="20109" t="34735" r="53696" b="8694"/>
-          <a:stretch/>
-        </p:blipFill>
-        <p:spPr bwMode="auto">
-          <a:xfrm>
-            <a:off x="4998720" y="2584174"/>
-            <a:ext cx="3193774" cy="3127918"/>
-          </a:xfrm>
-          <a:prstGeom prst="rect">
-            <a:avLst/>
-          </a:prstGeom>
-          <a:noFill/>
-          <a:extLst>
-            <a:ext uri="{909E8E84-426E-40DD-AFC4-6F175D3DCCD1}">
-              <a14:hiddenFill xmlns:a14="http://schemas.microsoft.com/office/drawing/2010/main">
-                <a:solidFill>
-                  <a:srgbClr val="FFFFFF"/>
-                </a:solidFill>
-              </a14:hiddenFill>
-            </a:ext>
-          </a:extLst>
-        </p:spPr>
-      </p:pic>
-      <p:pic>
-        <p:nvPicPr>
-          <p:cNvPr id="5" name="Picture 2" descr="Forms response chart. Question title: Qn.2: How many months of industry software development experience did you have before the beginning the class 472:&#10;. Number of responses: 10 responses.">
-            <a:extLst>
-              <a:ext uri="{FF2B5EF4-FFF2-40B4-BE49-F238E27FC236}">
-                <a16:creationId xmlns:a16="http://schemas.microsoft.com/office/drawing/2014/main" id="{F1C6C8C2-C4A0-CC22-17DB-DAD6498DA7AD}"/>
-              </a:ext>
-            </a:extLst>
-          </p:cNvPr>
-          <p:cNvPicPr>
-            <a:picLocks noChangeAspect="1" noChangeArrowheads="1"/>
-          </p:cNvPicPr>
-          <p:nvPr/>
-        </p:nvPicPr>
-        <p:blipFill rotWithShape="1">
-          <a:blip r:embed="rId4">
-            <a:extLst>
-              <a:ext uri="{28A0092B-C50C-407E-A947-70E740481C1C}">
-                <a14:useLocalDpi xmlns:a14="http://schemas.microsoft.com/office/drawing/2010/main" val="0"/>
-              </a:ext>
-            </a:extLst>
-          </a:blip>
-          <a:srcRect l="61684" t="34735" r="16242" b="34587"/>
-          <a:stretch/>
-        </p:blipFill>
-        <p:spPr bwMode="auto">
-          <a:xfrm>
-            <a:off x="8601655" y="2229844"/>
-            <a:ext cx="2691185" cy="1696278"/>
-          </a:xfrm>
-          <a:prstGeom prst="rect">
-            <a:avLst/>
-          </a:prstGeom>
-          <a:noFill/>
-          <a:extLst>
-            <a:ext uri="{909E8E84-426E-40DD-AFC4-6F175D3DCCD1}">
-              <a14:hiddenFill xmlns:a14="http://schemas.microsoft.com/office/drawing/2010/main">
-                <a:solidFill>
-                  <a:srgbClr val="FFFFFF"/>
-                </a:solidFill>
-              </a14:hiddenFill>
-            </a:ext>
-          </a:extLst>
-        </p:spPr>
-      </p:pic>
-      <p:sp>
-        <p:nvSpPr>
-          <p:cNvPr id="6" name="TextBox 5">
-            <a:extLst>
-              <a:ext uri="{FF2B5EF4-FFF2-40B4-BE49-F238E27FC236}">
-                <a16:creationId xmlns:a16="http://schemas.microsoft.com/office/drawing/2014/main" id="{8FFBAEE2-BCE6-663C-393B-DA9438C15232}"/>
-              </a:ext>
-            </a:extLst>
-          </p:cNvPr>
-          <p:cNvSpPr txBox="1"/>
-          <p:nvPr/>
-        </p:nvSpPr>
-        <p:spPr>
-          <a:xfrm>
-            <a:off x="1421875" y="2251404"/>
-            <a:ext cx="2799026" cy="369332"/>
-          </a:xfrm>
-          <a:prstGeom prst="rect">
-            <a:avLst/>
-          </a:prstGeom>
-          <a:noFill/>
-        </p:spPr>
-        <p:txBody>
-          <a:bodyPr wrap="square" rtlCol="0">
-            <a:spAutoFit/>
-          </a:bodyPr>
-          <a:lstStyle/>
-          <a:p>
-            <a:r>
-              <a:rPr lang="en-US" dirty="0"/>
-              <a:t>Spring 2023 -  19 responses</a:t>
-            </a:r>
-          </a:p>
-        </p:txBody>
-      </p:sp>
-      <p:sp>
-        <p:nvSpPr>
-          <p:cNvPr id="7" name="TextBox 6">
-            <a:extLst>
-              <a:ext uri="{FF2B5EF4-FFF2-40B4-BE49-F238E27FC236}">
-                <a16:creationId xmlns:a16="http://schemas.microsoft.com/office/drawing/2014/main" id="{9A71BFF2-14B2-318D-6400-640597EF419D}"/>
-              </a:ext>
-            </a:extLst>
-          </p:cNvPr>
-          <p:cNvSpPr txBox="1"/>
-          <p:nvPr/>
-        </p:nvSpPr>
-        <p:spPr>
-          <a:xfrm>
-            <a:off x="5306960" y="2200854"/>
-            <a:ext cx="2566035" cy="369332"/>
-          </a:xfrm>
-          <a:prstGeom prst="rect">
-            <a:avLst/>
-          </a:prstGeom>
-          <a:noFill/>
-        </p:spPr>
-        <p:txBody>
-          <a:bodyPr wrap="square" rtlCol="0">
-            <a:spAutoFit/>
-          </a:bodyPr>
-          <a:lstStyle/>
-          <a:p>
-            <a:r>
-              <a:rPr lang="en-US" dirty="0"/>
-              <a:t>Fall 2023 -  10 responses</a:t>
-            </a:r>
-          </a:p>
-        </p:txBody>
-      </p:sp>
-    </p:spTree>
-    <p:extLst>
-      <p:ext uri="{BB962C8B-B14F-4D97-AF65-F5344CB8AC3E}">
-        <p14:creationId xmlns:p14="http://schemas.microsoft.com/office/powerpoint/2010/main" val="2300987147"/>
-      </p:ext>
-    </p:extLst>
-  </p:cSld>
-  <p:clrMapOvr>
-    <a:masterClrMapping/>
-  </p:clrMapOvr>
-</p:sld>
-</file>
-
-<file path=ppt/slides/slide11.xml><?xml version="1.0" encoding="utf-8"?>
-<p:sld xmlns:a="http://schemas.openxmlformats.org/drawingml/2006/main" xmlns:r="http://schemas.openxmlformats.org/officeDocument/2006/relationships" xmlns:p="http://schemas.openxmlformats.org/presentationml/2006/main">
-  <p:cSld>
-    <p:spTree>
-      <p:nvGrpSpPr>
-        <p:cNvPr id="1" name=""/>
-        <p:cNvGrpSpPr/>
-        <p:nvPr/>
-      </p:nvGrpSpPr>
-      <p:grpSpPr>
-        <a:xfrm>
-          <a:off x="0" y="0"/>
-          <a:ext cx="0" cy="0"/>
-          <a:chOff x="0" y="0"/>
-          <a:chExt cx="0" cy="0"/>
-        </a:xfrm>
-      </p:grpSpPr>
-      <p:sp>
-        <p:nvSpPr>
-          <p:cNvPr id="4" name="Title 1">
-            <a:extLst>
-              <a:ext uri="{FF2B5EF4-FFF2-40B4-BE49-F238E27FC236}">
-                <a16:creationId xmlns:a16="http://schemas.microsoft.com/office/drawing/2014/main" id="{3DA9892C-3019-E7CE-61B6-09C3D57E0E20}"/>
-              </a:ext>
-            </a:extLst>
-          </p:cNvPr>
-          <p:cNvSpPr txBox="1">
-            <a:spLocks/>
-          </p:cNvSpPr>
-          <p:nvPr/>
-        </p:nvSpPr>
-        <p:spPr>
-          <a:xfrm>
-            <a:off x="49160" y="117985"/>
-            <a:ext cx="10515600" cy="719600"/>
-          </a:xfrm>
-          <a:prstGeom prst="rect">
-            <a:avLst/>
-          </a:prstGeom>
-        </p:spPr>
-        <p:txBody>
-          <a:bodyPr vert="horz" lIns="91440" tIns="45720" rIns="91440" bIns="45720" rtlCol="0" anchor="ctr">
-            <a:normAutofit/>
-          </a:bodyPr>
-          <a:lstStyle>
-            <a:lvl1pPr algn="l" defTabSz="914400" rtl="0" eaLnBrk="1" latinLnBrk="0" hangingPunct="1">
-              <a:lnSpc>
-                <a:spcPct val="90000"/>
-              </a:lnSpc>
-              <a:spcBef>
-                <a:spcPct val="0"/>
-              </a:spcBef>
-              <a:buNone/>
-              <a:defRPr sz="4400" kern="1200">
-                <a:solidFill>
-                  <a:schemeClr val="tx1"/>
-                </a:solidFill>
-                <a:latin typeface="+mj-lt"/>
-                <a:ea typeface="+mj-ea"/>
-                <a:cs typeface="+mj-cs"/>
-              </a:defRPr>
-            </a:lvl1pPr>
-          </a:lstStyle>
-          <a:p>
-            <a:r>
-              <a:rPr lang="en-BE" dirty="0"/>
               <a:t>Survey Results – Team management</a:t>
             </a:r>
           </a:p>
@@ -7394,7 +7062,7 @@
 </p:sld>
 </file>
 
-<file path=ppt/slides/slide12.xml><?xml version="1.0" encoding="utf-8"?>
+<file path=ppt/slides/slide11.xml><?xml version="1.0" encoding="utf-8"?>
 <p:sld xmlns:a="http://schemas.openxmlformats.org/drawingml/2006/main" xmlns:r="http://schemas.openxmlformats.org/officeDocument/2006/relationships" xmlns:p="http://schemas.openxmlformats.org/presentationml/2006/main" show="0">
   <p:cSld>
     <p:spTree>
@@ -7612,7 +7280,7 @@
 </p:sld>
 </file>
 
-<file path=ppt/slides/slide13.xml><?xml version="1.0" encoding="utf-8"?>
+<file path=ppt/slides/slide12.xml><?xml version="1.0" encoding="utf-8"?>
 <p:sld xmlns:a="http://schemas.openxmlformats.org/drawingml/2006/main" xmlns:r="http://schemas.openxmlformats.org/officeDocument/2006/relationships" xmlns:p="http://schemas.openxmlformats.org/presentationml/2006/main">
   <p:cSld>
     <p:spTree>
@@ -8214,7 +7882,7 @@
 </p:sld>
 </file>
 
-<file path=ppt/slides/slide14.xml><?xml version="1.0" encoding="utf-8"?>
+<file path=ppt/slides/slide13.xml><?xml version="1.0" encoding="utf-8"?>
 <p:sld xmlns:a="http://schemas.openxmlformats.org/drawingml/2006/main" xmlns:r="http://schemas.openxmlformats.org/officeDocument/2006/relationships" xmlns:p="http://schemas.openxmlformats.org/presentationml/2006/main">
   <p:cSld>
     <p:spTree>
@@ -9873,7 +9541,7 @@
 </p:sld>
 </file>
 
-<file path=ppt/slides/slide15.xml><?xml version="1.0" encoding="utf-8"?>
+<file path=ppt/slides/slide14.xml><?xml version="1.0" encoding="utf-8"?>
 <p:sld xmlns:a="http://schemas.openxmlformats.org/drawingml/2006/main" xmlns:r="http://schemas.openxmlformats.org/officeDocument/2006/relationships" xmlns:p="http://schemas.openxmlformats.org/presentationml/2006/main">
   <p:cSld>
     <p:spTree>
@@ -10403,7 +10071,7 @@
 </p:sld>
 </file>
 
-<file path=ppt/slides/slide16.xml><?xml version="1.0" encoding="utf-8"?>
+<file path=ppt/slides/slide15.xml><?xml version="1.0" encoding="utf-8"?>
 <p:sld xmlns:a="http://schemas.openxmlformats.org/drawingml/2006/main" xmlns:r="http://schemas.openxmlformats.org/officeDocument/2006/relationships" xmlns:p="http://schemas.openxmlformats.org/presentationml/2006/main">
   <p:cSld>
     <p:spTree>
@@ -11822,7 +11490,7 @@
 </p:sld>
 </file>
 
-<file path=ppt/slides/slide17.xml><?xml version="1.0" encoding="utf-8"?>
+<file path=ppt/slides/slide16.xml><?xml version="1.0" encoding="utf-8"?>
 <p:sld xmlns:a="http://schemas.openxmlformats.org/drawingml/2006/main" xmlns:r="http://schemas.openxmlformats.org/officeDocument/2006/relationships" xmlns:p="http://schemas.openxmlformats.org/presentationml/2006/main">
   <p:cSld>
     <p:spTree>
@@ -13825,7 +13493,7 @@
 </p:sld>
 </file>
 
-<file path=ppt/slides/slide18.xml><?xml version="1.0" encoding="utf-8"?>
+<file path=ppt/slides/slide17.xml><?xml version="1.0" encoding="utf-8"?>
 <p:sld xmlns:a="http://schemas.openxmlformats.org/drawingml/2006/main" xmlns:r="http://schemas.openxmlformats.org/officeDocument/2006/relationships" xmlns:p="http://schemas.openxmlformats.org/presentationml/2006/main" show="0">
   <p:cSld>
     <p:spTree>
@@ -14284,7 +13952,7 @@
 </p:sld>
 </file>
 
-<file path=ppt/slides/slide19.xml><?xml version="1.0" encoding="utf-8"?>
+<file path=ppt/slides/slide18.xml><?xml version="1.0" encoding="utf-8"?>
 <p:sld xmlns:a="http://schemas.openxmlformats.org/drawingml/2006/main" xmlns:r="http://schemas.openxmlformats.org/officeDocument/2006/relationships" xmlns:p="http://schemas.openxmlformats.org/presentationml/2006/main">
   <p:cSld>
     <p:spTree>
@@ -15070,134 +14738,7 @@
 </p:sld>
 </file>
 
-<file path=ppt/slides/slide2.xml><?xml version="1.0" encoding="utf-8"?>
-<p:sld xmlns:a="http://schemas.openxmlformats.org/drawingml/2006/main" xmlns:r="http://schemas.openxmlformats.org/officeDocument/2006/relationships" xmlns:p="http://schemas.openxmlformats.org/presentationml/2006/main">
-  <p:cSld>
-    <p:spTree>
-      <p:nvGrpSpPr>
-        <p:cNvPr id="1" name=""/>
-        <p:cNvGrpSpPr/>
-        <p:nvPr/>
-      </p:nvGrpSpPr>
-      <p:grpSpPr>
-        <a:xfrm>
-          <a:off x="0" y="0"/>
-          <a:ext cx="0" cy="0"/>
-          <a:chOff x="0" y="0"/>
-          <a:chExt cx="0" cy="0"/>
-        </a:xfrm>
-      </p:grpSpPr>
-      <p:sp>
-        <p:nvSpPr>
-          <p:cNvPr id="2" name="Title 1">
-            <a:extLst>
-              <a:ext uri="{FF2B5EF4-FFF2-40B4-BE49-F238E27FC236}">
-                <a16:creationId xmlns:a16="http://schemas.microsoft.com/office/drawing/2014/main" id="{4BA26F11-822D-E0D0-D516-AA05BBEF8B11}"/>
-              </a:ext>
-            </a:extLst>
-          </p:cNvPr>
-          <p:cNvSpPr>
-            <a:spLocks noGrp="1"/>
-          </p:cNvSpPr>
-          <p:nvPr>
-            <p:ph type="title"/>
-          </p:nvPr>
-        </p:nvSpPr>
-        <p:spPr/>
-        <p:txBody>
-          <a:bodyPr/>
-          <a:lstStyle/>
-          <a:p>
-            <a:r>
-              <a:rPr lang="en-BE" dirty="0"/>
-              <a:t>Announcements</a:t>
-            </a:r>
-          </a:p>
-        </p:txBody>
-      </p:sp>
-      <p:sp>
-        <p:nvSpPr>
-          <p:cNvPr id="3" name="Content Placeholder 2">
-            <a:extLst>
-              <a:ext uri="{FF2B5EF4-FFF2-40B4-BE49-F238E27FC236}">
-                <a16:creationId xmlns:a16="http://schemas.microsoft.com/office/drawing/2014/main" id="{A8AA7094-0C3C-E1B9-0BA6-614173F3CEBA}"/>
-              </a:ext>
-            </a:extLst>
-          </p:cNvPr>
-          <p:cNvSpPr>
-            <a:spLocks noGrp="1"/>
-          </p:cNvSpPr>
-          <p:nvPr>
-            <p:ph idx="1"/>
-          </p:nvPr>
-        </p:nvSpPr>
-        <p:spPr/>
-        <p:txBody>
-          <a:bodyPr/>
-          <a:lstStyle/>
-          <a:p>
-            <a:pPr lvl="1"/>
-            <a:r>
-              <a:rPr lang="en-BE" sz="3200" dirty="0"/>
-              <a:t>DP II &amp; III </a:t>
-            </a:r>
-          </a:p>
-          <a:p>
-            <a:pPr lvl="2"/>
-            <a:r>
-              <a:rPr lang="en-BE" sz="2800" dirty="0"/>
-              <a:t>Individual 60%</a:t>
-            </a:r>
-          </a:p>
-          <a:p>
-            <a:pPr lvl="2"/>
-            <a:r>
-              <a:rPr lang="en-BE" sz="2800" dirty="0"/>
-              <a:t>Team 40%</a:t>
-            </a:r>
-          </a:p>
-          <a:p>
-            <a:pPr lvl="1"/>
-            <a:r>
-              <a:rPr lang="en-BE" sz="3200" dirty="0"/>
-              <a:t>Last face-to-face class – Does not mean that you should stop coming to campus. </a:t>
-            </a:r>
-          </a:p>
-          <a:p>
-            <a:pPr lvl="1"/>
-            <a:r>
-              <a:rPr lang="en-BE" sz="3200" dirty="0"/>
-              <a:t>A physical meeting at least every 2 weeks is requred</a:t>
-            </a:r>
-          </a:p>
-          <a:p>
-            <a:pPr lvl="1"/>
-            <a:endParaRPr lang="en-BE" dirty="0"/>
-          </a:p>
-          <a:p>
-            <a:pPr lvl="1"/>
-            <a:endParaRPr lang="en-BE" dirty="0"/>
-          </a:p>
-          <a:p>
-            <a:pPr lvl="1"/>
-            <a:endParaRPr lang="en-BE" dirty="0"/>
-          </a:p>
-        </p:txBody>
-      </p:sp>
-    </p:spTree>
-    <p:extLst>
-      <p:ext uri="{BB962C8B-B14F-4D97-AF65-F5344CB8AC3E}">
-        <p14:creationId xmlns:p14="http://schemas.microsoft.com/office/powerpoint/2010/main" val="3506751351"/>
-      </p:ext>
-    </p:extLst>
-  </p:cSld>
-  <p:clrMapOvr>
-    <a:masterClrMapping/>
-  </p:clrMapOvr>
-</p:sld>
-</file>
-
-<file path=ppt/slides/slide20.xml><?xml version="1.0" encoding="utf-8"?>
+<file path=ppt/slides/slide19.xml><?xml version="1.0" encoding="utf-8"?>
 <p:sld xmlns:a="http://schemas.openxmlformats.org/drawingml/2006/main" xmlns:r="http://schemas.openxmlformats.org/officeDocument/2006/relationships" xmlns:p="http://schemas.openxmlformats.org/presentationml/2006/main">
   <p:cSld>
     <p:spTree>
@@ -16622,7 +16163,150 @@
 </p:sld>
 </file>
 
-<file path=ppt/slides/slide21.xml><?xml version="1.0" encoding="utf-8"?>
+<file path=ppt/slides/slide2.xml><?xml version="1.0" encoding="utf-8"?>
+<p:sld xmlns:a="http://schemas.openxmlformats.org/drawingml/2006/main" xmlns:r="http://schemas.openxmlformats.org/officeDocument/2006/relationships" xmlns:p="http://schemas.openxmlformats.org/presentationml/2006/main">
+  <p:cSld>
+    <p:spTree>
+      <p:nvGrpSpPr>
+        <p:cNvPr id="1" name=""/>
+        <p:cNvGrpSpPr/>
+        <p:nvPr/>
+      </p:nvGrpSpPr>
+      <p:grpSpPr>
+        <a:xfrm>
+          <a:off x="0" y="0"/>
+          <a:ext cx="0" cy="0"/>
+          <a:chOff x="0" y="0"/>
+          <a:chExt cx="0" cy="0"/>
+        </a:xfrm>
+      </p:grpSpPr>
+      <p:sp>
+        <p:nvSpPr>
+          <p:cNvPr id="5" name="TextBox 4">
+            <a:extLst>
+              <a:ext uri="{FF2B5EF4-FFF2-40B4-BE49-F238E27FC236}">
+                <a16:creationId xmlns:a16="http://schemas.microsoft.com/office/drawing/2014/main" id="{CC4656FB-01C8-D216-1984-CA29F5037F75}"/>
+              </a:ext>
+            </a:extLst>
+          </p:cNvPr>
+          <p:cNvSpPr txBox="1"/>
+          <p:nvPr/>
+        </p:nvSpPr>
+        <p:spPr>
+          <a:xfrm>
+            <a:off x="1805775" y="1740847"/>
+            <a:ext cx="6097656" cy="1569660"/>
+          </a:xfrm>
+          <a:prstGeom prst="rect">
+            <a:avLst/>
+          </a:prstGeom>
+          <a:noFill/>
+          <a:ln w="28575">
+            <a:solidFill>
+              <a:srgbClr val="2602FC"/>
+            </a:solidFill>
+          </a:ln>
+        </p:spPr>
+        <p:txBody>
+          <a:bodyPr wrap="square">
+            <a:spAutoFit/>
+          </a:bodyPr>
+          <a:lstStyle/>
+          <a:p>
+            <a:pPr algn="l"/>
+            <a:r>
+              <a:rPr lang="en-GB" sz="3200" b="0" i="0" dirty="0">
+                <a:solidFill>
+                  <a:srgbClr val="333333"/>
+                </a:solidFill>
+                <a:effectLst/>
+                <a:latin typeface="OpenSans"/>
+              </a:rPr>
+              <a:t>“People-related factors tend to be the greatest challenges—not technology.”</a:t>
+            </a:r>
+          </a:p>
+        </p:txBody>
+      </p:sp>
+      <p:sp>
+        <p:nvSpPr>
+          <p:cNvPr id="7" name="TextBox 6">
+            <a:extLst>
+              <a:ext uri="{FF2B5EF4-FFF2-40B4-BE49-F238E27FC236}">
+                <a16:creationId xmlns:a16="http://schemas.microsoft.com/office/drawing/2014/main" id="{66322FF0-C277-630E-9F14-764DF5DB38A1}"/>
+              </a:ext>
+            </a:extLst>
+          </p:cNvPr>
+          <p:cNvSpPr txBox="1"/>
+          <p:nvPr/>
+        </p:nvSpPr>
+        <p:spPr>
+          <a:xfrm>
+            <a:off x="7903431" y="2064012"/>
+            <a:ext cx="2382905" cy="923330"/>
+          </a:xfrm>
+          <a:prstGeom prst="rect">
+            <a:avLst/>
+          </a:prstGeom>
+          <a:noFill/>
+        </p:spPr>
+        <p:txBody>
+          <a:bodyPr wrap="square">
+            <a:spAutoFit/>
+          </a:bodyPr>
+          <a:lstStyle/>
+          <a:p>
+            <a:r>
+              <a:rPr lang="en-GB" b="0" i="0" dirty="0">
+                <a:solidFill>
+                  <a:srgbClr val="333333"/>
+                </a:solidFill>
+                <a:effectLst/>
+                <a:latin typeface="OpenSans"/>
+              </a:rPr>
+              <a:t>George Spafford, </a:t>
+            </a:r>
+          </a:p>
+          <a:p>
+            <a:r>
+              <a:rPr lang="en-GB" b="0" i="0" dirty="0">
+                <a:solidFill>
+                  <a:srgbClr val="333333"/>
+                </a:solidFill>
+                <a:effectLst/>
+                <a:latin typeface="OpenSans"/>
+              </a:rPr>
+              <a:t>Senior Director Analyst </a:t>
+            </a:r>
+          </a:p>
+          <a:p>
+            <a:r>
+              <a:rPr lang="en-GB" b="0" i="0" dirty="0">
+                <a:solidFill>
+                  <a:srgbClr val="333333"/>
+                </a:solidFill>
+                <a:effectLst/>
+                <a:latin typeface="OpenSans"/>
+              </a:rPr>
+              <a:t>at Gartner</a:t>
+            </a:r>
+            <a:endParaRPr lang="en-BE" dirty="0"/>
+          </a:p>
+        </p:txBody>
+      </p:sp>
+    </p:spTree>
+    <p:extLst>
+      <p:ext uri="{BB962C8B-B14F-4D97-AF65-F5344CB8AC3E}">
+        <p14:creationId xmlns:p14="http://schemas.microsoft.com/office/powerpoint/2010/main" val="1226660338"/>
+      </p:ext>
+    </p:extLst>
+  </p:cSld>
+  <p:clrMapOvr>
+    <a:masterClrMapping/>
+  </p:clrMapOvr>
+</p:sld>
+</file>
+
+<file path=ppt/slides/slide20.xml><?xml version="1.0" encoding="utf-8"?>
 <p:sld xmlns:a="http://schemas.openxmlformats.org/drawingml/2006/main" xmlns:r="http://schemas.openxmlformats.org/officeDocument/2006/relationships" xmlns:p="http://schemas.openxmlformats.org/presentationml/2006/main">
   <p:cSld>
     <p:spTree>
@@ -17806,7 +17490,7 @@
 </p:sld>
 </file>
 
-<file path=ppt/slides/slide22.xml><?xml version="1.0" encoding="utf-8"?>
+<file path=ppt/slides/slide21.xml><?xml version="1.0" encoding="utf-8"?>
 <p:sld xmlns:a="http://schemas.openxmlformats.org/drawingml/2006/main" xmlns:r="http://schemas.openxmlformats.org/officeDocument/2006/relationships" xmlns:p="http://schemas.openxmlformats.org/presentationml/2006/main">
   <p:cSld>
     <p:spTree>
@@ -18897,7 +18581,7 @@
 </p:sld>
 </file>
 
-<file path=ppt/slides/slide23.xml><?xml version="1.0" encoding="utf-8"?>
+<file path=ppt/slides/slide22.xml><?xml version="1.0" encoding="utf-8"?>
 <p:sld xmlns:a="http://schemas.openxmlformats.org/drawingml/2006/main" xmlns:r="http://schemas.openxmlformats.org/officeDocument/2006/relationships" xmlns:p="http://schemas.openxmlformats.org/presentationml/2006/main">
   <p:cSld>
     <p:spTree>
@@ -19883,7 +19567,7 @@
 </p:sld>
 </file>
 
-<file path=ppt/slides/slide24.xml><?xml version="1.0" encoding="utf-8"?>
+<file path=ppt/slides/slide23.xml><?xml version="1.0" encoding="utf-8"?>
 <p:sld xmlns:a="http://schemas.openxmlformats.org/drawingml/2006/main" xmlns:r="http://schemas.openxmlformats.org/officeDocument/2006/relationships" xmlns:p="http://schemas.openxmlformats.org/presentationml/2006/main">
   <p:cSld>
     <p:spTree>
@@ -20560,7 +20244,7 @@
 </p:sld>
 </file>
 
-<file path=ppt/slides/slide25.xml><?xml version="1.0" encoding="utf-8"?>
+<file path=ppt/slides/slide24.xml><?xml version="1.0" encoding="utf-8"?>
 <p:sld xmlns:a="http://schemas.openxmlformats.org/drawingml/2006/main" xmlns:r="http://schemas.openxmlformats.org/officeDocument/2006/relationships" xmlns:p="http://schemas.openxmlformats.org/presentationml/2006/main">
   <p:cSld>
     <p:spTree>
@@ -22002,7 +21686,7 @@
 </p:sld>
 </file>
 
-<file path=ppt/slides/slide26.xml><?xml version="1.0" encoding="utf-8"?>
+<file path=ppt/slides/slide25.xml><?xml version="1.0" encoding="utf-8"?>
 <p:sld xmlns:a="http://schemas.openxmlformats.org/drawingml/2006/main" xmlns:r="http://schemas.openxmlformats.org/officeDocument/2006/relationships" xmlns:p="http://schemas.openxmlformats.org/presentationml/2006/main">
   <p:cSld>
     <p:spTree>
@@ -22158,7 +21842,7 @@
 </p:sld>
 </file>
 
-<file path=ppt/slides/slide27.xml><?xml version="1.0" encoding="utf-8"?>
+<file path=ppt/slides/slide26.xml><?xml version="1.0" encoding="utf-8"?>
 <p:sld xmlns:a="http://schemas.openxmlformats.org/drawingml/2006/main" xmlns:r="http://schemas.openxmlformats.org/officeDocument/2006/relationships" xmlns:p="http://schemas.openxmlformats.org/presentationml/2006/main">
   <p:cSld>
     <p:spTree>
@@ -23012,7 +22696,7 @@
 </p:sld>
 </file>
 
-<file path=ppt/slides/slide28.xml><?xml version="1.0" encoding="utf-8"?>
+<file path=ppt/slides/slide27.xml><?xml version="1.0" encoding="utf-8"?>
 <p:sld xmlns:a="http://schemas.openxmlformats.org/drawingml/2006/main" xmlns:r="http://schemas.openxmlformats.org/officeDocument/2006/relationships" xmlns:p="http://schemas.openxmlformats.org/presentationml/2006/main">
   <p:cSld>
     <p:spTree>
@@ -23930,7 +23614,7 @@
 </p:sld>
 </file>
 
-<file path=ppt/slides/slide29.xml><?xml version="1.0" encoding="utf-8"?>
+<file path=ppt/slides/slide28.xml><?xml version="1.0" encoding="utf-8"?>
 <p:sld xmlns:a="http://schemas.openxmlformats.org/drawingml/2006/main" xmlns:r="http://schemas.openxmlformats.org/officeDocument/2006/relationships" xmlns:p="http://schemas.openxmlformats.org/presentationml/2006/main">
   <p:cSld>
     <p:spTree>
@@ -24424,149 +24108,6 @@
       </p:grpSpPr>
       <p:sp>
         <p:nvSpPr>
-          <p:cNvPr id="5" name="TextBox 4">
-            <a:extLst>
-              <a:ext uri="{FF2B5EF4-FFF2-40B4-BE49-F238E27FC236}">
-                <a16:creationId xmlns:a16="http://schemas.microsoft.com/office/drawing/2014/main" id="{CC4656FB-01C8-D216-1984-CA29F5037F75}"/>
-              </a:ext>
-            </a:extLst>
-          </p:cNvPr>
-          <p:cNvSpPr txBox="1"/>
-          <p:nvPr/>
-        </p:nvSpPr>
-        <p:spPr>
-          <a:xfrm>
-            <a:off x="1805775" y="1740847"/>
-            <a:ext cx="6097656" cy="1569660"/>
-          </a:xfrm>
-          <a:prstGeom prst="rect">
-            <a:avLst/>
-          </a:prstGeom>
-          <a:noFill/>
-          <a:ln w="28575">
-            <a:solidFill>
-              <a:srgbClr val="2602FC"/>
-            </a:solidFill>
-          </a:ln>
-        </p:spPr>
-        <p:txBody>
-          <a:bodyPr wrap="square">
-            <a:spAutoFit/>
-          </a:bodyPr>
-          <a:lstStyle/>
-          <a:p>
-            <a:pPr algn="l"/>
-            <a:r>
-              <a:rPr lang="en-GB" sz="3200" b="0" i="0" dirty="0">
-                <a:solidFill>
-                  <a:srgbClr val="333333"/>
-                </a:solidFill>
-                <a:effectLst/>
-                <a:latin typeface="OpenSans"/>
-              </a:rPr>
-              <a:t>“People-related factors tend to be the greatest challenges—not technology.”</a:t>
-            </a:r>
-          </a:p>
-        </p:txBody>
-      </p:sp>
-      <p:sp>
-        <p:nvSpPr>
-          <p:cNvPr id="7" name="TextBox 6">
-            <a:extLst>
-              <a:ext uri="{FF2B5EF4-FFF2-40B4-BE49-F238E27FC236}">
-                <a16:creationId xmlns:a16="http://schemas.microsoft.com/office/drawing/2014/main" id="{66322FF0-C277-630E-9F14-764DF5DB38A1}"/>
-              </a:ext>
-            </a:extLst>
-          </p:cNvPr>
-          <p:cNvSpPr txBox="1"/>
-          <p:nvPr/>
-        </p:nvSpPr>
-        <p:spPr>
-          <a:xfrm>
-            <a:off x="7903431" y="2064012"/>
-            <a:ext cx="2382905" cy="923330"/>
-          </a:xfrm>
-          <a:prstGeom prst="rect">
-            <a:avLst/>
-          </a:prstGeom>
-          <a:noFill/>
-        </p:spPr>
-        <p:txBody>
-          <a:bodyPr wrap="square">
-            <a:spAutoFit/>
-          </a:bodyPr>
-          <a:lstStyle/>
-          <a:p>
-            <a:r>
-              <a:rPr lang="en-GB" b="0" i="0" dirty="0">
-                <a:solidFill>
-                  <a:srgbClr val="333333"/>
-                </a:solidFill>
-                <a:effectLst/>
-                <a:latin typeface="OpenSans"/>
-              </a:rPr>
-              <a:t>George Spafford, </a:t>
-            </a:r>
-          </a:p>
-          <a:p>
-            <a:r>
-              <a:rPr lang="en-GB" b="0" i="0" dirty="0">
-                <a:solidFill>
-                  <a:srgbClr val="333333"/>
-                </a:solidFill>
-                <a:effectLst/>
-                <a:latin typeface="OpenSans"/>
-              </a:rPr>
-              <a:t>Senior Director Analyst </a:t>
-            </a:r>
-          </a:p>
-          <a:p>
-            <a:r>
-              <a:rPr lang="en-GB" b="0" i="0" dirty="0">
-                <a:solidFill>
-                  <a:srgbClr val="333333"/>
-                </a:solidFill>
-                <a:effectLst/>
-                <a:latin typeface="OpenSans"/>
-              </a:rPr>
-              <a:t>at Gartner</a:t>
-            </a:r>
-            <a:endParaRPr lang="en-BE" dirty="0"/>
-          </a:p>
-        </p:txBody>
-      </p:sp>
-    </p:spTree>
-    <p:extLst>
-      <p:ext uri="{BB962C8B-B14F-4D97-AF65-F5344CB8AC3E}">
-        <p14:creationId xmlns:p14="http://schemas.microsoft.com/office/powerpoint/2010/main" val="1226660338"/>
-      </p:ext>
-    </p:extLst>
-  </p:cSld>
-  <p:clrMapOvr>
-    <a:masterClrMapping/>
-  </p:clrMapOvr>
-</p:sld>
-</file>
-
-<file path=ppt/slides/slide4.xml><?xml version="1.0" encoding="utf-8"?>
-<p:sld xmlns:a="http://schemas.openxmlformats.org/drawingml/2006/main" xmlns:r="http://schemas.openxmlformats.org/officeDocument/2006/relationships" xmlns:p="http://schemas.openxmlformats.org/presentationml/2006/main">
-  <p:cSld>
-    <p:spTree>
-      <p:nvGrpSpPr>
-        <p:cNvPr id="1" name=""/>
-        <p:cNvGrpSpPr/>
-        <p:nvPr/>
-      </p:nvGrpSpPr>
-      <p:grpSpPr>
-        <a:xfrm>
-          <a:off x="0" y="0"/>
-          <a:ext cx="0" cy="0"/>
-          <a:chOff x="0" y="0"/>
-          <a:chExt cx="0" cy="0"/>
-        </a:xfrm>
-      </p:grpSpPr>
-      <p:sp>
-        <p:nvSpPr>
           <p:cNvPr id="2" name="Title 1">
             <a:extLst>
               <a:ext uri="{FF2B5EF4-FFF2-40B4-BE49-F238E27FC236}">
@@ -24719,7 +24260,7 @@
 </p:sld>
 </file>
 
-<file path=ppt/slides/slide5.xml><?xml version="1.0" encoding="utf-8"?>
+<file path=ppt/slides/slide4.xml><?xml version="1.0" encoding="utf-8"?>
 <p:sld xmlns:a="http://schemas.openxmlformats.org/drawingml/2006/main" xmlns:r="http://schemas.openxmlformats.org/officeDocument/2006/relationships" xmlns:p="http://schemas.openxmlformats.org/presentationml/2006/main">
   <p:cSld>
     <p:spTree>
@@ -26110,7 +25651,7 @@
 </p:sld>
 </file>
 
-<file path=ppt/slides/slide6.xml><?xml version="1.0" encoding="utf-8"?>
+<file path=ppt/slides/slide5.xml><?xml version="1.0" encoding="utf-8"?>
 <p:sld xmlns:a="http://schemas.openxmlformats.org/drawingml/2006/main" xmlns:r="http://schemas.openxmlformats.org/officeDocument/2006/relationships" xmlns:p="http://schemas.openxmlformats.org/presentationml/2006/main">
   <p:cSld>
     <p:spTree>
@@ -26597,7 +26138,7 @@
 </p:sld>
 </file>
 
-<file path=ppt/slides/slide7.xml><?xml version="1.0" encoding="utf-8"?>
+<file path=ppt/slides/slide6.xml><?xml version="1.0" encoding="utf-8"?>
 <p:sld xmlns:a="http://schemas.openxmlformats.org/drawingml/2006/main" xmlns:r="http://schemas.openxmlformats.org/officeDocument/2006/relationships" xmlns:p="http://schemas.openxmlformats.org/presentationml/2006/main">
   <p:cSld>
     <p:spTree>
@@ -27558,7 +27099,7 @@
 </p:sld>
 </file>
 
-<file path=ppt/slides/slide8.xml><?xml version="1.0" encoding="utf-8"?>
+<file path=ppt/slides/slide7.xml><?xml version="1.0" encoding="utf-8"?>
 <p:sld xmlns:a="http://schemas.openxmlformats.org/drawingml/2006/main" xmlns:r="http://schemas.openxmlformats.org/officeDocument/2006/relationships" xmlns:p="http://schemas.openxmlformats.org/presentationml/2006/main">
   <p:cSld>
     <p:spTree>
@@ -27820,7 +27361,7 @@
 </p:sld>
 </file>
 
-<file path=ppt/slides/slide9.xml><?xml version="1.0" encoding="utf-8"?>
+<file path=ppt/slides/slide8.xml><?xml version="1.0" encoding="utf-8"?>
 <p:sld xmlns:a="http://schemas.openxmlformats.org/drawingml/2006/main" xmlns:r="http://schemas.openxmlformats.org/officeDocument/2006/relationships" xmlns:p="http://schemas.openxmlformats.org/presentationml/2006/main">
   <p:cSld>
     <p:spTree>
@@ -28111,6 +27652,337 @@
     <p:extLst>
       <p:ext uri="{BB962C8B-B14F-4D97-AF65-F5344CB8AC3E}">
         <p14:creationId xmlns:p14="http://schemas.microsoft.com/office/powerpoint/2010/main" val="3217437396"/>
+      </p:ext>
+    </p:extLst>
+  </p:cSld>
+  <p:clrMapOvr>
+    <a:masterClrMapping/>
+  </p:clrMapOvr>
+</p:sld>
+</file>
+
+<file path=ppt/slides/slide9.xml><?xml version="1.0" encoding="utf-8"?>
+<p:sld xmlns:a="http://schemas.openxmlformats.org/drawingml/2006/main" xmlns:r="http://schemas.openxmlformats.org/officeDocument/2006/relationships" xmlns:p="http://schemas.openxmlformats.org/presentationml/2006/main">
+  <p:cSld>
+    <p:spTree>
+      <p:nvGrpSpPr>
+        <p:cNvPr id="1" name=""/>
+        <p:cNvGrpSpPr/>
+        <p:nvPr/>
+      </p:nvGrpSpPr>
+      <p:grpSpPr>
+        <a:xfrm>
+          <a:off x="0" y="0"/>
+          <a:ext cx="0" cy="0"/>
+          <a:chOff x="0" y="0"/>
+          <a:chExt cx="0" cy="0"/>
+        </a:xfrm>
+      </p:grpSpPr>
+      <p:sp>
+        <p:nvSpPr>
+          <p:cNvPr id="4" name="Title 1">
+            <a:extLst>
+              <a:ext uri="{FF2B5EF4-FFF2-40B4-BE49-F238E27FC236}">
+                <a16:creationId xmlns:a16="http://schemas.microsoft.com/office/drawing/2014/main" id="{3DA9892C-3019-E7CE-61B6-09C3D57E0E20}"/>
+              </a:ext>
+            </a:extLst>
+          </p:cNvPr>
+          <p:cNvSpPr txBox="1">
+            <a:spLocks/>
+          </p:cNvSpPr>
+          <p:nvPr/>
+        </p:nvSpPr>
+        <p:spPr>
+          <a:xfrm>
+            <a:off x="49160" y="117985"/>
+            <a:ext cx="10515600" cy="719600"/>
+          </a:xfrm>
+          <a:prstGeom prst="rect">
+            <a:avLst/>
+          </a:prstGeom>
+        </p:spPr>
+        <p:txBody>
+          <a:bodyPr vert="horz" lIns="91440" tIns="45720" rIns="91440" bIns="45720" rtlCol="0" anchor="ctr">
+            <a:normAutofit/>
+          </a:bodyPr>
+          <a:lstStyle>
+            <a:lvl1pPr algn="l" defTabSz="914400" rtl="0" eaLnBrk="1" latinLnBrk="0" hangingPunct="1">
+              <a:lnSpc>
+                <a:spcPct val="90000"/>
+              </a:lnSpc>
+              <a:spcBef>
+                <a:spcPct val="0"/>
+              </a:spcBef>
+              <a:buNone/>
+              <a:defRPr sz="4400" kern="1200">
+                <a:solidFill>
+                  <a:schemeClr val="tx1"/>
+                </a:solidFill>
+                <a:latin typeface="+mj-lt"/>
+                <a:ea typeface="+mj-ea"/>
+                <a:cs typeface="+mj-cs"/>
+              </a:defRPr>
+            </a:lvl1pPr>
+          </a:lstStyle>
+          <a:p>
+            <a:r>
+              <a:rPr lang="en-BE" dirty="0"/>
+              <a:t>Survey Results - Background</a:t>
+            </a:r>
+          </a:p>
+        </p:txBody>
+      </p:sp>
+      <p:pic>
+        <p:nvPicPr>
+          <p:cNvPr id="9218" name="Picture 2" descr="Forms response chart. Question title: Qn.2: How many months of industry software development experience did you have before the beginning the class 472:. Number of responses: 19 responses.">
+            <a:extLst>
+              <a:ext uri="{FF2B5EF4-FFF2-40B4-BE49-F238E27FC236}">
+                <a16:creationId xmlns:a16="http://schemas.microsoft.com/office/drawing/2014/main" id="{6B6F8E73-BC2E-BE32-7D30-5D3A0556FDD7}"/>
+              </a:ext>
+            </a:extLst>
+          </p:cNvPr>
+          <p:cNvPicPr>
+            <a:picLocks noChangeAspect="1" noChangeArrowheads="1"/>
+          </p:cNvPicPr>
+          <p:nvPr/>
+        </p:nvPicPr>
+        <p:blipFill rotWithShape="1">
+          <a:blip r:embed="rId3">
+            <a:extLst>
+              <a:ext uri="{28A0092B-C50C-407E-A947-70E740481C1C}">
+                <a14:useLocalDpi xmlns:a14="http://schemas.microsoft.com/office/drawing/2010/main" val="0"/>
+              </a:ext>
+            </a:extLst>
+          </a:blip>
+          <a:srcRect l="20011" t="33017" r="54179" b="8150"/>
+          <a:stretch/>
+        </p:blipFill>
+        <p:spPr bwMode="auto">
+          <a:xfrm>
+            <a:off x="1224501" y="2620736"/>
+            <a:ext cx="3193775" cy="3301671"/>
+          </a:xfrm>
+          <a:prstGeom prst="rect">
+            <a:avLst/>
+          </a:prstGeom>
+          <a:noFill/>
+          <a:extLst>
+            <a:ext uri="{909E8E84-426E-40DD-AFC4-6F175D3DCCD1}">
+              <a14:hiddenFill xmlns:a14="http://schemas.microsoft.com/office/drawing/2010/main">
+                <a:solidFill>
+                  <a:srgbClr val="FFFFFF"/>
+                </a:solidFill>
+              </a14:hiddenFill>
+            </a:ext>
+          </a:extLst>
+        </p:spPr>
+      </p:pic>
+      <p:sp>
+        <p:nvSpPr>
+          <p:cNvPr id="3" name="TextBox 2">
+            <a:extLst>
+              <a:ext uri="{FF2B5EF4-FFF2-40B4-BE49-F238E27FC236}">
+                <a16:creationId xmlns:a16="http://schemas.microsoft.com/office/drawing/2014/main" id="{EA0DD0E2-A573-E6BB-9352-4055552BD4E5}"/>
+              </a:ext>
+            </a:extLst>
+          </p:cNvPr>
+          <p:cNvSpPr txBox="1"/>
+          <p:nvPr/>
+        </p:nvSpPr>
+        <p:spPr>
+          <a:xfrm>
+            <a:off x="662609" y="1145908"/>
+            <a:ext cx="10416208" cy="646331"/>
+          </a:xfrm>
+          <a:prstGeom prst="rect">
+            <a:avLst/>
+          </a:prstGeom>
+          <a:noFill/>
+        </p:spPr>
+        <p:txBody>
+          <a:bodyPr wrap="square">
+            <a:spAutoFit/>
+          </a:bodyPr>
+          <a:lstStyle/>
+          <a:p>
+            <a:r>
+              <a:rPr lang="en-GB" b="0" i="0" dirty="0">
+                <a:solidFill>
+                  <a:srgbClr val="202124"/>
+                </a:solidFill>
+                <a:effectLst/>
+                <a:latin typeface="Roboto" panose="02000000000000000000" pitchFamily="2" charset="0"/>
+              </a:rPr>
+              <a:t>Qn.2: How many months of industry software development experience did you have before the beginning the class 472:</a:t>
+            </a:r>
+            <a:endParaRPr lang="en-US" dirty="0"/>
+          </a:p>
+        </p:txBody>
+      </p:sp>
+      <p:pic>
+        <p:nvPicPr>
+          <p:cNvPr id="2050" name="Picture 2" descr="Forms response chart. Question title: Qn.2: How many months of industry software development experience did you have before the beginning the class 472:&#10;. Number of responses: 10 responses.">
+            <a:extLst>
+              <a:ext uri="{FF2B5EF4-FFF2-40B4-BE49-F238E27FC236}">
+                <a16:creationId xmlns:a16="http://schemas.microsoft.com/office/drawing/2014/main" id="{FF9349F6-5234-74F9-9D4B-75CBE0F81814}"/>
+              </a:ext>
+            </a:extLst>
+          </p:cNvPr>
+          <p:cNvPicPr>
+            <a:picLocks noChangeAspect="1" noChangeArrowheads="1"/>
+          </p:cNvPicPr>
+          <p:nvPr/>
+        </p:nvPicPr>
+        <p:blipFill rotWithShape="1">
+          <a:blip r:embed="rId4">
+            <a:extLst>
+              <a:ext uri="{28A0092B-C50C-407E-A947-70E740481C1C}">
+                <a14:useLocalDpi xmlns:a14="http://schemas.microsoft.com/office/drawing/2010/main" val="0"/>
+              </a:ext>
+            </a:extLst>
+          </a:blip>
+          <a:srcRect l="20109" t="34735" r="53696" b="8694"/>
+          <a:stretch/>
+        </p:blipFill>
+        <p:spPr bwMode="auto">
+          <a:xfrm>
+            <a:off x="4998720" y="2584174"/>
+            <a:ext cx="3193774" cy="3127918"/>
+          </a:xfrm>
+          <a:prstGeom prst="rect">
+            <a:avLst/>
+          </a:prstGeom>
+          <a:noFill/>
+          <a:extLst>
+            <a:ext uri="{909E8E84-426E-40DD-AFC4-6F175D3DCCD1}">
+              <a14:hiddenFill xmlns:a14="http://schemas.microsoft.com/office/drawing/2010/main">
+                <a:solidFill>
+                  <a:srgbClr val="FFFFFF"/>
+                </a:solidFill>
+              </a14:hiddenFill>
+            </a:ext>
+          </a:extLst>
+        </p:spPr>
+      </p:pic>
+      <p:pic>
+        <p:nvPicPr>
+          <p:cNvPr id="5" name="Picture 2" descr="Forms response chart. Question title: Qn.2: How many months of industry software development experience did you have before the beginning the class 472:&#10;. Number of responses: 10 responses.">
+            <a:extLst>
+              <a:ext uri="{FF2B5EF4-FFF2-40B4-BE49-F238E27FC236}">
+                <a16:creationId xmlns:a16="http://schemas.microsoft.com/office/drawing/2014/main" id="{F1C6C8C2-C4A0-CC22-17DB-DAD6498DA7AD}"/>
+              </a:ext>
+            </a:extLst>
+          </p:cNvPr>
+          <p:cNvPicPr>
+            <a:picLocks noChangeAspect="1" noChangeArrowheads="1"/>
+          </p:cNvPicPr>
+          <p:nvPr/>
+        </p:nvPicPr>
+        <p:blipFill rotWithShape="1">
+          <a:blip r:embed="rId4">
+            <a:extLst>
+              <a:ext uri="{28A0092B-C50C-407E-A947-70E740481C1C}">
+                <a14:useLocalDpi xmlns:a14="http://schemas.microsoft.com/office/drawing/2010/main" val="0"/>
+              </a:ext>
+            </a:extLst>
+          </a:blip>
+          <a:srcRect l="61684" t="34735" r="16242" b="34587"/>
+          <a:stretch/>
+        </p:blipFill>
+        <p:spPr bwMode="auto">
+          <a:xfrm>
+            <a:off x="8601655" y="2229844"/>
+            <a:ext cx="2691185" cy="1696278"/>
+          </a:xfrm>
+          <a:prstGeom prst="rect">
+            <a:avLst/>
+          </a:prstGeom>
+          <a:noFill/>
+          <a:extLst>
+            <a:ext uri="{909E8E84-426E-40DD-AFC4-6F175D3DCCD1}">
+              <a14:hiddenFill xmlns:a14="http://schemas.microsoft.com/office/drawing/2010/main">
+                <a:solidFill>
+                  <a:srgbClr val="FFFFFF"/>
+                </a:solidFill>
+              </a14:hiddenFill>
+            </a:ext>
+          </a:extLst>
+        </p:spPr>
+      </p:pic>
+      <p:sp>
+        <p:nvSpPr>
+          <p:cNvPr id="6" name="TextBox 5">
+            <a:extLst>
+              <a:ext uri="{FF2B5EF4-FFF2-40B4-BE49-F238E27FC236}">
+                <a16:creationId xmlns:a16="http://schemas.microsoft.com/office/drawing/2014/main" id="{8FFBAEE2-BCE6-663C-393B-DA9438C15232}"/>
+              </a:ext>
+            </a:extLst>
+          </p:cNvPr>
+          <p:cNvSpPr txBox="1"/>
+          <p:nvPr/>
+        </p:nvSpPr>
+        <p:spPr>
+          <a:xfrm>
+            <a:off x="1421875" y="2251404"/>
+            <a:ext cx="2799026" cy="369332"/>
+          </a:xfrm>
+          <a:prstGeom prst="rect">
+            <a:avLst/>
+          </a:prstGeom>
+          <a:noFill/>
+        </p:spPr>
+        <p:txBody>
+          <a:bodyPr wrap="square" rtlCol="0">
+            <a:spAutoFit/>
+          </a:bodyPr>
+          <a:lstStyle/>
+          <a:p>
+            <a:r>
+              <a:rPr lang="en-US" dirty="0"/>
+              <a:t>Spring 2023 -  19 responses</a:t>
+            </a:r>
+          </a:p>
+        </p:txBody>
+      </p:sp>
+      <p:sp>
+        <p:nvSpPr>
+          <p:cNvPr id="7" name="TextBox 6">
+            <a:extLst>
+              <a:ext uri="{FF2B5EF4-FFF2-40B4-BE49-F238E27FC236}">
+                <a16:creationId xmlns:a16="http://schemas.microsoft.com/office/drawing/2014/main" id="{9A71BFF2-14B2-318D-6400-640597EF419D}"/>
+              </a:ext>
+            </a:extLst>
+          </p:cNvPr>
+          <p:cNvSpPr txBox="1"/>
+          <p:nvPr/>
+        </p:nvSpPr>
+        <p:spPr>
+          <a:xfrm>
+            <a:off x="5306960" y="2200854"/>
+            <a:ext cx="2566035" cy="369332"/>
+          </a:xfrm>
+          <a:prstGeom prst="rect">
+            <a:avLst/>
+          </a:prstGeom>
+          <a:noFill/>
+        </p:spPr>
+        <p:txBody>
+          <a:bodyPr wrap="square" rtlCol="0">
+            <a:spAutoFit/>
+          </a:bodyPr>
+          <a:lstStyle/>
+          <a:p>
+            <a:r>
+              <a:rPr lang="en-US" dirty="0"/>
+              <a:t>Fall 2023 -  10 responses</a:t>
+            </a:r>
+          </a:p>
+        </p:txBody>
+      </p:sp>
+    </p:spTree>
+    <p:extLst>
+      <p:ext uri="{BB962C8B-B14F-4D97-AF65-F5344CB8AC3E}">
+        <p14:creationId xmlns:p14="http://schemas.microsoft.com/office/powerpoint/2010/main" val="2300987147"/>
       </p:ext>
     </p:extLst>
   </p:cSld>

--- a/teaching/CS472/Timetable/Survey_Presentation.pptx
+++ b/teaching/CS472/Timetable/Survey_Presentation.pptx
@@ -5,37 +5,38 @@
     <p:sldMasterId id="2147483648" r:id="rId1"/>
   </p:sldMasterIdLst>
   <p:notesMasterIdLst>
-    <p:notesMasterId r:id="rId30"/>
+    <p:notesMasterId r:id="rId31"/>
   </p:notesMasterIdLst>
   <p:sldIdLst>
     <p:sldId id="256" r:id="rId2"/>
-    <p:sldId id="276" r:id="rId3"/>
-    <p:sldId id="274" r:id="rId4"/>
-    <p:sldId id="259" r:id="rId5"/>
-    <p:sldId id="261" r:id="rId6"/>
-    <p:sldId id="260" r:id="rId7"/>
-    <p:sldId id="262" r:id="rId8"/>
-    <p:sldId id="263" r:id="rId9"/>
-    <p:sldId id="264" r:id="rId10"/>
-    <p:sldId id="265" r:id="rId11"/>
-    <p:sldId id="266" r:id="rId12"/>
-    <p:sldId id="268" r:id="rId13"/>
-    <p:sldId id="267" r:id="rId14"/>
-    <p:sldId id="279" r:id="rId15"/>
-    <p:sldId id="269" r:id="rId16"/>
-    <p:sldId id="270" r:id="rId17"/>
-    <p:sldId id="280" r:id="rId18"/>
-    <p:sldId id="271" r:id="rId19"/>
-    <p:sldId id="277" r:id="rId20"/>
-    <p:sldId id="278" r:id="rId21"/>
-    <p:sldId id="281" r:id="rId22"/>
-    <p:sldId id="272" r:id="rId23"/>
-    <p:sldId id="282" r:id="rId24"/>
-    <p:sldId id="257" r:id="rId25"/>
-    <p:sldId id="286" r:id="rId26"/>
-    <p:sldId id="285" r:id="rId27"/>
-    <p:sldId id="284" r:id="rId28"/>
-    <p:sldId id="287" r:id="rId29"/>
+    <p:sldId id="288" r:id="rId3"/>
+    <p:sldId id="276" r:id="rId4"/>
+    <p:sldId id="274" r:id="rId5"/>
+    <p:sldId id="259" r:id="rId6"/>
+    <p:sldId id="261" r:id="rId7"/>
+    <p:sldId id="260" r:id="rId8"/>
+    <p:sldId id="262" r:id="rId9"/>
+    <p:sldId id="263" r:id="rId10"/>
+    <p:sldId id="264" r:id="rId11"/>
+    <p:sldId id="265" r:id="rId12"/>
+    <p:sldId id="266" r:id="rId13"/>
+    <p:sldId id="268" r:id="rId14"/>
+    <p:sldId id="267" r:id="rId15"/>
+    <p:sldId id="279" r:id="rId16"/>
+    <p:sldId id="269" r:id="rId17"/>
+    <p:sldId id="270" r:id="rId18"/>
+    <p:sldId id="280" r:id="rId19"/>
+    <p:sldId id="271" r:id="rId20"/>
+    <p:sldId id="277" r:id="rId21"/>
+    <p:sldId id="278" r:id="rId22"/>
+    <p:sldId id="281" r:id="rId23"/>
+    <p:sldId id="272" r:id="rId24"/>
+    <p:sldId id="282" r:id="rId25"/>
+    <p:sldId id="257" r:id="rId26"/>
+    <p:sldId id="286" r:id="rId27"/>
+    <p:sldId id="285" r:id="rId28"/>
+    <p:sldId id="284" r:id="rId29"/>
+    <p:sldId id="287" r:id="rId30"/>
   </p:sldIdLst>
   <p:sldSz cx="12192000" cy="6858000"/>
   <p:notesSz cx="6858000" cy="9144000"/>
@@ -429,6 +430,7 @@
     </c:plotArea>
     <c:plotVisOnly val="1"/>
     <c:dispBlanksAs val="gap"/>
+    <c:showDLblsOverMax val="0"/>
     <c:extLst>
       <c:ext xmlns:c16r3="http://schemas.microsoft.com/office/drawing/2017/03/chart" uri="{56B9EC1D-385E-4148-901F-78D8002777C0}">
         <c16r3:dataDisplayOptions16>
@@ -436,7 +438,6 @@
         </c16r3:dataDisplayOptions16>
       </c:ext>
     </c:extLst>
-    <c:showDLblsOverMax val="0"/>
   </c:chart>
   <c:spPr>
     <a:noFill/>
@@ -1086,7 +1087,7 @@
           <a:p>
             <a:fld id="{ECB6ABEC-9682-A748-9952-F7E88154EBB2}" type="datetimeFigureOut">
               <a:rPr lang="en-BE" smtClean="0"/>
-              <a:t>18/02/2025</a:t>
+              <a:t>29/09/2025</a:t>
             </a:fld>
             <a:endParaRPr lang="en-BE"/>
           </a:p>
@@ -1422,7 +1423,7 @@
           <a:p>
             <a:fld id="{D5181410-5F61-C247-9B70-F663CDE0B230}" type="slidenum">
               <a:rPr lang="en-BE" smtClean="0"/>
-              <a:t>2</a:t>
+              <a:t>3</a:t>
             </a:fld>
             <a:endParaRPr lang="en-BE"/>
           </a:p>
@@ -1509,7 +1510,7 @@
           <a:p>
             <a:fld id="{9BAB3117-5ED7-3C4F-A44D-5199A537B35F}" type="slidenum">
               <a:rPr lang="en-BE" smtClean="0"/>
-              <a:t>13</a:t>
+              <a:t>14</a:t>
             </a:fld>
             <a:endParaRPr lang="en-BE"/>
           </a:p>
@@ -1596,7 +1597,7 @@
           <a:p>
             <a:fld id="{9BAB3117-5ED7-3C4F-A44D-5199A537B35F}" type="slidenum">
               <a:rPr lang="en-BE" smtClean="0"/>
-              <a:t>14</a:t>
+              <a:t>15</a:t>
             </a:fld>
             <a:endParaRPr lang="en-BE"/>
           </a:p>
@@ -1680,7 +1681,7 @@
           <a:p>
             <a:fld id="{9BAB3117-5ED7-3C4F-A44D-5199A537B35F}" type="slidenum">
               <a:rPr lang="en-BE" smtClean="0"/>
-              <a:t>16</a:t>
+              <a:t>17</a:t>
             </a:fld>
             <a:endParaRPr lang="en-BE"/>
           </a:p>
@@ -1764,7 +1765,7 @@
           <a:p>
             <a:fld id="{9BAB3117-5ED7-3C4F-A44D-5199A537B35F}" type="slidenum">
               <a:rPr lang="en-BE" smtClean="0"/>
-              <a:t>17</a:t>
+              <a:t>18</a:t>
             </a:fld>
             <a:endParaRPr lang="en-BE"/>
           </a:p>
@@ -1848,7 +1849,7 @@
           <a:p>
             <a:fld id="{9BAB3117-5ED7-3C4F-A44D-5199A537B35F}" type="slidenum">
               <a:rPr lang="en-BE" smtClean="0"/>
-              <a:t>18</a:t>
+              <a:t>19</a:t>
             </a:fld>
             <a:endParaRPr lang="en-BE"/>
           </a:p>
@@ -1932,7 +1933,7 @@
           <a:p>
             <a:fld id="{9BAB3117-5ED7-3C4F-A44D-5199A537B35F}" type="slidenum">
               <a:rPr lang="en-BE" smtClean="0"/>
-              <a:t>19</a:t>
+              <a:t>20</a:t>
             </a:fld>
             <a:endParaRPr lang="en-BE"/>
           </a:p>
@@ -2016,7 +2017,7 @@
           <a:p>
             <a:fld id="{9BAB3117-5ED7-3C4F-A44D-5199A537B35F}" type="slidenum">
               <a:rPr lang="en-BE" smtClean="0"/>
-              <a:t>20</a:t>
+              <a:t>21</a:t>
             </a:fld>
             <a:endParaRPr lang="en-BE"/>
           </a:p>
@@ -2110,7 +2111,7 @@
           <a:p>
             <a:fld id="{9BAB3117-5ED7-3C4F-A44D-5199A537B35F}" type="slidenum">
               <a:rPr lang="en-BE" smtClean="0"/>
-              <a:t>21</a:t>
+              <a:t>22</a:t>
             </a:fld>
             <a:endParaRPr lang="en-BE"/>
           </a:p>
@@ -2204,7 +2205,7 @@
           <a:p>
             <a:fld id="{9BAB3117-5ED7-3C4F-A44D-5199A537B35F}" type="slidenum">
               <a:rPr lang="en-BE" smtClean="0"/>
-              <a:t>22</a:t>
+              <a:t>23</a:t>
             </a:fld>
             <a:endParaRPr lang="en-BE"/>
           </a:p>
@@ -2298,7 +2299,7 @@
           <a:p>
             <a:fld id="{9BAB3117-5ED7-3C4F-A44D-5199A537B35F}" type="slidenum">
               <a:rPr lang="en-BE" smtClean="0"/>
-              <a:t>23</a:t>
+              <a:t>24</a:t>
             </a:fld>
             <a:endParaRPr lang="en-BE"/>
           </a:p>
@@ -2433,7 +2434,7 @@
           <a:p>
             <a:fld id="{9BAB3117-5ED7-3C4F-A44D-5199A537B35F}" type="slidenum">
               <a:rPr lang="en-BE" smtClean="0"/>
-              <a:t>4</a:t>
+              <a:t>5</a:t>
             </a:fld>
             <a:endParaRPr lang="en-BE"/>
           </a:p>
@@ -2517,7 +2518,7 @@
           <a:p>
             <a:fld id="{9BAB3117-5ED7-3C4F-A44D-5199A537B35F}" type="slidenum">
               <a:rPr lang="en-BE" smtClean="0"/>
-              <a:t>24</a:t>
+              <a:t>25</a:t>
             </a:fld>
             <a:endParaRPr lang="en-BE"/>
           </a:p>
@@ -2601,7 +2602,7 @@
           <a:p>
             <a:fld id="{9BAB3117-5ED7-3C4F-A44D-5199A537B35F}" type="slidenum">
               <a:rPr lang="en-BE" smtClean="0"/>
-              <a:t>25</a:t>
+              <a:t>26</a:t>
             </a:fld>
             <a:endParaRPr lang="en-BE"/>
           </a:p>
@@ -2685,7 +2686,7 @@
           <a:p>
             <a:fld id="{9BAB3117-5ED7-3C4F-A44D-5199A537B35F}" type="slidenum">
               <a:rPr lang="en-BE" smtClean="0"/>
-              <a:t>26</a:t>
+              <a:t>27</a:t>
             </a:fld>
             <a:endParaRPr lang="en-BE"/>
           </a:p>
@@ -2769,7 +2770,7 @@
           <a:p>
             <a:fld id="{9BAB3117-5ED7-3C4F-A44D-5199A537B35F}" type="slidenum">
               <a:rPr lang="en-BE" smtClean="0"/>
-              <a:t>27</a:t>
+              <a:t>28</a:t>
             </a:fld>
             <a:endParaRPr lang="en-BE"/>
           </a:p>
@@ -2853,7 +2854,7 @@
           <a:p>
             <a:fld id="{9BAB3117-5ED7-3C4F-A44D-5199A537B35F}" type="slidenum">
               <a:rPr lang="en-BE" smtClean="0"/>
-              <a:t>28</a:t>
+              <a:t>29</a:t>
             </a:fld>
             <a:endParaRPr lang="en-BE"/>
           </a:p>
@@ -2940,7 +2941,7 @@
           <a:p>
             <a:fld id="{9BAB3117-5ED7-3C4F-A44D-5199A537B35F}" type="slidenum">
               <a:rPr lang="en-BE" smtClean="0"/>
-              <a:t>5</a:t>
+              <a:t>6</a:t>
             </a:fld>
             <a:endParaRPr lang="en-BE"/>
           </a:p>
@@ -3027,7 +3028,7 @@
           <a:p>
             <a:fld id="{9BAB3117-5ED7-3C4F-A44D-5199A537B35F}" type="slidenum">
               <a:rPr lang="en-BE" smtClean="0"/>
-              <a:t>6</a:t>
+              <a:t>7</a:t>
             </a:fld>
             <a:endParaRPr lang="en-BE"/>
           </a:p>
@@ -3117,7 +3118,7 @@
           <a:p>
             <a:fld id="{9BAB3117-5ED7-3C4F-A44D-5199A537B35F}" type="slidenum">
               <a:rPr lang="en-BE" smtClean="0"/>
-              <a:t>8</a:t>
+              <a:t>9</a:t>
             </a:fld>
             <a:endParaRPr lang="en-BE"/>
           </a:p>
@@ -3204,7 +3205,7 @@
           <a:p>
             <a:fld id="{9BAB3117-5ED7-3C4F-A44D-5199A537B35F}" type="slidenum">
               <a:rPr lang="en-BE" smtClean="0"/>
-              <a:t>9</a:t>
+              <a:t>10</a:t>
             </a:fld>
             <a:endParaRPr lang="en-BE"/>
           </a:p>
@@ -3291,7 +3292,7 @@
           <a:p>
             <a:fld id="{9BAB3117-5ED7-3C4F-A44D-5199A537B35F}" type="slidenum">
               <a:rPr lang="en-BE" smtClean="0"/>
-              <a:t>10</a:t>
+              <a:t>11</a:t>
             </a:fld>
             <a:endParaRPr lang="en-BE"/>
           </a:p>
@@ -3378,7 +3379,7 @@
           <a:p>
             <a:fld id="{9BAB3117-5ED7-3C4F-A44D-5199A537B35F}" type="slidenum">
               <a:rPr lang="en-BE" smtClean="0"/>
-              <a:t>11</a:t>
+              <a:t>12</a:t>
             </a:fld>
             <a:endParaRPr lang="en-BE"/>
           </a:p>
@@ -3465,7 +3466,7 @@
           <a:p>
             <a:fld id="{9BAB3117-5ED7-3C4F-A44D-5199A537B35F}" type="slidenum">
               <a:rPr lang="en-BE" smtClean="0"/>
-              <a:t>12</a:t>
+              <a:t>13</a:t>
             </a:fld>
             <a:endParaRPr lang="en-BE"/>
           </a:p>
@@ -3633,7 +3634,7 @@
           <a:p>
             <a:fld id="{5A5876BE-2CEE-3F48-98D5-9DF9AF5CE17C}" type="datetimeFigureOut">
               <a:rPr lang="en-BE" smtClean="0"/>
-              <a:t>18/02/2025</a:t>
+              <a:t>29/09/2025</a:t>
             </a:fld>
             <a:endParaRPr lang="en-BE"/>
           </a:p>
@@ -3833,7 +3834,7 @@
           <a:p>
             <a:fld id="{5A5876BE-2CEE-3F48-98D5-9DF9AF5CE17C}" type="datetimeFigureOut">
               <a:rPr lang="en-BE" smtClean="0"/>
-              <a:t>18/02/2025</a:t>
+              <a:t>29/09/2025</a:t>
             </a:fld>
             <a:endParaRPr lang="en-BE"/>
           </a:p>
@@ -4043,7 +4044,7 @@
           <a:p>
             <a:fld id="{5A5876BE-2CEE-3F48-98D5-9DF9AF5CE17C}" type="datetimeFigureOut">
               <a:rPr lang="en-BE" smtClean="0"/>
-              <a:t>18/02/2025</a:t>
+              <a:t>29/09/2025</a:t>
             </a:fld>
             <a:endParaRPr lang="en-BE"/>
           </a:p>
@@ -4243,7 +4244,7 @@
           <a:p>
             <a:fld id="{5A5876BE-2CEE-3F48-98D5-9DF9AF5CE17C}" type="datetimeFigureOut">
               <a:rPr lang="en-BE" smtClean="0"/>
-              <a:t>18/02/2025</a:t>
+              <a:t>29/09/2025</a:t>
             </a:fld>
             <a:endParaRPr lang="en-BE"/>
           </a:p>
@@ -4519,7 +4520,7 @@
           <a:p>
             <a:fld id="{5A5876BE-2CEE-3F48-98D5-9DF9AF5CE17C}" type="datetimeFigureOut">
               <a:rPr lang="en-BE" smtClean="0"/>
-              <a:t>18/02/2025</a:t>
+              <a:t>29/09/2025</a:t>
             </a:fld>
             <a:endParaRPr lang="en-BE"/>
           </a:p>
@@ -4787,7 +4788,7 @@
           <a:p>
             <a:fld id="{5A5876BE-2CEE-3F48-98D5-9DF9AF5CE17C}" type="datetimeFigureOut">
               <a:rPr lang="en-BE" smtClean="0"/>
-              <a:t>18/02/2025</a:t>
+              <a:t>29/09/2025</a:t>
             </a:fld>
             <a:endParaRPr lang="en-BE"/>
           </a:p>
@@ -5202,7 +5203,7 @@
           <a:p>
             <a:fld id="{5A5876BE-2CEE-3F48-98D5-9DF9AF5CE17C}" type="datetimeFigureOut">
               <a:rPr lang="en-BE" smtClean="0"/>
-              <a:t>18/02/2025</a:t>
+              <a:t>29/09/2025</a:t>
             </a:fld>
             <a:endParaRPr lang="en-BE"/>
           </a:p>
@@ -5344,7 +5345,7 @@
           <a:p>
             <a:fld id="{5A5876BE-2CEE-3F48-98D5-9DF9AF5CE17C}" type="datetimeFigureOut">
               <a:rPr lang="en-BE" smtClean="0"/>
-              <a:t>18/02/2025</a:t>
+              <a:t>29/09/2025</a:t>
             </a:fld>
             <a:endParaRPr lang="en-BE"/>
           </a:p>
@@ -5457,7 +5458,7 @@
           <a:p>
             <a:fld id="{5A5876BE-2CEE-3F48-98D5-9DF9AF5CE17C}" type="datetimeFigureOut">
               <a:rPr lang="en-BE" smtClean="0"/>
-              <a:t>18/02/2025</a:t>
+              <a:t>29/09/2025</a:t>
             </a:fld>
             <a:endParaRPr lang="en-BE"/>
           </a:p>
@@ -5770,7 +5771,7 @@
           <a:p>
             <a:fld id="{5A5876BE-2CEE-3F48-98D5-9DF9AF5CE17C}" type="datetimeFigureOut">
               <a:rPr lang="en-BE" smtClean="0"/>
-              <a:t>18/02/2025</a:t>
+              <a:t>29/09/2025</a:t>
             </a:fld>
             <a:endParaRPr lang="en-BE"/>
           </a:p>
@@ -6059,7 +6060,7 @@
           <a:p>
             <a:fld id="{5A5876BE-2CEE-3F48-98D5-9DF9AF5CE17C}" type="datetimeFigureOut">
               <a:rPr lang="en-BE" smtClean="0"/>
-              <a:t>18/02/2025</a:t>
+              <a:t>29/09/2025</a:t>
             </a:fld>
             <a:endParaRPr lang="en-BE"/>
           </a:p>
@@ -6302,7 +6303,7 @@
           <a:p>
             <a:fld id="{5A5876BE-2CEE-3F48-98D5-9DF9AF5CE17C}" type="datetimeFigureOut">
               <a:rPr lang="en-BE" smtClean="0"/>
-              <a:t>18/02/2025</a:t>
+              <a:t>29/09/2025</a:t>
             </a:fld>
             <a:endParaRPr lang="en-BE"/>
           </a:p>
@@ -6851,6 +6852,337 @@
           <a:p>
             <a:r>
               <a:rPr lang="en-BE" dirty="0"/>
+              <a:t>Survey Results - Background</a:t>
+            </a:r>
+          </a:p>
+        </p:txBody>
+      </p:sp>
+      <p:pic>
+        <p:nvPicPr>
+          <p:cNvPr id="9218" name="Picture 2" descr="Forms response chart. Question title: Qn.2: How many months of industry software development experience did you have before the beginning the class 472:. Number of responses: 19 responses.">
+            <a:extLst>
+              <a:ext uri="{FF2B5EF4-FFF2-40B4-BE49-F238E27FC236}">
+                <a16:creationId xmlns:a16="http://schemas.microsoft.com/office/drawing/2014/main" id="{6B6F8E73-BC2E-BE32-7D30-5D3A0556FDD7}"/>
+              </a:ext>
+            </a:extLst>
+          </p:cNvPr>
+          <p:cNvPicPr>
+            <a:picLocks noChangeAspect="1" noChangeArrowheads="1"/>
+          </p:cNvPicPr>
+          <p:nvPr/>
+        </p:nvPicPr>
+        <p:blipFill rotWithShape="1">
+          <a:blip r:embed="rId3">
+            <a:extLst>
+              <a:ext uri="{28A0092B-C50C-407E-A947-70E740481C1C}">
+                <a14:useLocalDpi xmlns:a14="http://schemas.microsoft.com/office/drawing/2010/main" val="0"/>
+              </a:ext>
+            </a:extLst>
+          </a:blip>
+          <a:srcRect l="20011" t="33017" r="54179" b="8150"/>
+          <a:stretch/>
+        </p:blipFill>
+        <p:spPr bwMode="auto">
+          <a:xfrm>
+            <a:off x="1224501" y="2620736"/>
+            <a:ext cx="3193775" cy="3301671"/>
+          </a:xfrm>
+          <a:prstGeom prst="rect">
+            <a:avLst/>
+          </a:prstGeom>
+          <a:noFill/>
+          <a:extLst>
+            <a:ext uri="{909E8E84-426E-40DD-AFC4-6F175D3DCCD1}">
+              <a14:hiddenFill xmlns:a14="http://schemas.microsoft.com/office/drawing/2010/main">
+                <a:solidFill>
+                  <a:srgbClr val="FFFFFF"/>
+                </a:solidFill>
+              </a14:hiddenFill>
+            </a:ext>
+          </a:extLst>
+        </p:spPr>
+      </p:pic>
+      <p:sp>
+        <p:nvSpPr>
+          <p:cNvPr id="3" name="TextBox 2">
+            <a:extLst>
+              <a:ext uri="{FF2B5EF4-FFF2-40B4-BE49-F238E27FC236}">
+                <a16:creationId xmlns:a16="http://schemas.microsoft.com/office/drawing/2014/main" id="{EA0DD0E2-A573-E6BB-9352-4055552BD4E5}"/>
+              </a:ext>
+            </a:extLst>
+          </p:cNvPr>
+          <p:cNvSpPr txBox="1"/>
+          <p:nvPr/>
+        </p:nvSpPr>
+        <p:spPr>
+          <a:xfrm>
+            <a:off x="662609" y="1145908"/>
+            <a:ext cx="10416208" cy="646331"/>
+          </a:xfrm>
+          <a:prstGeom prst="rect">
+            <a:avLst/>
+          </a:prstGeom>
+          <a:noFill/>
+        </p:spPr>
+        <p:txBody>
+          <a:bodyPr wrap="square">
+            <a:spAutoFit/>
+          </a:bodyPr>
+          <a:lstStyle/>
+          <a:p>
+            <a:r>
+              <a:rPr lang="en-GB" b="0" i="0" dirty="0">
+                <a:solidFill>
+                  <a:srgbClr val="202124"/>
+                </a:solidFill>
+                <a:effectLst/>
+                <a:latin typeface="Roboto" panose="02000000000000000000" pitchFamily="2" charset="0"/>
+              </a:rPr>
+              <a:t>Qn.2: How many months of industry software development experience did you have before the beginning the class 472:</a:t>
+            </a:r>
+            <a:endParaRPr lang="en-US" dirty="0"/>
+          </a:p>
+        </p:txBody>
+      </p:sp>
+      <p:pic>
+        <p:nvPicPr>
+          <p:cNvPr id="2050" name="Picture 2" descr="Forms response chart. Question title: Qn.2: How many months of industry software development experience did you have before the beginning the class 472:&#10;. Number of responses: 10 responses.">
+            <a:extLst>
+              <a:ext uri="{FF2B5EF4-FFF2-40B4-BE49-F238E27FC236}">
+                <a16:creationId xmlns:a16="http://schemas.microsoft.com/office/drawing/2014/main" id="{FF9349F6-5234-74F9-9D4B-75CBE0F81814}"/>
+              </a:ext>
+            </a:extLst>
+          </p:cNvPr>
+          <p:cNvPicPr>
+            <a:picLocks noChangeAspect="1" noChangeArrowheads="1"/>
+          </p:cNvPicPr>
+          <p:nvPr/>
+        </p:nvPicPr>
+        <p:blipFill rotWithShape="1">
+          <a:blip r:embed="rId4">
+            <a:extLst>
+              <a:ext uri="{28A0092B-C50C-407E-A947-70E740481C1C}">
+                <a14:useLocalDpi xmlns:a14="http://schemas.microsoft.com/office/drawing/2010/main" val="0"/>
+              </a:ext>
+            </a:extLst>
+          </a:blip>
+          <a:srcRect l="20109" t="34735" r="53696" b="8694"/>
+          <a:stretch/>
+        </p:blipFill>
+        <p:spPr bwMode="auto">
+          <a:xfrm>
+            <a:off x="4998720" y="2584174"/>
+            <a:ext cx="3193774" cy="3127918"/>
+          </a:xfrm>
+          <a:prstGeom prst="rect">
+            <a:avLst/>
+          </a:prstGeom>
+          <a:noFill/>
+          <a:extLst>
+            <a:ext uri="{909E8E84-426E-40DD-AFC4-6F175D3DCCD1}">
+              <a14:hiddenFill xmlns:a14="http://schemas.microsoft.com/office/drawing/2010/main">
+                <a:solidFill>
+                  <a:srgbClr val="FFFFFF"/>
+                </a:solidFill>
+              </a14:hiddenFill>
+            </a:ext>
+          </a:extLst>
+        </p:spPr>
+      </p:pic>
+      <p:pic>
+        <p:nvPicPr>
+          <p:cNvPr id="5" name="Picture 2" descr="Forms response chart. Question title: Qn.2: How many months of industry software development experience did you have before the beginning the class 472:&#10;. Number of responses: 10 responses.">
+            <a:extLst>
+              <a:ext uri="{FF2B5EF4-FFF2-40B4-BE49-F238E27FC236}">
+                <a16:creationId xmlns:a16="http://schemas.microsoft.com/office/drawing/2014/main" id="{F1C6C8C2-C4A0-CC22-17DB-DAD6498DA7AD}"/>
+              </a:ext>
+            </a:extLst>
+          </p:cNvPr>
+          <p:cNvPicPr>
+            <a:picLocks noChangeAspect="1" noChangeArrowheads="1"/>
+          </p:cNvPicPr>
+          <p:nvPr/>
+        </p:nvPicPr>
+        <p:blipFill rotWithShape="1">
+          <a:blip r:embed="rId4">
+            <a:extLst>
+              <a:ext uri="{28A0092B-C50C-407E-A947-70E740481C1C}">
+                <a14:useLocalDpi xmlns:a14="http://schemas.microsoft.com/office/drawing/2010/main" val="0"/>
+              </a:ext>
+            </a:extLst>
+          </a:blip>
+          <a:srcRect l="61684" t="34735" r="16242" b="34587"/>
+          <a:stretch/>
+        </p:blipFill>
+        <p:spPr bwMode="auto">
+          <a:xfrm>
+            <a:off x="8601655" y="2229844"/>
+            <a:ext cx="2691185" cy="1696278"/>
+          </a:xfrm>
+          <a:prstGeom prst="rect">
+            <a:avLst/>
+          </a:prstGeom>
+          <a:noFill/>
+          <a:extLst>
+            <a:ext uri="{909E8E84-426E-40DD-AFC4-6F175D3DCCD1}">
+              <a14:hiddenFill xmlns:a14="http://schemas.microsoft.com/office/drawing/2010/main">
+                <a:solidFill>
+                  <a:srgbClr val="FFFFFF"/>
+                </a:solidFill>
+              </a14:hiddenFill>
+            </a:ext>
+          </a:extLst>
+        </p:spPr>
+      </p:pic>
+      <p:sp>
+        <p:nvSpPr>
+          <p:cNvPr id="6" name="TextBox 5">
+            <a:extLst>
+              <a:ext uri="{FF2B5EF4-FFF2-40B4-BE49-F238E27FC236}">
+                <a16:creationId xmlns:a16="http://schemas.microsoft.com/office/drawing/2014/main" id="{8FFBAEE2-BCE6-663C-393B-DA9438C15232}"/>
+              </a:ext>
+            </a:extLst>
+          </p:cNvPr>
+          <p:cNvSpPr txBox="1"/>
+          <p:nvPr/>
+        </p:nvSpPr>
+        <p:spPr>
+          <a:xfrm>
+            <a:off x="1421875" y="2251404"/>
+            <a:ext cx="2799026" cy="369332"/>
+          </a:xfrm>
+          <a:prstGeom prst="rect">
+            <a:avLst/>
+          </a:prstGeom>
+          <a:noFill/>
+        </p:spPr>
+        <p:txBody>
+          <a:bodyPr wrap="square" rtlCol="0">
+            <a:spAutoFit/>
+          </a:bodyPr>
+          <a:lstStyle/>
+          <a:p>
+            <a:r>
+              <a:rPr lang="en-US" dirty="0"/>
+              <a:t>Spring 2023 -  19 responses</a:t>
+            </a:r>
+          </a:p>
+        </p:txBody>
+      </p:sp>
+      <p:sp>
+        <p:nvSpPr>
+          <p:cNvPr id="7" name="TextBox 6">
+            <a:extLst>
+              <a:ext uri="{FF2B5EF4-FFF2-40B4-BE49-F238E27FC236}">
+                <a16:creationId xmlns:a16="http://schemas.microsoft.com/office/drawing/2014/main" id="{9A71BFF2-14B2-318D-6400-640597EF419D}"/>
+              </a:ext>
+            </a:extLst>
+          </p:cNvPr>
+          <p:cNvSpPr txBox="1"/>
+          <p:nvPr/>
+        </p:nvSpPr>
+        <p:spPr>
+          <a:xfrm>
+            <a:off x="5306960" y="2200854"/>
+            <a:ext cx="2566035" cy="369332"/>
+          </a:xfrm>
+          <a:prstGeom prst="rect">
+            <a:avLst/>
+          </a:prstGeom>
+          <a:noFill/>
+        </p:spPr>
+        <p:txBody>
+          <a:bodyPr wrap="square" rtlCol="0">
+            <a:spAutoFit/>
+          </a:bodyPr>
+          <a:lstStyle/>
+          <a:p>
+            <a:r>
+              <a:rPr lang="en-US" dirty="0"/>
+              <a:t>Fall 2023 -  10 responses</a:t>
+            </a:r>
+          </a:p>
+        </p:txBody>
+      </p:sp>
+    </p:spTree>
+    <p:extLst>
+      <p:ext uri="{BB962C8B-B14F-4D97-AF65-F5344CB8AC3E}">
+        <p14:creationId xmlns:p14="http://schemas.microsoft.com/office/powerpoint/2010/main" val="2300987147"/>
+      </p:ext>
+    </p:extLst>
+  </p:cSld>
+  <p:clrMapOvr>
+    <a:masterClrMapping/>
+  </p:clrMapOvr>
+</p:sld>
+</file>
+
+<file path=ppt/slides/slide11.xml><?xml version="1.0" encoding="utf-8"?>
+<p:sld xmlns:a="http://schemas.openxmlformats.org/drawingml/2006/main" xmlns:r="http://schemas.openxmlformats.org/officeDocument/2006/relationships" xmlns:p="http://schemas.openxmlformats.org/presentationml/2006/main">
+  <p:cSld>
+    <p:spTree>
+      <p:nvGrpSpPr>
+        <p:cNvPr id="1" name=""/>
+        <p:cNvGrpSpPr/>
+        <p:nvPr/>
+      </p:nvGrpSpPr>
+      <p:grpSpPr>
+        <a:xfrm>
+          <a:off x="0" y="0"/>
+          <a:ext cx="0" cy="0"/>
+          <a:chOff x="0" y="0"/>
+          <a:chExt cx="0" cy="0"/>
+        </a:xfrm>
+      </p:grpSpPr>
+      <p:sp>
+        <p:nvSpPr>
+          <p:cNvPr id="4" name="Title 1">
+            <a:extLst>
+              <a:ext uri="{FF2B5EF4-FFF2-40B4-BE49-F238E27FC236}">
+                <a16:creationId xmlns:a16="http://schemas.microsoft.com/office/drawing/2014/main" id="{3DA9892C-3019-E7CE-61B6-09C3D57E0E20}"/>
+              </a:ext>
+            </a:extLst>
+          </p:cNvPr>
+          <p:cNvSpPr txBox="1">
+            <a:spLocks/>
+          </p:cNvSpPr>
+          <p:nvPr/>
+        </p:nvSpPr>
+        <p:spPr>
+          <a:xfrm>
+            <a:off x="49160" y="117985"/>
+            <a:ext cx="10515600" cy="719600"/>
+          </a:xfrm>
+          <a:prstGeom prst="rect">
+            <a:avLst/>
+          </a:prstGeom>
+        </p:spPr>
+        <p:txBody>
+          <a:bodyPr vert="horz" lIns="91440" tIns="45720" rIns="91440" bIns="45720" rtlCol="0" anchor="ctr">
+            <a:normAutofit/>
+          </a:bodyPr>
+          <a:lstStyle>
+            <a:lvl1pPr algn="l" defTabSz="914400" rtl="0" eaLnBrk="1" latinLnBrk="0" hangingPunct="1">
+              <a:lnSpc>
+                <a:spcPct val="90000"/>
+              </a:lnSpc>
+              <a:spcBef>
+                <a:spcPct val="0"/>
+              </a:spcBef>
+              <a:buNone/>
+              <a:defRPr sz="4400" kern="1200">
+                <a:solidFill>
+                  <a:schemeClr val="tx1"/>
+                </a:solidFill>
+                <a:latin typeface="+mj-lt"/>
+                <a:ea typeface="+mj-ea"/>
+                <a:cs typeface="+mj-cs"/>
+              </a:defRPr>
+            </a:lvl1pPr>
+          </a:lstStyle>
+          <a:p>
+            <a:r>
+              <a:rPr lang="en-BE" dirty="0"/>
               <a:t>Survey Results – Team management</a:t>
             </a:r>
           </a:p>
@@ -7062,7 +7394,7 @@
 </p:sld>
 </file>
 
-<file path=ppt/slides/slide11.xml><?xml version="1.0" encoding="utf-8"?>
+<file path=ppt/slides/slide12.xml><?xml version="1.0" encoding="utf-8"?>
 <p:sld xmlns:a="http://schemas.openxmlformats.org/drawingml/2006/main" xmlns:r="http://schemas.openxmlformats.org/officeDocument/2006/relationships" xmlns:p="http://schemas.openxmlformats.org/presentationml/2006/main" show="0">
   <p:cSld>
     <p:spTree>
@@ -7280,7 +7612,7 @@
 </p:sld>
 </file>
 
-<file path=ppt/slides/slide12.xml><?xml version="1.0" encoding="utf-8"?>
+<file path=ppt/slides/slide13.xml><?xml version="1.0" encoding="utf-8"?>
 <p:sld xmlns:a="http://schemas.openxmlformats.org/drawingml/2006/main" xmlns:r="http://schemas.openxmlformats.org/officeDocument/2006/relationships" xmlns:p="http://schemas.openxmlformats.org/presentationml/2006/main">
   <p:cSld>
     <p:spTree>
@@ -7882,7 +8214,7 @@
 </p:sld>
 </file>
 
-<file path=ppt/slides/slide13.xml><?xml version="1.0" encoding="utf-8"?>
+<file path=ppt/slides/slide14.xml><?xml version="1.0" encoding="utf-8"?>
 <p:sld xmlns:a="http://schemas.openxmlformats.org/drawingml/2006/main" xmlns:r="http://schemas.openxmlformats.org/officeDocument/2006/relationships" xmlns:p="http://schemas.openxmlformats.org/presentationml/2006/main">
   <p:cSld>
     <p:spTree>
@@ -9541,7 +9873,7 @@
 </p:sld>
 </file>
 
-<file path=ppt/slides/slide14.xml><?xml version="1.0" encoding="utf-8"?>
+<file path=ppt/slides/slide15.xml><?xml version="1.0" encoding="utf-8"?>
 <p:sld xmlns:a="http://schemas.openxmlformats.org/drawingml/2006/main" xmlns:r="http://schemas.openxmlformats.org/officeDocument/2006/relationships" xmlns:p="http://schemas.openxmlformats.org/presentationml/2006/main">
   <p:cSld>
     <p:spTree>
@@ -9792,6 +10124,16 @@
                   <a:buAutoNum type="arabicPeriod"/>
                 </a:pPr>
                 <a:r>
+                  <a:rPr lang="en-GB" sz="1400" b="1" i="0" dirty="0">
+                    <a:solidFill>
+                      <a:srgbClr val="1F1F1F"/>
+                    </a:solidFill>
+                    <a:effectLst/>
+                    <a:latin typeface="Google Sans"/>
+                  </a:rPr>
+                  <a:t>One weekly meeting to ensure we are caught up on deliverables + demos</a:t>
+                </a:r>
+                <a:r>
                   <a:rPr lang="en-GB" sz="1400" b="0" i="0" dirty="0">
                     <a:solidFill>
                       <a:srgbClr val="1F1F1F"/>
@@ -9799,7 +10141,7 @@
                     <a:effectLst/>
                     <a:latin typeface="Google Sans"/>
                   </a:rPr>
-                  <a:t>One weekly meeting to ensure we are caught up on deliverables + demos, led Bi-weekly by Director, other weeks are led in a random Round Robin style with remaining members. </a:t>
+                  <a:t>, led Bi-weekly by Director, other weeks are led in a random Round Robin style with remaining members. </a:t>
                 </a:r>
               </a:p>
               <a:p>
@@ -10071,7 +10413,7 @@
 </p:sld>
 </file>
 
-<file path=ppt/slides/slide15.xml><?xml version="1.0" encoding="utf-8"?>
+<file path=ppt/slides/slide16.xml><?xml version="1.0" encoding="utf-8"?>
 <p:sld xmlns:a="http://schemas.openxmlformats.org/drawingml/2006/main" xmlns:r="http://schemas.openxmlformats.org/officeDocument/2006/relationships" xmlns:p="http://schemas.openxmlformats.org/presentationml/2006/main">
   <p:cSld>
     <p:spTree>
@@ -11490,7 +11832,7 @@
 </p:sld>
 </file>
 
-<file path=ppt/slides/slide16.xml><?xml version="1.0" encoding="utf-8"?>
+<file path=ppt/slides/slide17.xml><?xml version="1.0" encoding="utf-8"?>
 <p:sld xmlns:a="http://schemas.openxmlformats.org/drawingml/2006/main" xmlns:r="http://schemas.openxmlformats.org/officeDocument/2006/relationships" xmlns:p="http://schemas.openxmlformats.org/presentationml/2006/main">
   <p:cSld>
     <p:spTree>
@@ -13493,7 +13835,7 @@
 </p:sld>
 </file>
 
-<file path=ppt/slides/slide17.xml><?xml version="1.0" encoding="utf-8"?>
+<file path=ppt/slides/slide18.xml><?xml version="1.0" encoding="utf-8"?>
 <p:sld xmlns:a="http://schemas.openxmlformats.org/drawingml/2006/main" xmlns:r="http://schemas.openxmlformats.org/officeDocument/2006/relationships" xmlns:p="http://schemas.openxmlformats.org/presentationml/2006/main" show="0">
   <p:cSld>
     <p:spTree>
@@ -13952,7 +14294,7 @@
 </p:sld>
 </file>
 
-<file path=ppt/slides/slide18.xml><?xml version="1.0" encoding="utf-8"?>
+<file path=ppt/slides/slide19.xml><?xml version="1.0" encoding="utf-8"?>
 <p:sld xmlns:a="http://schemas.openxmlformats.org/drawingml/2006/main" xmlns:r="http://schemas.openxmlformats.org/officeDocument/2006/relationships" xmlns:p="http://schemas.openxmlformats.org/presentationml/2006/main">
   <p:cSld>
     <p:spTree>
@@ -14547,48 +14889,6 @@
           </p:spPr>
         </p:pic>
       </p:grpSp>
-      <p:sp>
-        <p:nvSpPr>
-          <p:cNvPr id="3" name="TextBox 2">
-            <a:extLst>
-              <a:ext uri="{FF2B5EF4-FFF2-40B4-BE49-F238E27FC236}">
-                <a16:creationId xmlns:a16="http://schemas.microsoft.com/office/drawing/2014/main" id="{ADA09EFA-E998-65CE-5740-BB808EE795D3}"/>
-              </a:ext>
-            </a:extLst>
-          </p:cNvPr>
-          <p:cNvSpPr txBox="1"/>
-          <p:nvPr/>
-        </p:nvSpPr>
-        <p:spPr>
-          <a:xfrm>
-            <a:off x="2894648" y="3210044"/>
-            <a:ext cx="6200774" cy="369332"/>
-          </a:xfrm>
-          <a:prstGeom prst="rect">
-            <a:avLst/>
-          </a:prstGeom>
-          <a:noFill/>
-        </p:spPr>
-        <p:txBody>
-          <a:bodyPr wrap="square">
-            <a:spAutoFit/>
-          </a:bodyPr>
-          <a:lstStyle/>
-          <a:p>
-            <a:r>
-              <a:rPr lang="en-GB" b="0" i="0" dirty="0">
-                <a:solidFill>
-                  <a:srgbClr val="1F1F1F"/>
-                </a:solidFill>
-                <a:effectLst/>
-                <a:latin typeface="Google Sans"/>
-              </a:rPr>
-              <a:t>Learning Curve of using the Software</a:t>
-            </a:r>
-            <a:endParaRPr lang="en-US" dirty="0"/>
-          </a:p>
-        </p:txBody>
-      </p:sp>
     </p:spTree>
     <p:extLst>
       <p:ext uri="{BB962C8B-B14F-4D97-AF65-F5344CB8AC3E}">
@@ -14738,7 +15038,99 @@
 </p:sld>
 </file>
 
-<file path=ppt/slides/slide19.xml><?xml version="1.0" encoding="utf-8"?>
+<file path=ppt/slides/slide2.xml><?xml version="1.0" encoding="utf-8"?>
+<p:sld xmlns:a="http://schemas.openxmlformats.org/drawingml/2006/main" xmlns:r="http://schemas.openxmlformats.org/officeDocument/2006/relationships" xmlns:p="http://schemas.openxmlformats.org/presentationml/2006/main">
+  <p:cSld>
+    <p:spTree>
+      <p:nvGrpSpPr>
+        <p:cNvPr id="1" name=""/>
+        <p:cNvGrpSpPr/>
+        <p:nvPr/>
+      </p:nvGrpSpPr>
+      <p:grpSpPr>
+        <a:xfrm>
+          <a:off x="0" y="0"/>
+          <a:ext cx="0" cy="0"/>
+          <a:chOff x="0" y="0"/>
+          <a:chExt cx="0" cy="0"/>
+        </a:xfrm>
+      </p:grpSpPr>
+      <p:sp>
+        <p:nvSpPr>
+          <p:cNvPr id="2" name="Title 1">
+            <a:extLst>
+              <a:ext uri="{FF2B5EF4-FFF2-40B4-BE49-F238E27FC236}">
+                <a16:creationId xmlns:a16="http://schemas.microsoft.com/office/drawing/2014/main" id="{06E2E223-A468-13F8-D720-BDF7D7E23239}"/>
+              </a:ext>
+            </a:extLst>
+          </p:cNvPr>
+          <p:cNvSpPr>
+            <a:spLocks noGrp="1"/>
+          </p:cNvSpPr>
+          <p:nvPr>
+            <p:ph type="title"/>
+          </p:nvPr>
+        </p:nvSpPr>
+        <p:spPr/>
+        <p:txBody>
+          <a:bodyPr/>
+          <a:lstStyle/>
+          <a:p>
+            <a:r>
+              <a:rPr lang="en-US" dirty="0"/>
+              <a:t>Announcements</a:t>
+            </a:r>
+          </a:p>
+        </p:txBody>
+      </p:sp>
+      <p:sp>
+        <p:nvSpPr>
+          <p:cNvPr id="3" name="Content Placeholder 2">
+            <a:extLst>
+              <a:ext uri="{FF2B5EF4-FFF2-40B4-BE49-F238E27FC236}">
+                <a16:creationId xmlns:a16="http://schemas.microsoft.com/office/drawing/2014/main" id="{B22F85FC-C4F9-B016-ACAD-DC94C12EB655}"/>
+              </a:ext>
+            </a:extLst>
+          </p:cNvPr>
+          <p:cNvSpPr>
+            <a:spLocks noGrp="1"/>
+          </p:cNvSpPr>
+          <p:nvPr>
+            <p:ph idx="1"/>
+          </p:nvPr>
+        </p:nvSpPr>
+        <p:spPr/>
+        <p:txBody>
+          <a:bodyPr/>
+          <a:lstStyle/>
+          <a:p>
+            <a:r>
+              <a:rPr lang="en-US" dirty="0"/>
+              <a:t>Last Day of face-to-face class</a:t>
+            </a:r>
+          </a:p>
+          <a:p>
+            <a:r>
+              <a:rPr lang="en-US" dirty="0"/>
+              <a:t>I will meet with the groups after submission of DP II</a:t>
+            </a:r>
+          </a:p>
+        </p:txBody>
+      </p:sp>
+    </p:spTree>
+    <p:extLst>
+      <p:ext uri="{BB962C8B-B14F-4D97-AF65-F5344CB8AC3E}">
+        <p14:creationId xmlns:p14="http://schemas.microsoft.com/office/powerpoint/2010/main" val="861524964"/>
+      </p:ext>
+    </p:extLst>
+  </p:cSld>
+  <p:clrMapOvr>
+    <a:masterClrMapping/>
+  </p:clrMapOvr>
+</p:sld>
+</file>
+
+<file path=ppt/slides/slide20.xml><?xml version="1.0" encoding="utf-8"?>
 <p:sld xmlns:a="http://schemas.openxmlformats.org/drawingml/2006/main" xmlns:r="http://schemas.openxmlformats.org/officeDocument/2006/relationships" xmlns:p="http://schemas.openxmlformats.org/presentationml/2006/main">
   <p:cSld>
     <p:spTree>
@@ -16163,150 +16555,7 @@
 </p:sld>
 </file>
 
-<file path=ppt/slides/slide2.xml><?xml version="1.0" encoding="utf-8"?>
-<p:sld xmlns:a="http://schemas.openxmlformats.org/drawingml/2006/main" xmlns:r="http://schemas.openxmlformats.org/officeDocument/2006/relationships" xmlns:p="http://schemas.openxmlformats.org/presentationml/2006/main">
-  <p:cSld>
-    <p:spTree>
-      <p:nvGrpSpPr>
-        <p:cNvPr id="1" name=""/>
-        <p:cNvGrpSpPr/>
-        <p:nvPr/>
-      </p:nvGrpSpPr>
-      <p:grpSpPr>
-        <a:xfrm>
-          <a:off x="0" y="0"/>
-          <a:ext cx="0" cy="0"/>
-          <a:chOff x="0" y="0"/>
-          <a:chExt cx="0" cy="0"/>
-        </a:xfrm>
-      </p:grpSpPr>
-      <p:sp>
-        <p:nvSpPr>
-          <p:cNvPr id="5" name="TextBox 4">
-            <a:extLst>
-              <a:ext uri="{FF2B5EF4-FFF2-40B4-BE49-F238E27FC236}">
-                <a16:creationId xmlns:a16="http://schemas.microsoft.com/office/drawing/2014/main" id="{CC4656FB-01C8-D216-1984-CA29F5037F75}"/>
-              </a:ext>
-            </a:extLst>
-          </p:cNvPr>
-          <p:cNvSpPr txBox="1"/>
-          <p:nvPr/>
-        </p:nvSpPr>
-        <p:spPr>
-          <a:xfrm>
-            <a:off x="1805775" y="1740847"/>
-            <a:ext cx="6097656" cy="1569660"/>
-          </a:xfrm>
-          <a:prstGeom prst="rect">
-            <a:avLst/>
-          </a:prstGeom>
-          <a:noFill/>
-          <a:ln w="28575">
-            <a:solidFill>
-              <a:srgbClr val="2602FC"/>
-            </a:solidFill>
-          </a:ln>
-        </p:spPr>
-        <p:txBody>
-          <a:bodyPr wrap="square">
-            <a:spAutoFit/>
-          </a:bodyPr>
-          <a:lstStyle/>
-          <a:p>
-            <a:pPr algn="l"/>
-            <a:r>
-              <a:rPr lang="en-GB" sz="3200" b="0" i="0" dirty="0">
-                <a:solidFill>
-                  <a:srgbClr val="333333"/>
-                </a:solidFill>
-                <a:effectLst/>
-                <a:latin typeface="OpenSans"/>
-              </a:rPr>
-              <a:t>“People-related factors tend to be the greatest challenges—not technology.”</a:t>
-            </a:r>
-          </a:p>
-        </p:txBody>
-      </p:sp>
-      <p:sp>
-        <p:nvSpPr>
-          <p:cNvPr id="7" name="TextBox 6">
-            <a:extLst>
-              <a:ext uri="{FF2B5EF4-FFF2-40B4-BE49-F238E27FC236}">
-                <a16:creationId xmlns:a16="http://schemas.microsoft.com/office/drawing/2014/main" id="{66322FF0-C277-630E-9F14-764DF5DB38A1}"/>
-              </a:ext>
-            </a:extLst>
-          </p:cNvPr>
-          <p:cNvSpPr txBox="1"/>
-          <p:nvPr/>
-        </p:nvSpPr>
-        <p:spPr>
-          <a:xfrm>
-            <a:off x="7903431" y="2064012"/>
-            <a:ext cx="2382905" cy="923330"/>
-          </a:xfrm>
-          <a:prstGeom prst="rect">
-            <a:avLst/>
-          </a:prstGeom>
-          <a:noFill/>
-        </p:spPr>
-        <p:txBody>
-          <a:bodyPr wrap="square">
-            <a:spAutoFit/>
-          </a:bodyPr>
-          <a:lstStyle/>
-          <a:p>
-            <a:r>
-              <a:rPr lang="en-GB" b="0" i="0" dirty="0">
-                <a:solidFill>
-                  <a:srgbClr val="333333"/>
-                </a:solidFill>
-                <a:effectLst/>
-                <a:latin typeface="OpenSans"/>
-              </a:rPr>
-              <a:t>George Spafford, </a:t>
-            </a:r>
-          </a:p>
-          <a:p>
-            <a:r>
-              <a:rPr lang="en-GB" b="0" i="0" dirty="0">
-                <a:solidFill>
-                  <a:srgbClr val="333333"/>
-                </a:solidFill>
-                <a:effectLst/>
-                <a:latin typeface="OpenSans"/>
-              </a:rPr>
-              <a:t>Senior Director Analyst </a:t>
-            </a:r>
-          </a:p>
-          <a:p>
-            <a:r>
-              <a:rPr lang="en-GB" b="0" i="0" dirty="0">
-                <a:solidFill>
-                  <a:srgbClr val="333333"/>
-                </a:solidFill>
-                <a:effectLst/>
-                <a:latin typeface="OpenSans"/>
-              </a:rPr>
-              <a:t>at Gartner</a:t>
-            </a:r>
-            <a:endParaRPr lang="en-BE" dirty="0"/>
-          </a:p>
-        </p:txBody>
-      </p:sp>
-    </p:spTree>
-    <p:extLst>
-      <p:ext uri="{BB962C8B-B14F-4D97-AF65-F5344CB8AC3E}">
-        <p14:creationId xmlns:p14="http://schemas.microsoft.com/office/powerpoint/2010/main" val="1226660338"/>
-      </p:ext>
-    </p:extLst>
-  </p:cSld>
-  <p:clrMapOvr>
-    <a:masterClrMapping/>
-  </p:clrMapOvr>
-</p:sld>
-</file>
-
-<file path=ppt/slides/slide20.xml><?xml version="1.0" encoding="utf-8"?>
+<file path=ppt/slides/slide21.xml><?xml version="1.0" encoding="utf-8"?>
 <p:sld xmlns:a="http://schemas.openxmlformats.org/drawingml/2006/main" xmlns:r="http://schemas.openxmlformats.org/officeDocument/2006/relationships" xmlns:p="http://schemas.openxmlformats.org/presentationml/2006/main">
   <p:cSld>
     <p:spTree>
@@ -17490,7 +17739,7 @@
 </p:sld>
 </file>
 
-<file path=ppt/slides/slide21.xml><?xml version="1.0" encoding="utf-8"?>
+<file path=ppt/slides/slide22.xml><?xml version="1.0" encoding="utf-8"?>
 <p:sld xmlns:a="http://schemas.openxmlformats.org/drawingml/2006/main" xmlns:r="http://schemas.openxmlformats.org/officeDocument/2006/relationships" xmlns:p="http://schemas.openxmlformats.org/presentationml/2006/main">
   <p:cSld>
     <p:spTree>
@@ -18581,8 +18830,8 @@
 </p:sld>
 </file>
 
-<file path=ppt/slides/slide22.xml><?xml version="1.0" encoding="utf-8"?>
-<p:sld xmlns:a="http://schemas.openxmlformats.org/drawingml/2006/main" xmlns:r="http://schemas.openxmlformats.org/officeDocument/2006/relationships" xmlns:p="http://schemas.openxmlformats.org/presentationml/2006/main">
+<file path=ppt/slides/slide23.xml><?xml version="1.0" encoding="utf-8"?>
+<p:sld xmlns:a="http://schemas.openxmlformats.org/drawingml/2006/main" xmlns:r="http://schemas.openxmlformats.org/officeDocument/2006/relationships" xmlns:p="http://schemas.openxmlformats.org/presentationml/2006/main" show="0">
   <p:cSld>
     <p:spTree>
       <p:nvGrpSpPr>
@@ -19567,7 +19816,7 @@
 </p:sld>
 </file>
 
-<file path=ppt/slides/slide23.xml><?xml version="1.0" encoding="utf-8"?>
+<file path=ppt/slides/slide24.xml><?xml version="1.0" encoding="utf-8"?>
 <p:sld xmlns:a="http://schemas.openxmlformats.org/drawingml/2006/main" xmlns:r="http://schemas.openxmlformats.org/officeDocument/2006/relationships" xmlns:p="http://schemas.openxmlformats.org/presentationml/2006/main">
   <p:cSld>
     <p:spTree>
@@ -20244,7 +20493,7 @@
 </p:sld>
 </file>
 
-<file path=ppt/slides/slide24.xml><?xml version="1.0" encoding="utf-8"?>
+<file path=ppt/slides/slide25.xml><?xml version="1.0" encoding="utf-8"?>
 <p:sld xmlns:a="http://schemas.openxmlformats.org/drawingml/2006/main" xmlns:r="http://schemas.openxmlformats.org/officeDocument/2006/relationships" xmlns:p="http://schemas.openxmlformats.org/presentationml/2006/main">
   <p:cSld>
     <p:spTree>
@@ -21686,7 +21935,7 @@
 </p:sld>
 </file>
 
-<file path=ppt/slides/slide25.xml><?xml version="1.0" encoding="utf-8"?>
+<file path=ppt/slides/slide26.xml><?xml version="1.0" encoding="utf-8"?>
 <p:sld xmlns:a="http://schemas.openxmlformats.org/drawingml/2006/main" xmlns:r="http://schemas.openxmlformats.org/officeDocument/2006/relationships" xmlns:p="http://schemas.openxmlformats.org/presentationml/2006/main">
   <p:cSld>
     <p:spTree>
@@ -21842,7 +22091,7 @@
 </p:sld>
 </file>
 
-<file path=ppt/slides/slide26.xml><?xml version="1.0" encoding="utf-8"?>
+<file path=ppt/slides/slide27.xml><?xml version="1.0" encoding="utf-8"?>
 <p:sld xmlns:a="http://schemas.openxmlformats.org/drawingml/2006/main" xmlns:r="http://schemas.openxmlformats.org/officeDocument/2006/relationships" xmlns:p="http://schemas.openxmlformats.org/presentationml/2006/main">
   <p:cSld>
     <p:spTree>
@@ -22696,7 +22945,7 @@
 </p:sld>
 </file>
 
-<file path=ppt/slides/slide27.xml><?xml version="1.0" encoding="utf-8"?>
+<file path=ppt/slides/slide28.xml><?xml version="1.0" encoding="utf-8"?>
 <p:sld xmlns:a="http://schemas.openxmlformats.org/drawingml/2006/main" xmlns:r="http://schemas.openxmlformats.org/officeDocument/2006/relationships" xmlns:p="http://schemas.openxmlformats.org/presentationml/2006/main">
   <p:cSld>
     <p:spTree>
@@ -23614,7 +23863,7 @@
 </p:sld>
 </file>
 
-<file path=ppt/slides/slide28.xml><?xml version="1.0" encoding="utf-8"?>
+<file path=ppt/slides/slide29.xml><?xml version="1.0" encoding="utf-8"?>
 <p:sld xmlns:a="http://schemas.openxmlformats.org/drawingml/2006/main" xmlns:r="http://schemas.openxmlformats.org/officeDocument/2006/relationships" xmlns:p="http://schemas.openxmlformats.org/presentationml/2006/main">
   <p:cSld>
     <p:spTree>
@@ -24108,6 +24357,149 @@
       </p:grpSpPr>
       <p:sp>
         <p:nvSpPr>
+          <p:cNvPr id="5" name="TextBox 4">
+            <a:extLst>
+              <a:ext uri="{FF2B5EF4-FFF2-40B4-BE49-F238E27FC236}">
+                <a16:creationId xmlns:a16="http://schemas.microsoft.com/office/drawing/2014/main" id="{CC4656FB-01C8-D216-1984-CA29F5037F75}"/>
+              </a:ext>
+            </a:extLst>
+          </p:cNvPr>
+          <p:cNvSpPr txBox="1"/>
+          <p:nvPr/>
+        </p:nvSpPr>
+        <p:spPr>
+          <a:xfrm>
+            <a:off x="1805775" y="1740847"/>
+            <a:ext cx="6097656" cy="1569660"/>
+          </a:xfrm>
+          <a:prstGeom prst="rect">
+            <a:avLst/>
+          </a:prstGeom>
+          <a:noFill/>
+          <a:ln w="28575">
+            <a:solidFill>
+              <a:srgbClr val="2602FC"/>
+            </a:solidFill>
+          </a:ln>
+        </p:spPr>
+        <p:txBody>
+          <a:bodyPr wrap="square">
+            <a:spAutoFit/>
+          </a:bodyPr>
+          <a:lstStyle/>
+          <a:p>
+            <a:pPr algn="l"/>
+            <a:r>
+              <a:rPr lang="en-GB" sz="3200" b="0" i="0" dirty="0">
+                <a:solidFill>
+                  <a:srgbClr val="333333"/>
+                </a:solidFill>
+                <a:effectLst/>
+                <a:latin typeface="OpenSans"/>
+              </a:rPr>
+              <a:t>“People-related factors tend to be the greatest challenges—not technology.”</a:t>
+            </a:r>
+          </a:p>
+        </p:txBody>
+      </p:sp>
+      <p:sp>
+        <p:nvSpPr>
+          <p:cNvPr id="7" name="TextBox 6">
+            <a:extLst>
+              <a:ext uri="{FF2B5EF4-FFF2-40B4-BE49-F238E27FC236}">
+                <a16:creationId xmlns:a16="http://schemas.microsoft.com/office/drawing/2014/main" id="{66322FF0-C277-630E-9F14-764DF5DB38A1}"/>
+              </a:ext>
+            </a:extLst>
+          </p:cNvPr>
+          <p:cNvSpPr txBox="1"/>
+          <p:nvPr/>
+        </p:nvSpPr>
+        <p:spPr>
+          <a:xfrm>
+            <a:off x="7903431" y="2064012"/>
+            <a:ext cx="2382905" cy="923330"/>
+          </a:xfrm>
+          <a:prstGeom prst="rect">
+            <a:avLst/>
+          </a:prstGeom>
+          <a:noFill/>
+        </p:spPr>
+        <p:txBody>
+          <a:bodyPr wrap="square">
+            <a:spAutoFit/>
+          </a:bodyPr>
+          <a:lstStyle/>
+          <a:p>
+            <a:r>
+              <a:rPr lang="en-GB" b="0" i="0" dirty="0">
+                <a:solidFill>
+                  <a:srgbClr val="333333"/>
+                </a:solidFill>
+                <a:effectLst/>
+                <a:latin typeface="OpenSans"/>
+              </a:rPr>
+              <a:t>George Spafford, </a:t>
+            </a:r>
+          </a:p>
+          <a:p>
+            <a:r>
+              <a:rPr lang="en-GB" b="0" i="0" dirty="0">
+                <a:solidFill>
+                  <a:srgbClr val="333333"/>
+                </a:solidFill>
+                <a:effectLst/>
+                <a:latin typeface="OpenSans"/>
+              </a:rPr>
+              <a:t>Senior Director Analyst </a:t>
+            </a:r>
+          </a:p>
+          <a:p>
+            <a:r>
+              <a:rPr lang="en-GB" b="0" i="0" dirty="0">
+                <a:solidFill>
+                  <a:srgbClr val="333333"/>
+                </a:solidFill>
+                <a:effectLst/>
+                <a:latin typeface="OpenSans"/>
+              </a:rPr>
+              <a:t>at Gartner</a:t>
+            </a:r>
+            <a:endParaRPr lang="en-BE" dirty="0"/>
+          </a:p>
+        </p:txBody>
+      </p:sp>
+    </p:spTree>
+    <p:extLst>
+      <p:ext uri="{BB962C8B-B14F-4D97-AF65-F5344CB8AC3E}">
+        <p14:creationId xmlns:p14="http://schemas.microsoft.com/office/powerpoint/2010/main" val="1226660338"/>
+      </p:ext>
+    </p:extLst>
+  </p:cSld>
+  <p:clrMapOvr>
+    <a:masterClrMapping/>
+  </p:clrMapOvr>
+</p:sld>
+</file>
+
+<file path=ppt/slides/slide4.xml><?xml version="1.0" encoding="utf-8"?>
+<p:sld xmlns:a="http://schemas.openxmlformats.org/drawingml/2006/main" xmlns:r="http://schemas.openxmlformats.org/officeDocument/2006/relationships" xmlns:p="http://schemas.openxmlformats.org/presentationml/2006/main">
+  <p:cSld>
+    <p:spTree>
+      <p:nvGrpSpPr>
+        <p:cNvPr id="1" name=""/>
+        <p:cNvGrpSpPr/>
+        <p:nvPr/>
+      </p:nvGrpSpPr>
+      <p:grpSpPr>
+        <a:xfrm>
+          <a:off x="0" y="0"/>
+          <a:ext cx="0" cy="0"/>
+          <a:chOff x="0" y="0"/>
+          <a:chExt cx="0" cy="0"/>
+        </a:xfrm>
+      </p:grpSpPr>
+      <p:sp>
+        <p:nvSpPr>
           <p:cNvPr id="2" name="Title 1">
             <a:extLst>
               <a:ext uri="{FF2B5EF4-FFF2-40B4-BE49-F238E27FC236}">
@@ -24260,7 +24652,7 @@
 </p:sld>
 </file>
 
-<file path=ppt/slides/slide4.xml><?xml version="1.0" encoding="utf-8"?>
+<file path=ppt/slides/slide5.xml><?xml version="1.0" encoding="utf-8"?>
 <p:sld xmlns:a="http://schemas.openxmlformats.org/drawingml/2006/main" xmlns:r="http://schemas.openxmlformats.org/officeDocument/2006/relationships" xmlns:p="http://schemas.openxmlformats.org/presentationml/2006/main">
   <p:cSld>
     <p:spTree>
@@ -25651,7 +26043,7 @@
 </p:sld>
 </file>
 
-<file path=ppt/slides/slide5.xml><?xml version="1.0" encoding="utf-8"?>
+<file path=ppt/slides/slide6.xml><?xml version="1.0" encoding="utf-8"?>
 <p:sld xmlns:a="http://schemas.openxmlformats.org/drawingml/2006/main" xmlns:r="http://schemas.openxmlformats.org/officeDocument/2006/relationships" xmlns:p="http://schemas.openxmlformats.org/presentationml/2006/main">
   <p:cSld>
     <p:spTree>
@@ -26138,7 +26530,7 @@
 </p:sld>
 </file>
 
-<file path=ppt/slides/slide6.xml><?xml version="1.0" encoding="utf-8"?>
+<file path=ppt/slides/slide7.xml><?xml version="1.0" encoding="utf-8"?>
 <p:sld xmlns:a="http://schemas.openxmlformats.org/drawingml/2006/main" xmlns:r="http://schemas.openxmlformats.org/officeDocument/2006/relationships" xmlns:p="http://schemas.openxmlformats.org/presentationml/2006/main">
   <p:cSld>
     <p:spTree>
@@ -26792,7 +27184,7 @@
           <p:nvPr>
             <p:extLst>
               <p:ext uri="{D42A27DB-BD31-4B8C-83A1-F6EECF244321}">
-                <p14:modId xmlns:p14="http://schemas.microsoft.com/office/powerpoint/2010/main" val="2980142505"/>
+                <p14:modId xmlns:p14="http://schemas.microsoft.com/office/powerpoint/2010/main" val="3493007695"/>
               </p:ext>
             </p:extLst>
           </p:nvPr>
@@ -26838,7 +27230,7 @@
                     <a:p>
                       <a:r>
                         <a:rPr lang="en-US" dirty="0"/>
-                        <a:t>Spring 2023</a:t>
+                        <a:t>Spring 2024</a:t>
                       </a:r>
                     </a:p>
                   </a:txBody>
@@ -26900,7 +27292,7 @@
                     <a:p>
                       <a:r>
                         <a:rPr lang="en-US" b="1" dirty="0"/>
-                        <a:t>Fall 2023</a:t>
+                        <a:t>Fall 2024</a:t>
                       </a:r>
                     </a:p>
                   </a:txBody>
@@ -27099,7 +27491,7 @@
 </p:sld>
 </file>
 
-<file path=ppt/slides/slide7.xml><?xml version="1.0" encoding="utf-8"?>
+<file path=ppt/slides/slide8.xml><?xml version="1.0" encoding="utf-8"?>
 <p:sld xmlns:a="http://schemas.openxmlformats.org/drawingml/2006/main" xmlns:r="http://schemas.openxmlformats.org/officeDocument/2006/relationships" xmlns:p="http://schemas.openxmlformats.org/presentationml/2006/main">
   <p:cSld>
     <p:spTree>
@@ -27361,7 +27753,7 @@
 </p:sld>
 </file>
 
-<file path=ppt/slides/slide8.xml><?xml version="1.0" encoding="utf-8"?>
+<file path=ppt/slides/slide9.xml><?xml version="1.0" encoding="utf-8"?>
 <p:sld xmlns:a="http://schemas.openxmlformats.org/drawingml/2006/main" xmlns:r="http://schemas.openxmlformats.org/officeDocument/2006/relationships" xmlns:p="http://schemas.openxmlformats.org/presentationml/2006/main">
   <p:cSld>
     <p:spTree>
@@ -27652,337 +28044,6 @@
     <p:extLst>
       <p:ext uri="{BB962C8B-B14F-4D97-AF65-F5344CB8AC3E}">
         <p14:creationId xmlns:p14="http://schemas.microsoft.com/office/powerpoint/2010/main" val="3217437396"/>
-      </p:ext>
-    </p:extLst>
-  </p:cSld>
-  <p:clrMapOvr>
-    <a:masterClrMapping/>
-  </p:clrMapOvr>
-</p:sld>
-</file>
-
-<file path=ppt/slides/slide9.xml><?xml version="1.0" encoding="utf-8"?>
-<p:sld xmlns:a="http://schemas.openxmlformats.org/drawingml/2006/main" xmlns:r="http://schemas.openxmlformats.org/officeDocument/2006/relationships" xmlns:p="http://schemas.openxmlformats.org/presentationml/2006/main">
-  <p:cSld>
-    <p:spTree>
-      <p:nvGrpSpPr>
-        <p:cNvPr id="1" name=""/>
-        <p:cNvGrpSpPr/>
-        <p:nvPr/>
-      </p:nvGrpSpPr>
-      <p:grpSpPr>
-        <a:xfrm>
-          <a:off x="0" y="0"/>
-          <a:ext cx="0" cy="0"/>
-          <a:chOff x="0" y="0"/>
-          <a:chExt cx="0" cy="0"/>
-        </a:xfrm>
-      </p:grpSpPr>
-      <p:sp>
-        <p:nvSpPr>
-          <p:cNvPr id="4" name="Title 1">
-            <a:extLst>
-              <a:ext uri="{FF2B5EF4-FFF2-40B4-BE49-F238E27FC236}">
-                <a16:creationId xmlns:a16="http://schemas.microsoft.com/office/drawing/2014/main" id="{3DA9892C-3019-E7CE-61B6-09C3D57E0E20}"/>
-              </a:ext>
-            </a:extLst>
-          </p:cNvPr>
-          <p:cNvSpPr txBox="1">
-            <a:spLocks/>
-          </p:cNvSpPr>
-          <p:nvPr/>
-        </p:nvSpPr>
-        <p:spPr>
-          <a:xfrm>
-            <a:off x="49160" y="117985"/>
-            <a:ext cx="10515600" cy="719600"/>
-          </a:xfrm>
-          <a:prstGeom prst="rect">
-            <a:avLst/>
-          </a:prstGeom>
-        </p:spPr>
-        <p:txBody>
-          <a:bodyPr vert="horz" lIns="91440" tIns="45720" rIns="91440" bIns="45720" rtlCol="0" anchor="ctr">
-            <a:normAutofit/>
-          </a:bodyPr>
-          <a:lstStyle>
-            <a:lvl1pPr algn="l" defTabSz="914400" rtl="0" eaLnBrk="1" latinLnBrk="0" hangingPunct="1">
-              <a:lnSpc>
-                <a:spcPct val="90000"/>
-              </a:lnSpc>
-              <a:spcBef>
-                <a:spcPct val="0"/>
-              </a:spcBef>
-              <a:buNone/>
-              <a:defRPr sz="4400" kern="1200">
-                <a:solidFill>
-                  <a:schemeClr val="tx1"/>
-                </a:solidFill>
-                <a:latin typeface="+mj-lt"/>
-                <a:ea typeface="+mj-ea"/>
-                <a:cs typeface="+mj-cs"/>
-              </a:defRPr>
-            </a:lvl1pPr>
-          </a:lstStyle>
-          <a:p>
-            <a:r>
-              <a:rPr lang="en-BE" dirty="0"/>
-              <a:t>Survey Results - Background</a:t>
-            </a:r>
-          </a:p>
-        </p:txBody>
-      </p:sp>
-      <p:pic>
-        <p:nvPicPr>
-          <p:cNvPr id="9218" name="Picture 2" descr="Forms response chart. Question title: Qn.2: How many months of industry software development experience did you have before the beginning the class 472:. Number of responses: 19 responses.">
-            <a:extLst>
-              <a:ext uri="{FF2B5EF4-FFF2-40B4-BE49-F238E27FC236}">
-                <a16:creationId xmlns:a16="http://schemas.microsoft.com/office/drawing/2014/main" id="{6B6F8E73-BC2E-BE32-7D30-5D3A0556FDD7}"/>
-              </a:ext>
-            </a:extLst>
-          </p:cNvPr>
-          <p:cNvPicPr>
-            <a:picLocks noChangeAspect="1" noChangeArrowheads="1"/>
-          </p:cNvPicPr>
-          <p:nvPr/>
-        </p:nvPicPr>
-        <p:blipFill rotWithShape="1">
-          <a:blip r:embed="rId3">
-            <a:extLst>
-              <a:ext uri="{28A0092B-C50C-407E-A947-70E740481C1C}">
-                <a14:useLocalDpi xmlns:a14="http://schemas.microsoft.com/office/drawing/2010/main" val="0"/>
-              </a:ext>
-            </a:extLst>
-          </a:blip>
-          <a:srcRect l="20011" t="33017" r="54179" b="8150"/>
-          <a:stretch/>
-        </p:blipFill>
-        <p:spPr bwMode="auto">
-          <a:xfrm>
-            <a:off x="1224501" y="2620736"/>
-            <a:ext cx="3193775" cy="3301671"/>
-          </a:xfrm>
-          <a:prstGeom prst="rect">
-            <a:avLst/>
-          </a:prstGeom>
-          <a:noFill/>
-          <a:extLst>
-            <a:ext uri="{909E8E84-426E-40DD-AFC4-6F175D3DCCD1}">
-              <a14:hiddenFill xmlns:a14="http://schemas.microsoft.com/office/drawing/2010/main">
-                <a:solidFill>
-                  <a:srgbClr val="FFFFFF"/>
-                </a:solidFill>
-              </a14:hiddenFill>
-            </a:ext>
-          </a:extLst>
-        </p:spPr>
-      </p:pic>
-      <p:sp>
-        <p:nvSpPr>
-          <p:cNvPr id="3" name="TextBox 2">
-            <a:extLst>
-              <a:ext uri="{FF2B5EF4-FFF2-40B4-BE49-F238E27FC236}">
-                <a16:creationId xmlns:a16="http://schemas.microsoft.com/office/drawing/2014/main" id="{EA0DD0E2-A573-E6BB-9352-4055552BD4E5}"/>
-              </a:ext>
-            </a:extLst>
-          </p:cNvPr>
-          <p:cNvSpPr txBox="1"/>
-          <p:nvPr/>
-        </p:nvSpPr>
-        <p:spPr>
-          <a:xfrm>
-            <a:off x="662609" y="1145908"/>
-            <a:ext cx="10416208" cy="646331"/>
-          </a:xfrm>
-          <a:prstGeom prst="rect">
-            <a:avLst/>
-          </a:prstGeom>
-          <a:noFill/>
-        </p:spPr>
-        <p:txBody>
-          <a:bodyPr wrap="square">
-            <a:spAutoFit/>
-          </a:bodyPr>
-          <a:lstStyle/>
-          <a:p>
-            <a:r>
-              <a:rPr lang="en-GB" b="0" i="0" dirty="0">
-                <a:solidFill>
-                  <a:srgbClr val="202124"/>
-                </a:solidFill>
-                <a:effectLst/>
-                <a:latin typeface="Roboto" panose="02000000000000000000" pitchFamily="2" charset="0"/>
-              </a:rPr>
-              <a:t>Qn.2: How many months of industry software development experience did you have before the beginning the class 472:</a:t>
-            </a:r>
-            <a:endParaRPr lang="en-US" dirty="0"/>
-          </a:p>
-        </p:txBody>
-      </p:sp>
-      <p:pic>
-        <p:nvPicPr>
-          <p:cNvPr id="2050" name="Picture 2" descr="Forms response chart. Question title: Qn.2: How many months of industry software development experience did you have before the beginning the class 472:&#10;. Number of responses: 10 responses.">
-            <a:extLst>
-              <a:ext uri="{FF2B5EF4-FFF2-40B4-BE49-F238E27FC236}">
-                <a16:creationId xmlns:a16="http://schemas.microsoft.com/office/drawing/2014/main" id="{FF9349F6-5234-74F9-9D4B-75CBE0F81814}"/>
-              </a:ext>
-            </a:extLst>
-          </p:cNvPr>
-          <p:cNvPicPr>
-            <a:picLocks noChangeAspect="1" noChangeArrowheads="1"/>
-          </p:cNvPicPr>
-          <p:nvPr/>
-        </p:nvPicPr>
-        <p:blipFill rotWithShape="1">
-          <a:blip r:embed="rId4">
-            <a:extLst>
-              <a:ext uri="{28A0092B-C50C-407E-A947-70E740481C1C}">
-                <a14:useLocalDpi xmlns:a14="http://schemas.microsoft.com/office/drawing/2010/main" val="0"/>
-              </a:ext>
-            </a:extLst>
-          </a:blip>
-          <a:srcRect l="20109" t="34735" r="53696" b="8694"/>
-          <a:stretch/>
-        </p:blipFill>
-        <p:spPr bwMode="auto">
-          <a:xfrm>
-            <a:off x="4998720" y="2584174"/>
-            <a:ext cx="3193774" cy="3127918"/>
-          </a:xfrm>
-          <a:prstGeom prst="rect">
-            <a:avLst/>
-          </a:prstGeom>
-          <a:noFill/>
-          <a:extLst>
-            <a:ext uri="{909E8E84-426E-40DD-AFC4-6F175D3DCCD1}">
-              <a14:hiddenFill xmlns:a14="http://schemas.microsoft.com/office/drawing/2010/main">
-                <a:solidFill>
-                  <a:srgbClr val="FFFFFF"/>
-                </a:solidFill>
-              </a14:hiddenFill>
-            </a:ext>
-          </a:extLst>
-        </p:spPr>
-      </p:pic>
-      <p:pic>
-        <p:nvPicPr>
-          <p:cNvPr id="5" name="Picture 2" descr="Forms response chart. Question title: Qn.2: How many months of industry software development experience did you have before the beginning the class 472:&#10;. Number of responses: 10 responses.">
-            <a:extLst>
-              <a:ext uri="{FF2B5EF4-FFF2-40B4-BE49-F238E27FC236}">
-                <a16:creationId xmlns:a16="http://schemas.microsoft.com/office/drawing/2014/main" id="{F1C6C8C2-C4A0-CC22-17DB-DAD6498DA7AD}"/>
-              </a:ext>
-            </a:extLst>
-          </p:cNvPr>
-          <p:cNvPicPr>
-            <a:picLocks noChangeAspect="1" noChangeArrowheads="1"/>
-          </p:cNvPicPr>
-          <p:nvPr/>
-        </p:nvPicPr>
-        <p:blipFill rotWithShape="1">
-          <a:blip r:embed="rId4">
-            <a:extLst>
-              <a:ext uri="{28A0092B-C50C-407E-A947-70E740481C1C}">
-                <a14:useLocalDpi xmlns:a14="http://schemas.microsoft.com/office/drawing/2010/main" val="0"/>
-              </a:ext>
-            </a:extLst>
-          </a:blip>
-          <a:srcRect l="61684" t="34735" r="16242" b="34587"/>
-          <a:stretch/>
-        </p:blipFill>
-        <p:spPr bwMode="auto">
-          <a:xfrm>
-            <a:off x="8601655" y="2229844"/>
-            <a:ext cx="2691185" cy="1696278"/>
-          </a:xfrm>
-          <a:prstGeom prst="rect">
-            <a:avLst/>
-          </a:prstGeom>
-          <a:noFill/>
-          <a:extLst>
-            <a:ext uri="{909E8E84-426E-40DD-AFC4-6F175D3DCCD1}">
-              <a14:hiddenFill xmlns:a14="http://schemas.microsoft.com/office/drawing/2010/main">
-                <a:solidFill>
-                  <a:srgbClr val="FFFFFF"/>
-                </a:solidFill>
-              </a14:hiddenFill>
-            </a:ext>
-          </a:extLst>
-        </p:spPr>
-      </p:pic>
-      <p:sp>
-        <p:nvSpPr>
-          <p:cNvPr id="6" name="TextBox 5">
-            <a:extLst>
-              <a:ext uri="{FF2B5EF4-FFF2-40B4-BE49-F238E27FC236}">
-                <a16:creationId xmlns:a16="http://schemas.microsoft.com/office/drawing/2014/main" id="{8FFBAEE2-BCE6-663C-393B-DA9438C15232}"/>
-              </a:ext>
-            </a:extLst>
-          </p:cNvPr>
-          <p:cNvSpPr txBox="1"/>
-          <p:nvPr/>
-        </p:nvSpPr>
-        <p:spPr>
-          <a:xfrm>
-            <a:off x="1421875" y="2251404"/>
-            <a:ext cx="2799026" cy="369332"/>
-          </a:xfrm>
-          <a:prstGeom prst="rect">
-            <a:avLst/>
-          </a:prstGeom>
-          <a:noFill/>
-        </p:spPr>
-        <p:txBody>
-          <a:bodyPr wrap="square" rtlCol="0">
-            <a:spAutoFit/>
-          </a:bodyPr>
-          <a:lstStyle/>
-          <a:p>
-            <a:r>
-              <a:rPr lang="en-US" dirty="0"/>
-              <a:t>Spring 2023 -  19 responses</a:t>
-            </a:r>
-          </a:p>
-        </p:txBody>
-      </p:sp>
-      <p:sp>
-        <p:nvSpPr>
-          <p:cNvPr id="7" name="TextBox 6">
-            <a:extLst>
-              <a:ext uri="{FF2B5EF4-FFF2-40B4-BE49-F238E27FC236}">
-                <a16:creationId xmlns:a16="http://schemas.microsoft.com/office/drawing/2014/main" id="{9A71BFF2-14B2-318D-6400-640597EF419D}"/>
-              </a:ext>
-            </a:extLst>
-          </p:cNvPr>
-          <p:cNvSpPr txBox="1"/>
-          <p:nvPr/>
-        </p:nvSpPr>
-        <p:spPr>
-          <a:xfrm>
-            <a:off x="5306960" y="2200854"/>
-            <a:ext cx="2566035" cy="369332"/>
-          </a:xfrm>
-          <a:prstGeom prst="rect">
-            <a:avLst/>
-          </a:prstGeom>
-          <a:noFill/>
-        </p:spPr>
-        <p:txBody>
-          <a:bodyPr wrap="square" rtlCol="0">
-            <a:spAutoFit/>
-          </a:bodyPr>
-          <a:lstStyle/>
-          <a:p>
-            <a:r>
-              <a:rPr lang="en-US" dirty="0"/>
-              <a:t>Fall 2023 -  10 responses</a:t>
-            </a:r>
-          </a:p>
-        </p:txBody>
-      </p:sp>
-    </p:spTree>
-    <p:extLst>
-      <p:ext uri="{BB962C8B-B14F-4D97-AF65-F5344CB8AC3E}">
-        <p14:creationId xmlns:p14="http://schemas.microsoft.com/office/powerpoint/2010/main" val="2300987147"/>
       </p:ext>
     </p:extLst>
   </p:cSld>

--- a/teaching/CS472/Timetable/Survey_Presentation.pptx
+++ b/teaching/CS472/Timetable/Survey_Presentation.pptx
@@ -8511,203 +8511,6 @@
       </p:grpSp>
       <p:grpSp>
         <p:nvGrpSpPr>
-          <p:cNvPr id="12" name="Group 11">
-            <a:extLst>
-              <a:ext uri="{FF2B5EF4-FFF2-40B4-BE49-F238E27FC236}">
-                <a16:creationId xmlns:a16="http://schemas.microsoft.com/office/drawing/2014/main" id="{1B909736-A20E-94C9-CA61-51C84C63A65A}"/>
-              </a:ext>
-            </a:extLst>
-          </p:cNvPr>
-          <p:cNvGrpSpPr/>
-          <p:nvPr/>
-        </p:nvGrpSpPr>
-        <p:grpSpPr>
-          <a:xfrm>
-            <a:off x="8132892" y="4024040"/>
-            <a:ext cx="3538856" cy="2385298"/>
-            <a:chOff x="319549" y="979987"/>
-            <a:chExt cx="3538856" cy="2385298"/>
-          </a:xfrm>
-        </p:grpSpPr>
-        <p:grpSp>
-          <p:nvGrpSpPr>
-            <p:cNvPr id="13" name="Group 12">
-              <a:extLst>
-                <a:ext uri="{FF2B5EF4-FFF2-40B4-BE49-F238E27FC236}">
-                  <a16:creationId xmlns:a16="http://schemas.microsoft.com/office/drawing/2014/main" id="{57907BD7-DDA9-0336-CFCE-C36147C84F2A}"/>
-                </a:ext>
-              </a:extLst>
-            </p:cNvPr>
-            <p:cNvGrpSpPr/>
-            <p:nvPr/>
-          </p:nvGrpSpPr>
-          <p:grpSpPr>
-            <a:xfrm>
-              <a:off x="319549" y="979987"/>
-              <a:ext cx="3538856" cy="2166853"/>
-              <a:chOff x="10960347" y="9111518"/>
-              <a:chExt cx="3538856" cy="3121866"/>
-            </a:xfrm>
-          </p:grpSpPr>
-          <p:pic>
-            <p:nvPicPr>
-              <p:cNvPr id="15" name="Picture 6" descr="Callout png images | PNGWing">
-                <a:extLst>
-                  <a:ext uri="{FF2B5EF4-FFF2-40B4-BE49-F238E27FC236}">
-                    <a16:creationId xmlns:a16="http://schemas.microsoft.com/office/drawing/2014/main" id="{3014AAEB-6E09-E14E-AE5A-B11DB236037E}"/>
-                  </a:ext>
-                </a:extLst>
-              </p:cNvPr>
-              <p:cNvPicPr>
-                <a:picLocks noChangeAspect="1" noChangeArrowheads="1"/>
-              </p:cNvPicPr>
-              <p:nvPr/>
-            </p:nvPicPr>
-            <p:blipFill rotWithShape="1">
-              <a:blip r:embed="rId4">
-                <a:extLst>
-                  <a:ext uri="{BEBA8EAE-BF5A-486C-A8C5-ECC9F3942E4B}">
-                    <a14:imgProps xmlns:a14="http://schemas.microsoft.com/office/drawing/2010/main">
-                      <a14:imgLayer r:embed="rId5">
-                        <a14:imgEffect>
-                          <a14:backgroundRemoval t="1399" b="95455" l="10000" r="90000">
-                            <a14:foregroundMark x1="15326" y1="36888" x2="15326" y2="36888"/>
-                            <a14:foregroundMark x1="29348" y1="95804" x2="29348" y2="95804"/>
-                            <a14:foregroundMark x1="80543" y1="6818" x2="80543" y2="6818"/>
-                            <a14:foregroundMark x1="63152" y1="1748" x2="63152" y2="1748"/>
-                            <a14:foregroundMark x1="14891" y1="37413" x2="14891" y2="37413"/>
-                            <a14:foregroundMark x1="37717" y1="1399" x2="37717" y2="1399"/>
-                          </a14:backgroundRemoval>
-                        </a14:imgEffect>
-                      </a14:imgLayer>
-                    </a14:imgProps>
-                  </a:ext>
-                  <a:ext uri="{28A0092B-C50C-407E-A947-70E740481C1C}">
-                    <a14:useLocalDpi xmlns:a14="http://schemas.microsoft.com/office/drawing/2010/main" val="0"/>
-                  </a:ext>
-                </a:extLst>
-              </a:blip>
-              <a:srcRect l="14585" r="15921"/>
-              <a:stretch/>
-            </p:blipFill>
-            <p:spPr bwMode="auto">
-              <a:xfrm>
-                <a:off x="10960347" y="9111518"/>
-                <a:ext cx="3538856" cy="3121866"/>
-              </a:xfrm>
-              <a:prstGeom prst="rect">
-                <a:avLst/>
-              </a:prstGeom>
-              <a:noFill/>
-              <a:extLst>
-                <a:ext uri="{909E8E84-426E-40DD-AFC4-6F175D3DCCD1}">
-                  <a14:hiddenFill xmlns:a14="http://schemas.microsoft.com/office/drawing/2010/main">
-                    <a:solidFill>
-                      <a:srgbClr val="FFFFFF"/>
-                    </a:solidFill>
-                  </a14:hiddenFill>
-                </a:ext>
-              </a:extLst>
-            </p:spPr>
-          </p:pic>
-          <p:sp>
-            <p:nvSpPr>
-              <p:cNvPr id="17" name="Rectangle 16">
-                <a:extLst>
-                  <a:ext uri="{FF2B5EF4-FFF2-40B4-BE49-F238E27FC236}">
-                    <a16:creationId xmlns:a16="http://schemas.microsoft.com/office/drawing/2014/main" id="{6FF6264A-FBE9-A841-9C39-DBF6C75AC587}"/>
-                  </a:ext>
-                </a:extLst>
-              </p:cNvPr>
-              <p:cNvSpPr/>
-              <p:nvPr/>
-            </p:nvSpPr>
-            <p:spPr>
-              <a:xfrm>
-                <a:off x="11160281" y="9158529"/>
-                <a:ext cx="3255869" cy="2305811"/>
-              </a:xfrm>
-              <a:prstGeom prst="rect">
-                <a:avLst/>
-              </a:prstGeom>
-            </p:spPr>
-            <p:txBody>
-              <a:bodyPr wrap="square">
-                <a:spAutoFit/>
-              </a:bodyPr>
-              <a:lstStyle/>
-              <a:p>
-                <a:pPr algn="just"/>
-                <a:r>
-                  <a:rPr lang="en-BE" sz="1400" dirty="0"/>
-                  <a:t>[R2]. </a:t>
-                </a:r>
-                <a:r>
-                  <a:rPr lang="en-GB" sz="1400" b="1" i="0" dirty="0">
-                    <a:solidFill>
-                      <a:srgbClr val="C00000"/>
-                    </a:solidFill>
-                    <a:effectLst/>
-                    <a:latin typeface="Google Sans"/>
-                  </a:rPr>
-                  <a:t>Naturally assigned overtime</a:t>
-                </a:r>
-                <a:r>
-                  <a:rPr lang="en-BE" sz="1400" dirty="0">
-                    <a:solidFill>
-                      <a:srgbClr val="2000FF"/>
-                    </a:solidFill>
-                  </a:rPr>
-                  <a:t>. </a:t>
-                </a:r>
-                <a:r>
-                  <a:rPr lang="en-GB" sz="1400" b="0" i="0" dirty="0">
-                    <a:solidFill>
-                      <a:srgbClr val="1F1F1F"/>
-                    </a:solidFill>
-                    <a:effectLst/>
-                    <a:latin typeface="Google Sans"/>
-                  </a:rPr>
-                  <a:t>We attempted to allow anyone to step up and take on any task. We had no centralized leadership, but some people didn't step up to any tasks so a centralized leadership formed naturally from a lack of participation by few. </a:t>
-                </a:r>
-                <a:endParaRPr lang="en-GB" sz="1400" dirty="0"/>
-              </a:p>
-            </p:txBody>
-          </p:sp>
-        </p:grpSp>
-        <p:pic>
-          <p:nvPicPr>
-            <p:cNvPr id="14" name="Picture 13" descr="A black and white pictogram of a person carrying a backpack&#10;&#10;Description automatically generated">
-              <a:extLst>
-                <a:ext uri="{FF2B5EF4-FFF2-40B4-BE49-F238E27FC236}">
-                  <a16:creationId xmlns:a16="http://schemas.microsoft.com/office/drawing/2014/main" id="{534C6BE8-C7D7-0CEB-9F5A-7D7AA5C5ED84}"/>
-                </a:ext>
-              </a:extLst>
-            </p:cNvPr>
-            <p:cNvPicPr>
-              <a:picLocks noChangeAspect="1"/>
-            </p:cNvPicPr>
-            <p:nvPr/>
-          </p:nvPicPr>
-          <p:blipFill>
-            <a:blip r:embed="rId6"/>
-            <a:stretch>
-              <a:fillRect/>
-            </a:stretch>
-          </p:blipFill>
-          <p:spPr>
-            <a:xfrm>
-              <a:off x="519483" y="2645685"/>
-              <a:ext cx="482062" cy="719600"/>
-            </a:xfrm>
-            <a:prstGeom prst="rect">
-              <a:avLst/>
-            </a:prstGeom>
-          </p:spPr>
-        </p:pic>
-      </p:grpSp>
-      <p:grpSp>
-        <p:nvGrpSpPr>
           <p:cNvPr id="18" name="Group 17">
             <a:extLst>
               <a:ext uri="{FF2B5EF4-FFF2-40B4-BE49-F238E27FC236}">
@@ -9258,58 +9061,6 @@
       </p:sp>
       <p:sp>
         <p:nvSpPr>
-          <p:cNvPr id="32" name="Rounded Rectangle 31">
-            <a:extLst>
-              <a:ext uri="{FF2B5EF4-FFF2-40B4-BE49-F238E27FC236}">
-                <a16:creationId xmlns:a16="http://schemas.microsoft.com/office/drawing/2014/main" id="{F9AB756D-60E0-B8E2-690D-BABB15DC30A3}"/>
-              </a:ext>
-            </a:extLst>
-          </p:cNvPr>
-          <p:cNvSpPr/>
-          <p:nvPr/>
-        </p:nvSpPr>
-        <p:spPr>
-          <a:xfrm>
-            <a:off x="4553326" y="4877005"/>
-            <a:ext cx="1749150" cy="338290"/>
-          </a:xfrm>
-          <a:prstGeom prst="roundRect">
-            <a:avLst/>
-          </a:prstGeom>
-          <a:noFill/>
-          <a:ln w="28575">
-            <a:solidFill>
-              <a:srgbClr val="C00000"/>
-            </a:solidFill>
-          </a:ln>
-        </p:spPr>
-        <p:style>
-          <a:lnRef idx="2">
-            <a:schemeClr val="accent1">
-              <a:shade val="15000"/>
-            </a:schemeClr>
-          </a:lnRef>
-          <a:fillRef idx="1">
-            <a:schemeClr val="accent1"/>
-          </a:fillRef>
-          <a:effectRef idx="0">
-            <a:schemeClr val="accent1"/>
-          </a:effectRef>
-          <a:fontRef idx="minor">
-            <a:schemeClr val="lt1"/>
-          </a:fontRef>
-        </p:style>
-        <p:txBody>
-          <a:bodyPr rtlCol="0" anchor="ctr"/>
-          <a:lstStyle/>
-          <a:p>
-            <a:pPr algn="ctr"/>
-            <a:endParaRPr lang="en-BE"/>
-          </a:p>
-        </p:txBody>
-      </p:sp>
-      <p:sp>
-        <p:nvSpPr>
           <p:cNvPr id="35" name="TextBox 34">
             <a:extLst>
               <a:ext uri="{FF2B5EF4-FFF2-40B4-BE49-F238E27FC236}">
@@ -9550,7 +9301,7 @@
                                           </p:stCondLst>
                                         </p:cTn>
                                         <p:tgtEl>
-                                          <p:spTgt spid="32"/>
+                                          <p:spTgt spid="29"/>
                                         </p:tgtEl>
                                         <p:attrNameLst>
                                           <p:attrName>style.visibility</p:attrName>
@@ -9564,7 +9315,7 @@
                                       <p:cBhvr>
                                         <p:cTn id="17" dur="500"/>
                                         <p:tgtEl>
-                                          <p:spTgt spid="32"/>
+                                          <p:spTgt spid="29"/>
                                         </p:tgtEl>
                                       </p:cBhvr>
                                     </p:animEffect>
@@ -9603,7 +9354,7 @@
                                           </p:stCondLst>
                                         </p:cTn>
                                         <p:tgtEl>
-                                          <p:spTgt spid="12"/>
+                                          <p:spTgt spid="24"/>
                                         </p:tgtEl>
                                         <p:attrNameLst>
                                           <p:attrName>style.visibility</p:attrName>
@@ -9617,7 +9368,7 @@
                                       <p:cBhvr>
                                         <p:cTn id="22" dur="500"/>
                                         <p:tgtEl>
-                                          <p:spTgt spid="12"/>
+                                          <p:spTgt spid="24"/>
                                         </p:tgtEl>
                                       </p:cBhvr>
                                     </p:animEffect>
@@ -9656,7 +9407,7 @@
                                           </p:stCondLst>
                                         </p:cTn>
                                         <p:tgtEl>
-                                          <p:spTgt spid="29"/>
+                                          <p:spTgt spid="30"/>
                                         </p:tgtEl>
                                         <p:attrNameLst>
                                           <p:attrName>style.visibility</p:attrName>
@@ -9670,7 +9421,7 @@
                                       <p:cBhvr>
                                         <p:cTn id="27" dur="500"/>
                                         <p:tgtEl>
-                                          <p:spTgt spid="29"/>
+                                          <p:spTgt spid="30"/>
                                         </p:tgtEl>
                                       </p:cBhvr>
                                     </p:animEffect>
@@ -9709,7 +9460,7 @@
                                           </p:stCondLst>
                                         </p:cTn>
                                         <p:tgtEl>
-                                          <p:spTgt spid="24"/>
+                                          <p:spTgt spid="11"/>
                                         </p:tgtEl>
                                         <p:attrNameLst>
                                           <p:attrName>style.visibility</p:attrName>
@@ -9722,112 +9473,6 @@
                                     <p:animEffect transition="in" filter="dissolve">
                                       <p:cBhvr>
                                         <p:cTn id="32" dur="500"/>
-                                        <p:tgtEl>
-                                          <p:spTgt spid="24"/>
-                                        </p:tgtEl>
-                                      </p:cBhvr>
-                                    </p:animEffect>
-                                  </p:childTnLst>
-                                </p:cTn>
-                              </p:par>
-                            </p:childTnLst>
-                          </p:cTn>
-                        </p:par>
-                      </p:childTnLst>
-                    </p:cTn>
-                  </p:par>
-                  <p:par>
-                    <p:cTn id="33" fill="hold">
-                      <p:stCondLst>
-                        <p:cond delay="indefinite"/>
-                      </p:stCondLst>
-                      <p:childTnLst>
-                        <p:par>
-                          <p:cTn id="34" fill="hold">
-                            <p:stCondLst>
-                              <p:cond delay="0"/>
-                            </p:stCondLst>
-                            <p:childTnLst>
-                              <p:par>
-                                <p:cTn id="35" presetID="9" presetClass="entr" presetSubtype="0" fill="hold" grpId="0" nodeType="clickEffect">
-                                  <p:stCondLst>
-                                    <p:cond delay="0"/>
-                                  </p:stCondLst>
-                                  <p:childTnLst>
-                                    <p:set>
-                                      <p:cBhvr>
-                                        <p:cTn id="36" dur="1" fill="hold">
-                                          <p:stCondLst>
-                                            <p:cond delay="0"/>
-                                          </p:stCondLst>
-                                        </p:cTn>
-                                        <p:tgtEl>
-                                          <p:spTgt spid="30"/>
-                                        </p:tgtEl>
-                                        <p:attrNameLst>
-                                          <p:attrName>style.visibility</p:attrName>
-                                        </p:attrNameLst>
-                                      </p:cBhvr>
-                                      <p:to>
-                                        <p:strVal val="visible"/>
-                                      </p:to>
-                                    </p:set>
-                                    <p:animEffect transition="in" filter="dissolve">
-                                      <p:cBhvr>
-                                        <p:cTn id="37" dur="500"/>
-                                        <p:tgtEl>
-                                          <p:spTgt spid="30"/>
-                                        </p:tgtEl>
-                                      </p:cBhvr>
-                                    </p:animEffect>
-                                  </p:childTnLst>
-                                </p:cTn>
-                              </p:par>
-                            </p:childTnLst>
-                          </p:cTn>
-                        </p:par>
-                      </p:childTnLst>
-                    </p:cTn>
-                  </p:par>
-                  <p:par>
-                    <p:cTn id="38" fill="hold">
-                      <p:stCondLst>
-                        <p:cond delay="indefinite"/>
-                      </p:stCondLst>
-                      <p:childTnLst>
-                        <p:par>
-                          <p:cTn id="39" fill="hold">
-                            <p:stCondLst>
-                              <p:cond delay="0"/>
-                            </p:stCondLst>
-                            <p:childTnLst>
-                              <p:par>
-                                <p:cTn id="40" presetID="9" presetClass="entr" presetSubtype="0" fill="hold" nodeType="clickEffect">
-                                  <p:stCondLst>
-                                    <p:cond delay="0"/>
-                                  </p:stCondLst>
-                                  <p:childTnLst>
-                                    <p:set>
-                                      <p:cBhvr>
-                                        <p:cTn id="41" dur="1" fill="hold">
-                                          <p:stCondLst>
-                                            <p:cond delay="0"/>
-                                          </p:stCondLst>
-                                        </p:cTn>
-                                        <p:tgtEl>
-                                          <p:spTgt spid="11"/>
-                                        </p:tgtEl>
-                                        <p:attrNameLst>
-                                          <p:attrName>style.visibility</p:attrName>
-                                        </p:attrNameLst>
-                                      </p:cBhvr>
-                                      <p:to>
-                                        <p:strVal val="visible"/>
-                                      </p:to>
-                                    </p:set>
-                                    <p:animEffect transition="in" filter="dissolve">
-                                      <p:cBhvr>
-                                        <p:cTn id="42" dur="500"/>
                                         <p:tgtEl>
                                           <p:spTgt spid="11"/>
                                         </p:tgtEl>
@@ -9867,7 +9512,6 @@
       <p:bldP spid="29" grpId="0" animBg="1"/>
       <p:bldP spid="30" grpId="0" animBg="1"/>
       <p:bldP spid="31" grpId="0" animBg="1"/>
-      <p:bldP spid="32" grpId="0" animBg="1"/>
     </p:bldLst>
   </p:timing>
 </p:sld>
@@ -16040,213 +15684,6 @@
           </p:spPr>
         </p:pic>
       </p:grpSp>
-      <p:grpSp>
-        <p:nvGrpSpPr>
-          <p:cNvPr id="29" name="Group 28">
-            <a:extLst>
-              <a:ext uri="{FF2B5EF4-FFF2-40B4-BE49-F238E27FC236}">
-                <a16:creationId xmlns:a16="http://schemas.microsoft.com/office/drawing/2014/main" id="{6EC93E25-EA7E-0DD0-5B7B-B21019751BE8}"/>
-              </a:ext>
-            </a:extLst>
-          </p:cNvPr>
-          <p:cNvGrpSpPr/>
-          <p:nvPr/>
-        </p:nvGrpSpPr>
-        <p:grpSpPr>
-          <a:xfrm>
-            <a:off x="4701716" y="4206069"/>
-            <a:ext cx="3450655" cy="2348206"/>
-            <a:chOff x="407749" y="601547"/>
-            <a:chExt cx="3450655" cy="2348206"/>
-          </a:xfrm>
-        </p:grpSpPr>
-        <p:grpSp>
-          <p:nvGrpSpPr>
-            <p:cNvPr id="30" name="Group 29">
-              <a:extLst>
-                <a:ext uri="{FF2B5EF4-FFF2-40B4-BE49-F238E27FC236}">
-                  <a16:creationId xmlns:a16="http://schemas.microsoft.com/office/drawing/2014/main" id="{A87F9D31-1FA7-7F5A-E518-8A2F42A520C7}"/>
-                </a:ext>
-              </a:extLst>
-            </p:cNvPr>
-            <p:cNvGrpSpPr/>
-            <p:nvPr/>
-          </p:nvGrpSpPr>
-          <p:grpSpPr>
-            <a:xfrm>
-              <a:off x="407749" y="601547"/>
-              <a:ext cx="3450655" cy="1862735"/>
-              <a:chOff x="11048547" y="8566289"/>
-              <a:chExt cx="3450655" cy="2683713"/>
-            </a:xfrm>
-          </p:grpSpPr>
-          <p:pic>
-            <p:nvPicPr>
-              <p:cNvPr id="32" name="Picture 6" descr="Callout png images | PNGWing">
-                <a:extLst>
-                  <a:ext uri="{FF2B5EF4-FFF2-40B4-BE49-F238E27FC236}">
-                    <a16:creationId xmlns:a16="http://schemas.microsoft.com/office/drawing/2014/main" id="{D04D6135-72BC-DCEA-B161-F01DC8133B86}"/>
-                  </a:ext>
-                </a:extLst>
-              </p:cNvPr>
-              <p:cNvPicPr>
-                <a:picLocks noChangeAspect="1" noChangeArrowheads="1"/>
-              </p:cNvPicPr>
-              <p:nvPr/>
-            </p:nvPicPr>
-            <p:blipFill rotWithShape="1">
-              <a:blip r:embed="rId3">
-                <a:extLst>
-                  <a:ext uri="{BEBA8EAE-BF5A-486C-A8C5-ECC9F3942E4B}">
-                    <a14:imgProps xmlns:a14="http://schemas.microsoft.com/office/drawing/2010/main">
-                      <a14:imgLayer r:embed="rId4">
-                        <a14:imgEffect>
-                          <a14:backgroundRemoval t="1399" b="95455" l="10000" r="90000">
-                            <a14:foregroundMark x1="15326" y1="36888" x2="15326" y2="36888"/>
-                            <a14:foregroundMark x1="29348" y1="95804" x2="29348" y2="95804"/>
-                            <a14:foregroundMark x1="80543" y1="6818" x2="80543" y2="6818"/>
-                            <a14:foregroundMark x1="63152" y1="1748" x2="63152" y2="1748"/>
-                            <a14:foregroundMark x1="14891" y1="37413" x2="14891" y2="37413"/>
-                            <a14:foregroundMark x1="37717" y1="1399" x2="37717" y2="1399"/>
-                          </a14:backgroundRemoval>
-                        </a14:imgEffect>
-                      </a14:imgLayer>
-                    </a14:imgProps>
-                  </a:ext>
-                  <a:ext uri="{28A0092B-C50C-407E-A947-70E740481C1C}">
-                    <a14:useLocalDpi xmlns:a14="http://schemas.microsoft.com/office/drawing/2010/main" val="0"/>
-                  </a:ext>
-                </a:extLst>
-              </a:blip>
-              <a:srcRect l="14585" r="15921"/>
-              <a:stretch/>
-            </p:blipFill>
-            <p:spPr bwMode="auto">
-              <a:xfrm>
-                <a:off x="11048547" y="8566289"/>
-                <a:ext cx="3450655" cy="2683713"/>
-              </a:xfrm>
-              <a:prstGeom prst="rect">
-                <a:avLst/>
-              </a:prstGeom>
-              <a:noFill/>
-              <a:extLst>
-                <a:ext uri="{909E8E84-426E-40DD-AFC4-6F175D3DCCD1}">
-                  <a14:hiddenFill xmlns:a14="http://schemas.microsoft.com/office/drawing/2010/main">
-                    <a:solidFill>
-                      <a:srgbClr val="FFFFFF"/>
-                    </a:solidFill>
-                  </a14:hiddenFill>
-                </a:ext>
-              </a:extLst>
-            </p:spPr>
-          </p:pic>
-          <p:sp>
-            <p:nvSpPr>
-              <p:cNvPr id="33" name="Rectangle 32">
-                <a:extLst>
-                  <a:ext uri="{FF2B5EF4-FFF2-40B4-BE49-F238E27FC236}">
-                    <a16:creationId xmlns:a16="http://schemas.microsoft.com/office/drawing/2014/main" id="{D9914F54-1302-DF31-07F8-6DA084EC233D}"/>
-                  </a:ext>
-                </a:extLst>
-              </p:cNvPr>
-              <p:cNvSpPr/>
-              <p:nvPr/>
-            </p:nvSpPr>
-            <p:spPr>
-              <a:xfrm>
-                <a:off x="11160281" y="8777091"/>
-                <a:ext cx="3255869" cy="1951072"/>
-              </a:xfrm>
-              <a:prstGeom prst="rect">
-                <a:avLst/>
-              </a:prstGeom>
-            </p:spPr>
-            <p:txBody>
-              <a:bodyPr wrap="square">
-                <a:spAutoFit/>
-              </a:bodyPr>
-              <a:lstStyle/>
-              <a:p>
-                <a:pPr algn="just"/>
-                <a:r>
-                  <a:rPr lang="en-BE" sz="1400" dirty="0"/>
-                  <a:t>[R16]. </a:t>
-                </a:r>
-                <a:r>
-                  <a:rPr lang="en-GB" sz="1400" b="1" dirty="0">
-                    <a:solidFill>
-                      <a:srgbClr val="2000FF"/>
-                    </a:solidFill>
-                    <a:latin typeface="Google Sans"/>
-                  </a:rPr>
-                  <a:t>Time management </a:t>
-                </a:r>
-                <a:r>
-                  <a:rPr lang="en-BE" sz="1400" b="1" dirty="0">
-                    <a:solidFill>
-                      <a:srgbClr val="2000FF"/>
-                    </a:solidFill>
-                  </a:rPr>
-                  <a:t>--</a:t>
-                </a:r>
-                <a:r>
-                  <a:rPr lang="en-BE" sz="1400" dirty="0">
-                    <a:solidFill>
-                      <a:srgbClr val="2000FF"/>
-                    </a:solidFill>
-                  </a:rPr>
-                  <a:t> </a:t>
-                </a:r>
-                <a:r>
-                  <a:rPr lang="en-GB" sz="1400" b="0" i="0" dirty="0">
-                    <a:solidFill>
-                      <a:srgbClr val="1F1F1F"/>
-                    </a:solidFill>
-                    <a:effectLst/>
-                  </a:rPr>
-                  <a:t>Sometimes some team members cannot join the meeting because they do not have time, So I think time management will be a challenge than other reasons.</a:t>
-                </a:r>
-                <a:endParaRPr lang="en-BE" sz="1400" dirty="0"/>
-              </a:p>
-              <a:p>
-                <a:pPr algn="just"/>
-                <a:endParaRPr lang="en-BE" sz="1200" dirty="0"/>
-              </a:p>
-            </p:txBody>
-          </p:sp>
-        </p:grpSp>
-        <p:pic>
-          <p:nvPicPr>
-            <p:cNvPr id="31" name="Picture 30" descr="A black and white pictogram of a person carrying a backpack&#10;&#10;Description automatically generated">
-              <a:extLst>
-                <a:ext uri="{FF2B5EF4-FFF2-40B4-BE49-F238E27FC236}">
-                  <a16:creationId xmlns:a16="http://schemas.microsoft.com/office/drawing/2014/main" id="{8F49476D-16C4-CDDE-8604-E3CDC7798831}"/>
-                </a:ext>
-              </a:extLst>
-            </p:cNvPr>
-            <p:cNvPicPr>
-              <a:picLocks noChangeAspect="1"/>
-            </p:cNvPicPr>
-            <p:nvPr/>
-          </p:nvPicPr>
-          <p:blipFill>
-            <a:blip r:embed="rId5"/>
-            <a:stretch>
-              <a:fillRect/>
-            </a:stretch>
-          </p:blipFill>
-          <p:spPr>
-            <a:xfrm>
-              <a:off x="519483" y="2230153"/>
-              <a:ext cx="482062" cy="719600"/>
-            </a:xfrm>
-            <a:prstGeom prst="rect">
-              <a:avLst/>
-            </a:prstGeom>
-          </p:spPr>
-        </p:pic>
-      </p:grpSp>
     </p:spTree>
     <p:extLst>
       <p:ext uri="{BB962C8B-B14F-4D97-AF65-F5344CB8AC3E}">
@@ -16465,59 +15902,6 @@
                                         <p:cTn id="22" dur="500"/>
                                         <p:tgtEl>
                                           <p:spTgt spid="19"/>
-                                        </p:tgtEl>
-                                      </p:cBhvr>
-                                    </p:animEffect>
-                                  </p:childTnLst>
-                                </p:cTn>
-                              </p:par>
-                            </p:childTnLst>
-                          </p:cTn>
-                        </p:par>
-                      </p:childTnLst>
-                    </p:cTn>
-                  </p:par>
-                  <p:par>
-                    <p:cTn id="23" fill="hold">
-                      <p:stCondLst>
-                        <p:cond delay="indefinite"/>
-                      </p:stCondLst>
-                      <p:childTnLst>
-                        <p:par>
-                          <p:cTn id="24" fill="hold">
-                            <p:stCondLst>
-                              <p:cond delay="0"/>
-                            </p:stCondLst>
-                            <p:childTnLst>
-                              <p:par>
-                                <p:cTn id="25" presetID="9" presetClass="entr" presetSubtype="0" fill="hold" nodeType="clickEffect">
-                                  <p:stCondLst>
-                                    <p:cond delay="0"/>
-                                  </p:stCondLst>
-                                  <p:childTnLst>
-                                    <p:set>
-                                      <p:cBhvr>
-                                        <p:cTn id="26" dur="1" fill="hold">
-                                          <p:stCondLst>
-                                            <p:cond delay="0"/>
-                                          </p:stCondLst>
-                                        </p:cTn>
-                                        <p:tgtEl>
-                                          <p:spTgt spid="29"/>
-                                        </p:tgtEl>
-                                        <p:attrNameLst>
-                                          <p:attrName>style.visibility</p:attrName>
-                                        </p:attrNameLst>
-                                      </p:cBhvr>
-                                      <p:to>
-                                        <p:strVal val="visible"/>
-                                      </p:to>
-                                    </p:set>
-                                    <p:animEffect transition="in" filter="dissolve">
-                                      <p:cBhvr>
-                                        <p:cTn id="27" dur="500"/>
-                                        <p:tgtEl>
-                                          <p:spTgt spid="29"/>
                                         </p:tgtEl>
                                       </p:cBhvr>
                                     </p:animEffect>

--- a/teaching/CS472/Timetable/Survey_Presentation.pptx
+++ b/teaching/CS472/Timetable/Survey_Presentation.pptx
@@ -14759,6 +14759,17 @@
               <a:t>I will meet with the groups after submission of DP II</a:t>
             </a:r>
           </a:p>
+          <a:p>
+            <a:r>
+              <a:rPr lang="en-US" dirty="0"/>
+              <a:t>Feel free schedule a meeting to discuss anything about </a:t>
+            </a:r>
+            <a:r>
+              <a:rPr lang="en-US"/>
+              <a:t>the project</a:t>
+            </a:r>
+            <a:endParaRPr lang="en-US" dirty="0"/>
+          </a:p>
         </p:txBody>
       </p:sp>
     </p:spTree>

--- a/teaching/CS472/Timetable/Survey_Presentation.pptx
+++ b/teaching/CS472/Timetable/Survey_Presentation.pptx
@@ -14762,13 +14762,8 @@
           <a:p>
             <a:r>
               <a:rPr lang="en-US" dirty="0"/>
-              <a:t>Feel free schedule a meeting to discuss anything about </a:t>
+              <a:t>Feel free schedule a meeting to discuss anything about the project</a:t>
             </a:r>
-            <a:r>
-              <a:rPr lang="en-US"/>
-              <a:t>the project</a:t>
-            </a:r>
-            <a:endParaRPr lang="en-US" dirty="0"/>
           </a:p>
         </p:txBody>
       </p:sp>
